--- a/TDR/Assets/Grafics.pptx
+++ b/TDR/Assets/Grafics.pptx
@@ -105,6 +105,11 @@
       </a:defRPr>
     </a:lvl9pPr>
   </p:defaultTextStyle>
+  <p:extLst>
+    <p:ext uri="{EFAFB233-063F-42B5-8137-9DF3F51BA10A}">
+      <p15:sldGuideLst xmlns:p15="http://schemas.microsoft.com/office/powerpoint/2012/main"/>
+    </p:ext>
+  </p:extLst>
 </p:presentation>
 </file>
 
@@ -257,7 +262,7 @@
           <a:p>
             <a:fld id="{F64DB6B8-F5AD-4865-AF8B-2FAB6E13D093}" type="datetimeFigureOut">
               <a:rPr lang="ca-ES" smtClean="0"/>
-              <a:t>5/3/2022</a:t>
+              <a:t>13/6/2022</a:t>
             </a:fld>
             <a:endParaRPr lang="ca-ES"/>
           </a:p>
@@ -457,7 +462,7 @@
           <a:p>
             <a:fld id="{F64DB6B8-F5AD-4865-AF8B-2FAB6E13D093}" type="datetimeFigureOut">
               <a:rPr lang="ca-ES" smtClean="0"/>
-              <a:t>5/3/2022</a:t>
+              <a:t>13/6/2022</a:t>
             </a:fld>
             <a:endParaRPr lang="ca-ES"/>
           </a:p>
@@ -667,7 +672,7 @@
           <a:p>
             <a:fld id="{F64DB6B8-F5AD-4865-AF8B-2FAB6E13D093}" type="datetimeFigureOut">
               <a:rPr lang="ca-ES" smtClean="0"/>
-              <a:t>5/3/2022</a:t>
+              <a:t>13/6/2022</a:t>
             </a:fld>
             <a:endParaRPr lang="ca-ES"/>
           </a:p>
@@ -867,7 +872,7 @@
           <a:p>
             <a:fld id="{F64DB6B8-F5AD-4865-AF8B-2FAB6E13D093}" type="datetimeFigureOut">
               <a:rPr lang="ca-ES" smtClean="0"/>
-              <a:t>5/3/2022</a:t>
+              <a:t>13/6/2022</a:t>
             </a:fld>
             <a:endParaRPr lang="ca-ES"/>
           </a:p>
@@ -1143,7 +1148,7 @@
           <a:p>
             <a:fld id="{F64DB6B8-F5AD-4865-AF8B-2FAB6E13D093}" type="datetimeFigureOut">
               <a:rPr lang="ca-ES" smtClean="0"/>
-              <a:t>5/3/2022</a:t>
+              <a:t>13/6/2022</a:t>
             </a:fld>
             <a:endParaRPr lang="ca-ES"/>
           </a:p>
@@ -1411,7 +1416,7 @@
           <a:p>
             <a:fld id="{F64DB6B8-F5AD-4865-AF8B-2FAB6E13D093}" type="datetimeFigureOut">
               <a:rPr lang="ca-ES" smtClean="0"/>
-              <a:t>5/3/2022</a:t>
+              <a:t>13/6/2022</a:t>
             </a:fld>
             <a:endParaRPr lang="ca-ES"/>
           </a:p>
@@ -1826,7 +1831,7 @@
           <a:p>
             <a:fld id="{F64DB6B8-F5AD-4865-AF8B-2FAB6E13D093}" type="datetimeFigureOut">
               <a:rPr lang="ca-ES" smtClean="0"/>
-              <a:t>5/3/2022</a:t>
+              <a:t>13/6/2022</a:t>
             </a:fld>
             <a:endParaRPr lang="ca-ES"/>
           </a:p>
@@ -1968,7 +1973,7 @@
           <a:p>
             <a:fld id="{F64DB6B8-F5AD-4865-AF8B-2FAB6E13D093}" type="datetimeFigureOut">
               <a:rPr lang="ca-ES" smtClean="0"/>
-              <a:t>5/3/2022</a:t>
+              <a:t>13/6/2022</a:t>
             </a:fld>
             <a:endParaRPr lang="ca-ES"/>
           </a:p>
@@ -2081,7 +2086,7 @@
           <a:p>
             <a:fld id="{F64DB6B8-F5AD-4865-AF8B-2FAB6E13D093}" type="datetimeFigureOut">
               <a:rPr lang="ca-ES" smtClean="0"/>
-              <a:t>5/3/2022</a:t>
+              <a:t>13/6/2022</a:t>
             </a:fld>
             <a:endParaRPr lang="ca-ES"/>
           </a:p>
@@ -2394,7 +2399,7 @@
           <a:p>
             <a:fld id="{F64DB6B8-F5AD-4865-AF8B-2FAB6E13D093}" type="datetimeFigureOut">
               <a:rPr lang="ca-ES" smtClean="0"/>
-              <a:t>5/3/2022</a:t>
+              <a:t>13/6/2022</a:t>
             </a:fld>
             <a:endParaRPr lang="ca-ES"/>
           </a:p>
@@ -2683,7 +2688,7 @@
           <a:p>
             <a:fld id="{F64DB6B8-F5AD-4865-AF8B-2FAB6E13D093}" type="datetimeFigureOut">
               <a:rPr lang="ca-ES" smtClean="0"/>
-              <a:t>5/3/2022</a:t>
+              <a:t>13/6/2022</a:t>
             </a:fld>
             <a:endParaRPr lang="ca-ES"/>
           </a:p>
@@ -2926,7 +2931,7 @@
           <a:p>
             <a:fld id="{F64DB6B8-F5AD-4865-AF8B-2FAB6E13D093}" type="datetimeFigureOut">
               <a:rPr lang="ca-ES" smtClean="0"/>
-              <a:t>5/3/2022</a:t>
+              <a:t>13/6/2022</a:t>
             </a:fld>
             <a:endParaRPr lang="ca-ES"/>
           </a:p>
@@ -6938,7 +6943,7 @@
           </a:xfrm>
           <a:prstGeom prst="roundRect">
             <a:avLst>
-              <a:gd name="adj" fmla="val 45470"/>
+              <a:gd name="adj" fmla="val 24435"/>
             </a:avLst>
           </a:prstGeom>
           <a:solidFill>
@@ -7016,7 +7021,7 @@
             </a:xfrm>
             <a:prstGeom prst="round1Rect">
               <a:avLst>
-                <a:gd name="adj" fmla="val 45904"/>
+                <a:gd name="adj" fmla="val 22799"/>
               </a:avLst>
             </a:prstGeom>
             <a:solidFill>
@@ -7051,7 +7056,7 @@
             <a:lstStyle/>
             <a:p>
               <a:pPr algn="ctr"/>
-              <a:endParaRPr lang="ca-ES"/>
+              <a:endParaRPr lang="ca-ES" dirty="0"/>
             </a:p>
           </p:txBody>
         </p:sp>
@@ -7179,7 +7184,7 @@
           </a:xfrm>
           <a:prstGeom prst="round1Rect">
             <a:avLst>
-              <a:gd name="adj" fmla="val 45904"/>
+              <a:gd name="adj" fmla="val 19151"/>
             </a:avLst>
           </a:prstGeom>
           <a:solidFill>
@@ -7341,7 +7346,7 @@
           </a:xfrm>
           <a:prstGeom prst="round1Rect">
             <a:avLst>
-              <a:gd name="adj" fmla="val 45904"/>
+              <a:gd name="adj" fmla="val 20367"/>
             </a:avLst>
           </a:prstGeom>
           <a:solidFill>
@@ -7503,7 +7508,7 @@
           </a:xfrm>
           <a:prstGeom prst="round1Rect">
             <a:avLst>
-              <a:gd name="adj" fmla="val 45904"/>
+              <a:gd name="adj" fmla="val 21583"/>
             </a:avLst>
           </a:prstGeom>
           <a:solidFill>

--- a/TDR/Assets/Grafics.pptx
+++ b/TDR/Assets/Grafics.pptx
@@ -6,7 +6,10 @@
   </p:sldMasterIdLst>
   <p:sldIdLst>
     <p:sldId id="256" r:id="rId2"/>
-    <p:sldId id="257" r:id="rId3"/>
+    <p:sldId id="260" r:id="rId3"/>
+    <p:sldId id="257" r:id="rId4"/>
+    <p:sldId id="259" r:id="rId5"/>
+    <p:sldId id="258" r:id="rId6"/>
   </p:sldIdLst>
   <p:sldSz cx="12192000" cy="6858000"/>
   <p:notesSz cx="6858000" cy="9144000"/>
@@ -262,7 +265,7 @@
           <a:p>
             <a:fld id="{F64DB6B8-F5AD-4865-AF8B-2FAB6E13D093}" type="datetimeFigureOut">
               <a:rPr lang="ca-ES" smtClean="0"/>
-              <a:t>13/6/2022</a:t>
+              <a:t>30/8/2022</a:t>
             </a:fld>
             <a:endParaRPr lang="ca-ES"/>
           </a:p>
@@ -462,7 +465,7 @@
           <a:p>
             <a:fld id="{F64DB6B8-F5AD-4865-AF8B-2FAB6E13D093}" type="datetimeFigureOut">
               <a:rPr lang="ca-ES" smtClean="0"/>
-              <a:t>13/6/2022</a:t>
+              <a:t>30/8/2022</a:t>
             </a:fld>
             <a:endParaRPr lang="ca-ES"/>
           </a:p>
@@ -672,7 +675,7 @@
           <a:p>
             <a:fld id="{F64DB6B8-F5AD-4865-AF8B-2FAB6E13D093}" type="datetimeFigureOut">
               <a:rPr lang="ca-ES" smtClean="0"/>
-              <a:t>13/6/2022</a:t>
+              <a:t>30/8/2022</a:t>
             </a:fld>
             <a:endParaRPr lang="ca-ES"/>
           </a:p>
@@ -872,7 +875,7 @@
           <a:p>
             <a:fld id="{F64DB6B8-F5AD-4865-AF8B-2FAB6E13D093}" type="datetimeFigureOut">
               <a:rPr lang="ca-ES" smtClean="0"/>
-              <a:t>13/6/2022</a:t>
+              <a:t>30/8/2022</a:t>
             </a:fld>
             <a:endParaRPr lang="ca-ES"/>
           </a:p>
@@ -1148,7 +1151,7 @@
           <a:p>
             <a:fld id="{F64DB6B8-F5AD-4865-AF8B-2FAB6E13D093}" type="datetimeFigureOut">
               <a:rPr lang="ca-ES" smtClean="0"/>
-              <a:t>13/6/2022</a:t>
+              <a:t>30/8/2022</a:t>
             </a:fld>
             <a:endParaRPr lang="ca-ES"/>
           </a:p>
@@ -1416,7 +1419,7 @@
           <a:p>
             <a:fld id="{F64DB6B8-F5AD-4865-AF8B-2FAB6E13D093}" type="datetimeFigureOut">
               <a:rPr lang="ca-ES" smtClean="0"/>
-              <a:t>13/6/2022</a:t>
+              <a:t>30/8/2022</a:t>
             </a:fld>
             <a:endParaRPr lang="ca-ES"/>
           </a:p>
@@ -1831,7 +1834,7 @@
           <a:p>
             <a:fld id="{F64DB6B8-F5AD-4865-AF8B-2FAB6E13D093}" type="datetimeFigureOut">
               <a:rPr lang="ca-ES" smtClean="0"/>
-              <a:t>13/6/2022</a:t>
+              <a:t>30/8/2022</a:t>
             </a:fld>
             <a:endParaRPr lang="ca-ES"/>
           </a:p>
@@ -1973,7 +1976,7 @@
           <a:p>
             <a:fld id="{F64DB6B8-F5AD-4865-AF8B-2FAB6E13D093}" type="datetimeFigureOut">
               <a:rPr lang="ca-ES" smtClean="0"/>
-              <a:t>13/6/2022</a:t>
+              <a:t>30/8/2022</a:t>
             </a:fld>
             <a:endParaRPr lang="ca-ES"/>
           </a:p>
@@ -2086,7 +2089,7 @@
           <a:p>
             <a:fld id="{F64DB6B8-F5AD-4865-AF8B-2FAB6E13D093}" type="datetimeFigureOut">
               <a:rPr lang="ca-ES" smtClean="0"/>
-              <a:t>13/6/2022</a:t>
+              <a:t>30/8/2022</a:t>
             </a:fld>
             <a:endParaRPr lang="ca-ES"/>
           </a:p>
@@ -2399,7 +2402,7 @@
           <a:p>
             <a:fld id="{F64DB6B8-F5AD-4865-AF8B-2FAB6E13D093}" type="datetimeFigureOut">
               <a:rPr lang="ca-ES" smtClean="0"/>
-              <a:t>13/6/2022</a:t>
+              <a:t>30/8/2022</a:t>
             </a:fld>
             <a:endParaRPr lang="ca-ES"/>
           </a:p>
@@ -2688,7 +2691,7 @@
           <a:p>
             <a:fld id="{F64DB6B8-F5AD-4865-AF8B-2FAB6E13D093}" type="datetimeFigureOut">
               <a:rPr lang="ca-ES" smtClean="0"/>
-              <a:t>13/6/2022</a:t>
+              <a:t>30/8/2022</a:t>
             </a:fld>
             <a:endParaRPr lang="ca-ES"/>
           </a:p>
@@ -2931,7 +2934,7 @@
           <a:p>
             <a:fld id="{F64DB6B8-F5AD-4865-AF8B-2FAB6E13D093}" type="datetimeFigureOut">
               <a:rPr lang="ca-ES" smtClean="0"/>
-              <a:t>13/6/2022</a:t>
+              <a:t>30/8/2022</a:t>
             </a:fld>
             <a:endParaRPr lang="ca-ES"/>
           </a:p>
@@ -6908,6 +6911,3574 @@
 </file>
 
 <file path=ppt/slides/slide2.xml><?xml version="1.0" encoding="utf-8"?>
+<p:sld xmlns:a="http://schemas.openxmlformats.org/drawingml/2006/main" xmlns:r="http://schemas.openxmlformats.org/officeDocument/2006/relationships" xmlns:p="http://schemas.openxmlformats.org/presentationml/2006/main">
+  <p:cSld>
+    <p:spTree>
+      <p:nvGrpSpPr>
+        <p:cNvPr id="1" name=""/>
+        <p:cNvGrpSpPr/>
+        <p:nvPr/>
+      </p:nvGrpSpPr>
+      <p:grpSpPr>
+        <a:xfrm>
+          <a:off x="0" y="0"/>
+          <a:ext cx="0" cy="0"/>
+          <a:chOff x="0" y="0"/>
+          <a:chExt cx="0" cy="0"/>
+        </a:xfrm>
+      </p:grpSpPr>
+      <p:sp>
+        <p:nvSpPr>
+          <p:cNvPr id="54" name="Rectángulo 53">
+            <a:extLst>
+              <a:ext uri="{FF2B5EF4-FFF2-40B4-BE49-F238E27FC236}">
+                <a16:creationId xmlns:a16="http://schemas.microsoft.com/office/drawing/2014/main" id="{A6220043-6C5B-4DB9-B819-139037E87BB2}"/>
+              </a:ext>
+            </a:extLst>
+          </p:cNvPr>
+          <p:cNvSpPr/>
+          <p:nvPr/>
+        </p:nvSpPr>
+        <p:spPr>
+          <a:xfrm>
+            <a:off x="8558686" y="1305465"/>
+            <a:ext cx="1700858" cy="960967"/>
+          </a:xfrm>
+          <a:prstGeom prst="rect">
+            <a:avLst/>
+          </a:prstGeom>
+          <a:noFill/>
+          <a:ln>
+            <a:noFill/>
+          </a:ln>
+        </p:spPr>
+        <p:style>
+          <a:lnRef idx="2">
+            <a:schemeClr val="accent1">
+              <a:shade val="50000"/>
+            </a:schemeClr>
+          </a:lnRef>
+          <a:fillRef idx="1">
+            <a:schemeClr val="accent1"/>
+          </a:fillRef>
+          <a:effectRef idx="0">
+            <a:schemeClr val="accent1"/>
+          </a:effectRef>
+          <a:fontRef idx="minor">
+            <a:schemeClr val="lt1"/>
+          </a:fontRef>
+        </p:style>
+        <p:txBody>
+          <a:bodyPr rtlCol="0" anchor="ctr"/>
+          <a:lstStyle/>
+          <a:p>
+            <a:pPr algn="ctr"/>
+            <a:endParaRPr lang="ca-ES"/>
+          </a:p>
+        </p:txBody>
+      </p:sp>
+      <p:sp>
+        <p:nvSpPr>
+          <p:cNvPr id="4" name="Triángulo isósceles 3">
+            <a:extLst>
+              <a:ext uri="{FF2B5EF4-FFF2-40B4-BE49-F238E27FC236}">
+                <a16:creationId xmlns:a16="http://schemas.microsoft.com/office/drawing/2014/main" id="{72E80D19-9A5A-40BD-9E02-BAF2561874BF}"/>
+              </a:ext>
+            </a:extLst>
+          </p:cNvPr>
+          <p:cNvSpPr/>
+          <p:nvPr/>
+        </p:nvSpPr>
+        <p:spPr>
+          <a:xfrm rot="5400000">
+            <a:off x="1521337" y="1371742"/>
+            <a:ext cx="960966" cy="828419"/>
+          </a:xfrm>
+          <a:prstGeom prst="triangle">
+            <a:avLst/>
+          </a:prstGeom>
+          <a:solidFill>
+            <a:schemeClr val="bg1"/>
+          </a:solidFill>
+          <a:ln>
+            <a:solidFill>
+              <a:schemeClr val="tx1"/>
+            </a:solidFill>
+          </a:ln>
+        </p:spPr>
+        <p:style>
+          <a:lnRef idx="2">
+            <a:schemeClr val="accent1">
+              <a:shade val="50000"/>
+            </a:schemeClr>
+          </a:lnRef>
+          <a:fillRef idx="1">
+            <a:schemeClr val="accent1"/>
+          </a:fillRef>
+          <a:effectRef idx="0">
+            <a:schemeClr val="accent1"/>
+          </a:effectRef>
+          <a:fontRef idx="minor">
+            <a:schemeClr val="lt1"/>
+          </a:fontRef>
+        </p:style>
+        <p:txBody>
+          <a:bodyPr rtlCol="0" anchor="ctr"/>
+          <a:lstStyle/>
+          <a:p>
+            <a:pPr algn="ctr"/>
+            <a:endParaRPr lang="ca-ES"/>
+          </a:p>
+        </p:txBody>
+      </p:sp>
+      <p:sp>
+        <p:nvSpPr>
+          <p:cNvPr id="5" name="Triángulo isósceles 4">
+            <a:extLst>
+              <a:ext uri="{FF2B5EF4-FFF2-40B4-BE49-F238E27FC236}">
+                <a16:creationId xmlns:a16="http://schemas.microsoft.com/office/drawing/2014/main" id="{5EE6B95B-2797-44BB-B0D5-4BEFC837B8D7}"/>
+              </a:ext>
+            </a:extLst>
+          </p:cNvPr>
+          <p:cNvSpPr/>
+          <p:nvPr/>
+        </p:nvSpPr>
+        <p:spPr>
+          <a:xfrm rot="5400000">
+            <a:off x="3108254" y="1371743"/>
+            <a:ext cx="960966" cy="828419"/>
+          </a:xfrm>
+          <a:prstGeom prst="triangle">
+            <a:avLst/>
+          </a:prstGeom>
+          <a:solidFill>
+            <a:schemeClr val="bg1"/>
+          </a:solidFill>
+          <a:ln>
+            <a:solidFill>
+              <a:schemeClr val="tx1"/>
+            </a:solidFill>
+          </a:ln>
+        </p:spPr>
+        <p:style>
+          <a:lnRef idx="2">
+            <a:schemeClr val="accent1">
+              <a:shade val="50000"/>
+            </a:schemeClr>
+          </a:lnRef>
+          <a:fillRef idx="1">
+            <a:schemeClr val="accent1"/>
+          </a:fillRef>
+          <a:effectRef idx="0">
+            <a:schemeClr val="accent1"/>
+          </a:effectRef>
+          <a:fontRef idx="minor">
+            <a:schemeClr val="lt1"/>
+          </a:fontRef>
+        </p:style>
+        <p:txBody>
+          <a:bodyPr rtlCol="0" anchor="ctr"/>
+          <a:lstStyle/>
+          <a:p>
+            <a:pPr algn="ctr"/>
+            <a:endParaRPr lang="ca-ES"/>
+          </a:p>
+        </p:txBody>
+      </p:sp>
+      <p:sp>
+        <p:nvSpPr>
+          <p:cNvPr id="6" name="Triángulo isósceles 5">
+            <a:extLst>
+              <a:ext uri="{FF2B5EF4-FFF2-40B4-BE49-F238E27FC236}">
+                <a16:creationId xmlns:a16="http://schemas.microsoft.com/office/drawing/2014/main" id="{079A68A6-D7B4-4846-A77D-0469AE34F817}"/>
+              </a:ext>
+            </a:extLst>
+          </p:cNvPr>
+          <p:cNvSpPr/>
+          <p:nvPr/>
+        </p:nvSpPr>
+        <p:spPr>
+          <a:xfrm rot="5400000">
+            <a:off x="3452204" y="1371743"/>
+            <a:ext cx="960966" cy="828419"/>
+          </a:xfrm>
+          <a:prstGeom prst="triangle">
+            <a:avLst/>
+          </a:prstGeom>
+          <a:solidFill>
+            <a:schemeClr val="bg1"/>
+          </a:solidFill>
+          <a:ln>
+            <a:solidFill>
+              <a:schemeClr val="tx1"/>
+            </a:solidFill>
+          </a:ln>
+        </p:spPr>
+        <p:style>
+          <a:lnRef idx="2">
+            <a:schemeClr val="accent1">
+              <a:shade val="50000"/>
+            </a:schemeClr>
+          </a:lnRef>
+          <a:fillRef idx="1">
+            <a:schemeClr val="accent1"/>
+          </a:fillRef>
+          <a:effectRef idx="0">
+            <a:schemeClr val="accent1"/>
+          </a:effectRef>
+          <a:fontRef idx="minor">
+            <a:schemeClr val="lt1"/>
+          </a:fontRef>
+        </p:style>
+        <p:txBody>
+          <a:bodyPr rtlCol="0" anchor="ctr"/>
+          <a:lstStyle/>
+          <a:p>
+            <a:pPr algn="ctr"/>
+            <a:endParaRPr lang="ca-ES"/>
+          </a:p>
+        </p:txBody>
+      </p:sp>
+      <p:sp>
+        <p:nvSpPr>
+          <p:cNvPr id="7" name="Triángulo isósceles 6">
+            <a:extLst>
+              <a:ext uri="{FF2B5EF4-FFF2-40B4-BE49-F238E27FC236}">
+                <a16:creationId xmlns:a16="http://schemas.microsoft.com/office/drawing/2014/main" id="{F816A5CE-E039-4E2C-AB7E-8D09848DC59D}"/>
+              </a:ext>
+            </a:extLst>
+          </p:cNvPr>
+          <p:cNvSpPr/>
+          <p:nvPr/>
+        </p:nvSpPr>
+        <p:spPr>
+          <a:xfrm rot="5400000">
+            <a:off x="4857358" y="1371742"/>
+            <a:ext cx="960966" cy="828419"/>
+          </a:xfrm>
+          <a:prstGeom prst="triangle">
+            <a:avLst/>
+          </a:prstGeom>
+          <a:solidFill>
+            <a:schemeClr val="bg1"/>
+          </a:solidFill>
+          <a:ln>
+            <a:solidFill>
+              <a:schemeClr val="tx1"/>
+            </a:solidFill>
+          </a:ln>
+        </p:spPr>
+        <p:style>
+          <a:lnRef idx="2">
+            <a:schemeClr val="accent1">
+              <a:shade val="50000"/>
+            </a:schemeClr>
+          </a:lnRef>
+          <a:fillRef idx="1">
+            <a:schemeClr val="accent1"/>
+          </a:fillRef>
+          <a:effectRef idx="0">
+            <a:schemeClr val="accent1"/>
+          </a:effectRef>
+          <a:fontRef idx="minor">
+            <a:schemeClr val="lt1"/>
+          </a:fontRef>
+        </p:style>
+        <p:txBody>
+          <a:bodyPr rtlCol="0" anchor="ctr"/>
+          <a:lstStyle/>
+          <a:p>
+            <a:pPr algn="ctr"/>
+            <a:endParaRPr lang="ca-ES"/>
+          </a:p>
+        </p:txBody>
+      </p:sp>
+      <p:sp>
+        <p:nvSpPr>
+          <p:cNvPr id="8" name="Triángulo isósceles 7">
+            <a:extLst>
+              <a:ext uri="{FF2B5EF4-FFF2-40B4-BE49-F238E27FC236}">
+                <a16:creationId xmlns:a16="http://schemas.microsoft.com/office/drawing/2014/main" id="{2F6ED8E2-B06A-48A4-96CD-EABBAD60D3B7}"/>
+              </a:ext>
+            </a:extLst>
+          </p:cNvPr>
+          <p:cNvSpPr/>
+          <p:nvPr/>
+        </p:nvSpPr>
+        <p:spPr>
+          <a:xfrm rot="5400000">
+            <a:off x="5064462" y="1371740"/>
+            <a:ext cx="960966" cy="828419"/>
+          </a:xfrm>
+          <a:prstGeom prst="triangle">
+            <a:avLst/>
+          </a:prstGeom>
+          <a:solidFill>
+            <a:schemeClr val="bg1"/>
+          </a:solidFill>
+          <a:ln>
+            <a:solidFill>
+              <a:schemeClr val="tx1"/>
+            </a:solidFill>
+          </a:ln>
+        </p:spPr>
+        <p:style>
+          <a:lnRef idx="2">
+            <a:schemeClr val="accent1">
+              <a:shade val="50000"/>
+            </a:schemeClr>
+          </a:lnRef>
+          <a:fillRef idx="1">
+            <a:schemeClr val="accent1"/>
+          </a:fillRef>
+          <a:effectRef idx="0">
+            <a:schemeClr val="accent1"/>
+          </a:effectRef>
+          <a:fontRef idx="minor">
+            <a:schemeClr val="lt1"/>
+          </a:fontRef>
+        </p:style>
+        <p:txBody>
+          <a:bodyPr rtlCol="0" anchor="ctr"/>
+          <a:lstStyle/>
+          <a:p>
+            <a:pPr algn="ctr"/>
+            <a:endParaRPr lang="ca-ES"/>
+          </a:p>
+        </p:txBody>
+      </p:sp>
+      <p:sp>
+        <p:nvSpPr>
+          <p:cNvPr id="9" name="Triángulo isósceles 8">
+            <a:extLst>
+              <a:ext uri="{FF2B5EF4-FFF2-40B4-BE49-F238E27FC236}">
+                <a16:creationId xmlns:a16="http://schemas.microsoft.com/office/drawing/2014/main" id="{374E11DB-792E-4558-88BC-F57366736BA6}"/>
+              </a:ext>
+            </a:extLst>
+          </p:cNvPr>
+          <p:cNvSpPr/>
+          <p:nvPr/>
+        </p:nvSpPr>
+        <p:spPr>
+          <a:xfrm rot="5400000">
+            <a:off x="5271566" y="1371741"/>
+            <a:ext cx="960966" cy="828419"/>
+          </a:xfrm>
+          <a:prstGeom prst="triangle">
+            <a:avLst/>
+          </a:prstGeom>
+          <a:solidFill>
+            <a:schemeClr val="bg1"/>
+          </a:solidFill>
+          <a:ln>
+            <a:solidFill>
+              <a:schemeClr val="tx1"/>
+            </a:solidFill>
+          </a:ln>
+        </p:spPr>
+        <p:style>
+          <a:lnRef idx="2">
+            <a:schemeClr val="accent1">
+              <a:shade val="50000"/>
+            </a:schemeClr>
+          </a:lnRef>
+          <a:fillRef idx="1">
+            <a:schemeClr val="accent1"/>
+          </a:fillRef>
+          <a:effectRef idx="0">
+            <a:schemeClr val="accent1"/>
+          </a:effectRef>
+          <a:fontRef idx="minor">
+            <a:schemeClr val="lt1"/>
+          </a:fontRef>
+        </p:style>
+        <p:txBody>
+          <a:bodyPr rtlCol="0" anchor="ctr"/>
+          <a:lstStyle/>
+          <a:p>
+            <a:pPr algn="ctr"/>
+            <a:endParaRPr lang="ca-ES"/>
+          </a:p>
+        </p:txBody>
+      </p:sp>
+      <p:sp>
+        <p:nvSpPr>
+          <p:cNvPr id="10" name="Triángulo isósceles 9">
+            <a:extLst>
+              <a:ext uri="{FF2B5EF4-FFF2-40B4-BE49-F238E27FC236}">
+                <a16:creationId xmlns:a16="http://schemas.microsoft.com/office/drawing/2014/main" id="{F5A36C34-067A-4ECA-BFCC-97CDBE1927ED}"/>
+              </a:ext>
+            </a:extLst>
+          </p:cNvPr>
+          <p:cNvSpPr/>
+          <p:nvPr/>
+        </p:nvSpPr>
+        <p:spPr>
+          <a:xfrm rot="5400000">
+            <a:off x="6536205" y="1371741"/>
+            <a:ext cx="960966" cy="828419"/>
+          </a:xfrm>
+          <a:prstGeom prst="triangle">
+            <a:avLst/>
+          </a:prstGeom>
+          <a:solidFill>
+            <a:schemeClr val="bg1"/>
+          </a:solidFill>
+          <a:ln>
+            <a:solidFill>
+              <a:schemeClr val="tx1"/>
+            </a:solidFill>
+          </a:ln>
+        </p:spPr>
+        <p:style>
+          <a:lnRef idx="2">
+            <a:schemeClr val="accent1">
+              <a:shade val="50000"/>
+            </a:schemeClr>
+          </a:lnRef>
+          <a:fillRef idx="1">
+            <a:schemeClr val="accent1"/>
+          </a:fillRef>
+          <a:effectRef idx="0">
+            <a:schemeClr val="accent1"/>
+          </a:effectRef>
+          <a:fontRef idx="minor">
+            <a:schemeClr val="lt1"/>
+          </a:fontRef>
+        </p:style>
+        <p:txBody>
+          <a:bodyPr rtlCol="0" anchor="ctr"/>
+          <a:lstStyle/>
+          <a:p>
+            <a:pPr algn="ctr"/>
+            <a:endParaRPr lang="ca-ES"/>
+          </a:p>
+        </p:txBody>
+      </p:sp>
+      <p:sp>
+        <p:nvSpPr>
+          <p:cNvPr id="11" name="Triángulo isósceles 10">
+            <a:extLst>
+              <a:ext uri="{FF2B5EF4-FFF2-40B4-BE49-F238E27FC236}">
+                <a16:creationId xmlns:a16="http://schemas.microsoft.com/office/drawing/2014/main" id="{416D977E-199D-4886-AF7C-F3988B695388}"/>
+              </a:ext>
+            </a:extLst>
+          </p:cNvPr>
+          <p:cNvSpPr/>
+          <p:nvPr/>
+        </p:nvSpPr>
+        <p:spPr>
+          <a:xfrm rot="5400000">
+            <a:off x="6743309" y="1371739"/>
+            <a:ext cx="960966" cy="828419"/>
+          </a:xfrm>
+          <a:prstGeom prst="triangle">
+            <a:avLst/>
+          </a:prstGeom>
+          <a:solidFill>
+            <a:schemeClr val="bg1"/>
+          </a:solidFill>
+          <a:ln>
+            <a:solidFill>
+              <a:schemeClr val="tx1"/>
+            </a:solidFill>
+          </a:ln>
+        </p:spPr>
+        <p:style>
+          <a:lnRef idx="2">
+            <a:schemeClr val="accent1">
+              <a:shade val="50000"/>
+            </a:schemeClr>
+          </a:lnRef>
+          <a:fillRef idx="1">
+            <a:schemeClr val="accent1"/>
+          </a:fillRef>
+          <a:effectRef idx="0">
+            <a:schemeClr val="accent1"/>
+          </a:effectRef>
+          <a:fontRef idx="minor">
+            <a:schemeClr val="lt1"/>
+          </a:fontRef>
+        </p:style>
+        <p:txBody>
+          <a:bodyPr rtlCol="0" anchor="ctr"/>
+          <a:lstStyle/>
+          <a:p>
+            <a:pPr algn="ctr"/>
+            <a:endParaRPr lang="ca-ES"/>
+          </a:p>
+        </p:txBody>
+      </p:sp>
+      <p:sp>
+        <p:nvSpPr>
+          <p:cNvPr id="12" name="Triángulo isósceles 11">
+            <a:extLst>
+              <a:ext uri="{FF2B5EF4-FFF2-40B4-BE49-F238E27FC236}">
+                <a16:creationId xmlns:a16="http://schemas.microsoft.com/office/drawing/2014/main" id="{65843C09-F3CA-4CA3-B45E-EABEC0D43CC9}"/>
+              </a:ext>
+            </a:extLst>
+          </p:cNvPr>
+          <p:cNvSpPr/>
+          <p:nvPr/>
+        </p:nvSpPr>
+        <p:spPr>
+          <a:xfrm rot="5400000">
+            <a:off x="6950413" y="1371740"/>
+            <a:ext cx="960966" cy="828419"/>
+          </a:xfrm>
+          <a:prstGeom prst="triangle">
+            <a:avLst/>
+          </a:prstGeom>
+          <a:solidFill>
+            <a:schemeClr val="bg1"/>
+          </a:solidFill>
+          <a:ln>
+            <a:solidFill>
+              <a:schemeClr val="tx1"/>
+            </a:solidFill>
+          </a:ln>
+        </p:spPr>
+        <p:style>
+          <a:lnRef idx="2">
+            <a:schemeClr val="accent1">
+              <a:shade val="50000"/>
+            </a:schemeClr>
+          </a:lnRef>
+          <a:fillRef idx="1">
+            <a:schemeClr val="accent1"/>
+          </a:fillRef>
+          <a:effectRef idx="0">
+            <a:schemeClr val="accent1"/>
+          </a:effectRef>
+          <a:fontRef idx="minor">
+            <a:schemeClr val="lt1"/>
+          </a:fontRef>
+        </p:style>
+        <p:txBody>
+          <a:bodyPr rtlCol="0" anchor="ctr"/>
+          <a:lstStyle/>
+          <a:p>
+            <a:pPr algn="ctr"/>
+            <a:endParaRPr lang="ca-ES"/>
+          </a:p>
+        </p:txBody>
+      </p:sp>
+      <p:sp>
+        <p:nvSpPr>
+          <p:cNvPr id="13" name="Triángulo isósceles 12">
+            <a:extLst>
+              <a:ext uri="{FF2B5EF4-FFF2-40B4-BE49-F238E27FC236}">
+                <a16:creationId xmlns:a16="http://schemas.microsoft.com/office/drawing/2014/main" id="{E88C6DAC-B4FC-479F-A379-05ED86FE3800}"/>
+              </a:ext>
+            </a:extLst>
+          </p:cNvPr>
+          <p:cNvSpPr/>
+          <p:nvPr/>
+        </p:nvSpPr>
+        <p:spPr>
+          <a:xfrm rot="5400000">
+            <a:off x="7179528" y="1371740"/>
+            <a:ext cx="960966" cy="828419"/>
+          </a:xfrm>
+          <a:prstGeom prst="triangle">
+            <a:avLst/>
+          </a:prstGeom>
+          <a:solidFill>
+            <a:schemeClr val="bg1"/>
+          </a:solidFill>
+          <a:ln>
+            <a:solidFill>
+              <a:schemeClr val="tx1"/>
+            </a:solidFill>
+          </a:ln>
+        </p:spPr>
+        <p:style>
+          <a:lnRef idx="2">
+            <a:schemeClr val="accent1">
+              <a:shade val="50000"/>
+            </a:schemeClr>
+          </a:lnRef>
+          <a:fillRef idx="1">
+            <a:schemeClr val="accent1"/>
+          </a:fillRef>
+          <a:effectRef idx="0">
+            <a:schemeClr val="accent1"/>
+          </a:effectRef>
+          <a:fontRef idx="minor">
+            <a:schemeClr val="lt1"/>
+          </a:fontRef>
+        </p:style>
+        <p:txBody>
+          <a:bodyPr rtlCol="0" anchor="ctr"/>
+          <a:lstStyle/>
+          <a:p>
+            <a:pPr algn="ctr"/>
+            <a:endParaRPr lang="ca-ES"/>
+          </a:p>
+        </p:txBody>
+      </p:sp>
+      <p:sp>
+        <p:nvSpPr>
+          <p:cNvPr id="14" name="Triángulo isósceles 13">
+            <a:extLst>
+              <a:ext uri="{FF2B5EF4-FFF2-40B4-BE49-F238E27FC236}">
+                <a16:creationId xmlns:a16="http://schemas.microsoft.com/office/drawing/2014/main" id="{B1ED150E-1C03-4EF8-86A4-F11A997E7B45}"/>
+              </a:ext>
+            </a:extLst>
+          </p:cNvPr>
+          <p:cNvSpPr/>
+          <p:nvPr/>
+        </p:nvSpPr>
+        <p:spPr>
+          <a:xfrm rot="5400000">
+            <a:off x="8492413" y="1371741"/>
+            <a:ext cx="960966" cy="828419"/>
+          </a:xfrm>
+          <a:prstGeom prst="triangle">
+            <a:avLst/>
+          </a:prstGeom>
+          <a:solidFill>
+            <a:schemeClr val="bg1"/>
+          </a:solidFill>
+          <a:ln>
+            <a:solidFill>
+              <a:schemeClr val="tx1"/>
+            </a:solidFill>
+          </a:ln>
+        </p:spPr>
+        <p:style>
+          <a:lnRef idx="2">
+            <a:schemeClr val="accent1">
+              <a:shade val="50000"/>
+            </a:schemeClr>
+          </a:lnRef>
+          <a:fillRef idx="1">
+            <a:schemeClr val="accent1"/>
+          </a:fillRef>
+          <a:effectRef idx="0">
+            <a:schemeClr val="accent1"/>
+          </a:effectRef>
+          <a:fontRef idx="minor">
+            <a:schemeClr val="lt1"/>
+          </a:fontRef>
+        </p:style>
+        <p:txBody>
+          <a:bodyPr rtlCol="0" anchor="ctr"/>
+          <a:lstStyle/>
+          <a:p>
+            <a:pPr algn="ctr"/>
+            <a:endParaRPr lang="ca-ES"/>
+          </a:p>
+        </p:txBody>
+      </p:sp>
+      <p:sp>
+        <p:nvSpPr>
+          <p:cNvPr id="15" name="Triángulo isósceles 14">
+            <a:extLst>
+              <a:ext uri="{FF2B5EF4-FFF2-40B4-BE49-F238E27FC236}">
+                <a16:creationId xmlns:a16="http://schemas.microsoft.com/office/drawing/2014/main" id="{E279099C-09DB-4012-A2C2-EB77256F03CF}"/>
+              </a:ext>
+            </a:extLst>
+          </p:cNvPr>
+          <p:cNvSpPr/>
+          <p:nvPr/>
+        </p:nvSpPr>
+        <p:spPr>
+          <a:xfrm rot="5400000">
+            <a:off x="8699517" y="1371739"/>
+            <a:ext cx="960966" cy="828419"/>
+          </a:xfrm>
+          <a:prstGeom prst="triangle">
+            <a:avLst/>
+          </a:prstGeom>
+          <a:solidFill>
+            <a:schemeClr val="bg1"/>
+          </a:solidFill>
+          <a:ln>
+            <a:solidFill>
+              <a:schemeClr val="tx1"/>
+            </a:solidFill>
+          </a:ln>
+        </p:spPr>
+        <p:style>
+          <a:lnRef idx="2">
+            <a:schemeClr val="accent1">
+              <a:shade val="50000"/>
+            </a:schemeClr>
+          </a:lnRef>
+          <a:fillRef idx="1">
+            <a:schemeClr val="accent1"/>
+          </a:fillRef>
+          <a:effectRef idx="0">
+            <a:schemeClr val="accent1"/>
+          </a:effectRef>
+          <a:fontRef idx="minor">
+            <a:schemeClr val="lt1"/>
+          </a:fontRef>
+        </p:style>
+        <p:txBody>
+          <a:bodyPr rtlCol="0" anchor="ctr"/>
+          <a:lstStyle/>
+          <a:p>
+            <a:pPr algn="ctr"/>
+            <a:endParaRPr lang="ca-ES"/>
+          </a:p>
+        </p:txBody>
+      </p:sp>
+      <p:sp>
+        <p:nvSpPr>
+          <p:cNvPr id="16" name="Triángulo isósceles 15">
+            <a:extLst>
+              <a:ext uri="{FF2B5EF4-FFF2-40B4-BE49-F238E27FC236}">
+                <a16:creationId xmlns:a16="http://schemas.microsoft.com/office/drawing/2014/main" id="{95A39F0D-F975-4A52-AECA-90CFB861B6D2}"/>
+              </a:ext>
+            </a:extLst>
+          </p:cNvPr>
+          <p:cNvSpPr/>
+          <p:nvPr/>
+        </p:nvSpPr>
+        <p:spPr>
+          <a:xfrm rot="5400000">
+            <a:off x="8906621" y="1371740"/>
+            <a:ext cx="960966" cy="828419"/>
+          </a:xfrm>
+          <a:prstGeom prst="triangle">
+            <a:avLst/>
+          </a:prstGeom>
+          <a:solidFill>
+            <a:schemeClr val="bg1"/>
+          </a:solidFill>
+          <a:ln>
+            <a:solidFill>
+              <a:schemeClr val="tx1"/>
+            </a:solidFill>
+          </a:ln>
+        </p:spPr>
+        <p:style>
+          <a:lnRef idx="2">
+            <a:schemeClr val="accent1">
+              <a:shade val="50000"/>
+            </a:schemeClr>
+          </a:lnRef>
+          <a:fillRef idx="1">
+            <a:schemeClr val="accent1"/>
+          </a:fillRef>
+          <a:effectRef idx="0">
+            <a:schemeClr val="accent1"/>
+          </a:effectRef>
+          <a:fontRef idx="minor">
+            <a:schemeClr val="lt1"/>
+          </a:fontRef>
+        </p:style>
+        <p:txBody>
+          <a:bodyPr rtlCol="0" anchor="ctr"/>
+          <a:lstStyle/>
+          <a:p>
+            <a:pPr algn="ctr"/>
+            <a:endParaRPr lang="ca-ES"/>
+          </a:p>
+        </p:txBody>
+      </p:sp>
+      <p:sp>
+        <p:nvSpPr>
+          <p:cNvPr id="17" name="Triángulo isósceles 16">
+            <a:extLst>
+              <a:ext uri="{FF2B5EF4-FFF2-40B4-BE49-F238E27FC236}">
+                <a16:creationId xmlns:a16="http://schemas.microsoft.com/office/drawing/2014/main" id="{BEE79FE4-E4C1-4C8A-AF19-A476A1A55D75}"/>
+              </a:ext>
+            </a:extLst>
+          </p:cNvPr>
+          <p:cNvSpPr/>
+          <p:nvPr/>
+        </p:nvSpPr>
+        <p:spPr>
+          <a:xfrm rot="5400000">
+            <a:off x="9135736" y="1371740"/>
+            <a:ext cx="960966" cy="828419"/>
+          </a:xfrm>
+          <a:prstGeom prst="triangle">
+            <a:avLst/>
+          </a:prstGeom>
+          <a:solidFill>
+            <a:schemeClr val="bg1"/>
+          </a:solidFill>
+          <a:ln>
+            <a:solidFill>
+              <a:schemeClr val="tx1"/>
+            </a:solidFill>
+          </a:ln>
+        </p:spPr>
+        <p:style>
+          <a:lnRef idx="2">
+            <a:schemeClr val="accent1">
+              <a:shade val="50000"/>
+            </a:schemeClr>
+          </a:lnRef>
+          <a:fillRef idx="1">
+            <a:schemeClr val="accent1"/>
+          </a:fillRef>
+          <a:effectRef idx="0">
+            <a:schemeClr val="accent1"/>
+          </a:effectRef>
+          <a:fontRef idx="minor">
+            <a:schemeClr val="lt1"/>
+          </a:fontRef>
+        </p:style>
+        <p:txBody>
+          <a:bodyPr rtlCol="0" anchor="ctr"/>
+          <a:lstStyle/>
+          <a:p>
+            <a:pPr algn="ctr"/>
+            <a:endParaRPr lang="ca-ES"/>
+          </a:p>
+        </p:txBody>
+      </p:sp>
+      <p:sp>
+        <p:nvSpPr>
+          <p:cNvPr id="18" name="Triángulo isósceles 17">
+            <a:extLst>
+              <a:ext uri="{FF2B5EF4-FFF2-40B4-BE49-F238E27FC236}">
+                <a16:creationId xmlns:a16="http://schemas.microsoft.com/office/drawing/2014/main" id="{75E890B7-C941-47E8-B264-C8C0AF9D0EC4}"/>
+              </a:ext>
+            </a:extLst>
+          </p:cNvPr>
+          <p:cNvSpPr/>
+          <p:nvPr/>
+        </p:nvSpPr>
+        <p:spPr>
+          <a:xfrm rot="5400000">
+            <a:off x="9364851" y="1371740"/>
+            <a:ext cx="960966" cy="828419"/>
+          </a:xfrm>
+          <a:prstGeom prst="triangle">
+            <a:avLst/>
+          </a:prstGeom>
+          <a:solidFill>
+            <a:schemeClr val="bg1"/>
+          </a:solidFill>
+          <a:ln>
+            <a:solidFill>
+              <a:schemeClr val="tx1"/>
+            </a:solidFill>
+          </a:ln>
+        </p:spPr>
+        <p:style>
+          <a:lnRef idx="2">
+            <a:schemeClr val="accent1">
+              <a:shade val="50000"/>
+            </a:schemeClr>
+          </a:lnRef>
+          <a:fillRef idx="1">
+            <a:schemeClr val="accent1"/>
+          </a:fillRef>
+          <a:effectRef idx="0">
+            <a:schemeClr val="accent1"/>
+          </a:effectRef>
+          <a:fontRef idx="minor">
+            <a:schemeClr val="lt1"/>
+          </a:fontRef>
+        </p:style>
+        <p:txBody>
+          <a:bodyPr rtlCol="0" anchor="ctr"/>
+          <a:lstStyle/>
+          <a:p>
+            <a:pPr algn="ctr"/>
+            <a:endParaRPr lang="ca-ES"/>
+          </a:p>
+        </p:txBody>
+      </p:sp>
+      <p:sp>
+        <p:nvSpPr>
+          <p:cNvPr id="19" name="Rectángulo 18">
+            <a:extLst>
+              <a:ext uri="{FF2B5EF4-FFF2-40B4-BE49-F238E27FC236}">
+                <a16:creationId xmlns:a16="http://schemas.microsoft.com/office/drawing/2014/main" id="{F1589E41-7A0E-4437-96DD-9067EFECC7E9}"/>
+              </a:ext>
+            </a:extLst>
+          </p:cNvPr>
+          <p:cNvSpPr/>
+          <p:nvPr/>
+        </p:nvSpPr>
+        <p:spPr>
+          <a:xfrm>
+            <a:off x="3485147" y="1509714"/>
+            <a:ext cx="104274" cy="553328"/>
+          </a:xfrm>
+          <a:prstGeom prst="rect">
+            <a:avLst/>
+          </a:prstGeom>
+          <a:solidFill>
+            <a:schemeClr val="bg1"/>
+          </a:solidFill>
+          <a:ln>
+            <a:noFill/>
+          </a:ln>
+        </p:spPr>
+        <p:style>
+          <a:lnRef idx="2">
+            <a:schemeClr val="accent1">
+              <a:shade val="50000"/>
+            </a:schemeClr>
+          </a:lnRef>
+          <a:fillRef idx="1">
+            <a:schemeClr val="accent1"/>
+          </a:fillRef>
+          <a:effectRef idx="0">
+            <a:schemeClr val="accent1"/>
+          </a:effectRef>
+          <a:fontRef idx="minor">
+            <a:schemeClr val="lt1"/>
+          </a:fontRef>
+        </p:style>
+        <p:txBody>
+          <a:bodyPr rtlCol="0" anchor="ctr"/>
+          <a:lstStyle/>
+          <a:p>
+            <a:pPr algn="ctr"/>
+            <a:endParaRPr lang="ca-ES"/>
+          </a:p>
+        </p:txBody>
+      </p:sp>
+      <p:sp>
+        <p:nvSpPr>
+          <p:cNvPr id="20" name="Rectángulo 19">
+            <a:extLst>
+              <a:ext uri="{FF2B5EF4-FFF2-40B4-BE49-F238E27FC236}">
+                <a16:creationId xmlns:a16="http://schemas.microsoft.com/office/drawing/2014/main" id="{11311921-DA97-46DC-8443-AED29393A62D}"/>
+              </a:ext>
+            </a:extLst>
+          </p:cNvPr>
+          <p:cNvSpPr/>
+          <p:nvPr/>
+        </p:nvSpPr>
+        <p:spPr>
+          <a:xfrm>
+            <a:off x="5080886" y="1428750"/>
+            <a:ext cx="104274" cy="714375"/>
+          </a:xfrm>
+          <a:prstGeom prst="rect">
+            <a:avLst/>
+          </a:prstGeom>
+          <a:solidFill>
+            <a:schemeClr val="bg1"/>
+          </a:solidFill>
+          <a:ln>
+            <a:noFill/>
+          </a:ln>
+        </p:spPr>
+        <p:style>
+          <a:lnRef idx="2">
+            <a:schemeClr val="accent1">
+              <a:shade val="50000"/>
+            </a:schemeClr>
+          </a:lnRef>
+          <a:fillRef idx="1">
+            <a:schemeClr val="accent1"/>
+          </a:fillRef>
+          <a:effectRef idx="0">
+            <a:schemeClr val="accent1"/>
+          </a:effectRef>
+          <a:fontRef idx="minor">
+            <a:schemeClr val="lt1"/>
+          </a:fontRef>
+        </p:style>
+        <p:txBody>
+          <a:bodyPr rtlCol="0" anchor="ctr"/>
+          <a:lstStyle/>
+          <a:p>
+            <a:pPr algn="ctr"/>
+            <a:endParaRPr lang="ca-ES"/>
+          </a:p>
+        </p:txBody>
+      </p:sp>
+      <p:sp>
+        <p:nvSpPr>
+          <p:cNvPr id="21" name="Rectángulo 20">
+            <a:extLst>
+              <a:ext uri="{FF2B5EF4-FFF2-40B4-BE49-F238E27FC236}">
+                <a16:creationId xmlns:a16="http://schemas.microsoft.com/office/drawing/2014/main" id="{938B218B-78ED-41A8-A596-5DADE1FC81BD}"/>
+              </a:ext>
+            </a:extLst>
+          </p:cNvPr>
+          <p:cNvSpPr/>
+          <p:nvPr/>
+        </p:nvSpPr>
+        <p:spPr>
+          <a:xfrm>
+            <a:off x="5298789" y="1428749"/>
+            <a:ext cx="104274" cy="714375"/>
+          </a:xfrm>
+          <a:prstGeom prst="rect">
+            <a:avLst/>
+          </a:prstGeom>
+          <a:solidFill>
+            <a:schemeClr val="bg1"/>
+          </a:solidFill>
+          <a:ln>
+            <a:noFill/>
+          </a:ln>
+        </p:spPr>
+        <p:style>
+          <a:lnRef idx="2">
+            <a:schemeClr val="accent1">
+              <a:shade val="50000"/>
+            </a:schemeClr>
+          </a:lnRef>
+          <a:fillRef idx="1">
+            <a:schemeClr val="accent1"/>
+          </a:fillRef>
+          <a:effectRef idx="0">
+            <a:schemeClr val="accent1"/>
+          </a:effectRef>
+          <a:fontRef idx="minor">
+            <a:schemeClr val="lt1"/>
+          </a:fontRef>
+        </p:style>
+        <p:txBody>
+          <a:bodyPr rtlCol="0" anchor="ctr"/>
+          <a:lstStyle/>
+          <a:p>
+            <a:pPr algn="ctr"/>
+            <a:endParaRPr lang="ca-ES"/>
+          </a:p>
+        </p:txBody>
+      </p:sp>
+      <p:sp>
+        <p:nvSpPr>
+          <p:cNvPr id="22" name="Rectángulo 21">
+            <a:extLst>
+              <a:ext uri="{FF2B5EF4-FFF2-40B4-BE49-F238E27FC236}">
+                <a16:creationId xmlns:a16="http://schemas.microsoft.com/office/drawing/2014/main" id="{A47B3724-C5B1-47AB-87BC-A05A4A1468BC}"/>
+              </a:ext>
+            </a:extLst>
+          </p:cNvPr>
+          <p:cNvSpPr/>
+          <p:nvPr/>
+        </p:nvSpPr>
+        <p:spPr>
+          <a:xfrm>
+            <a:off x="6769137" y="1428749"/>
+            <a:ext cx="104274" cy="714375"/>
+          </a:xfrm>
+          <a:prstGeom prst="rect">
+            <a:avLst/>
+          </a:prstGeom>
+          <a:solidFill>
+            <a:schemeClr val="bg1"/>
+          </a:solidFill>
+          <a:ln>
+            <a:noFill/>
+          </a:ln>
+        </p:spPr>
+        <p:style>
+          <a:lnRef idx="2">
+            <a:schemeClr val="accent1">
+              <a:shade val="50000"/>
+            </a:schemeClr>
+          </a:lnRef>
+          <a:fillRef idx="1">
+            <a:schemeClr val="accent1"/>
+          </a:fillRef>
+          <a:effectRef idx="0">
+            <a:schemeClr val="accent1"/>
+          </a:effectRef>
+          <a:fontRef idx="minor">
+            <a:schemeClr val="lt1"/>
+          </a:fontRef>
+        </p:style>
+        <p:txBody>
+          <a:bodyPr rtlCol="0" anchor="ctr"/>
+          <a:lstStyle/>
+          <a:p>
+            <a:pPr algn="ctr"/>
+            <a:endParaRPr lang="ca-ES"/>
+          </a:p>
+        </p:txBody>
+      </p:sp>
+      <p:sp>
+        <p:nvSpPr>
+          <p:cNvPr id="23" name="Rectángulo 22">
+            <a:extLst>
+              <a:ext uri="{FF2B5EF4-FFF2-40B4-BE49-F238E27FC236}">
+                <a16:creationId xmlns:a16="http://schemas.microsoft.com/office/drawing/2014/main" id="{1EA2F288-2F38-416E-90BA-DCB9FF56130E}"/>
+              </a:ext>
+            </a:extLst>
+          </p:cNvPr>
+          <p:cNvSpPr/>
+          <p:nvPr/>
+        </p:nvSpPr>
+        <p:spPr>
+          <a:xfrm>
+            <a:off x="6978274" y="1428748"/>
+            <a:ext cx="104274" cy="714375"/>
+          </a:xfrm>
+          <a:prstGeom prst="rect">
+            <a:avLst/>
+          </a:prstGeom>
+          <a:solidFill>
+            <a:schemeClr val="bg1"/>
+          </a:solidFill>
+          <a:ln>
+            <a:noFill/>
+          </a:ln>
+        </p:spPr>
+        <p:style>
+          <a:lnRef idx="2">
+            <a:schemeClr val="accent1">
+              <a:shade val="50000"/>
+            </a:schemeClr>
+          </a:lnRef>
+          <a:fillRef idx="1">
+            <a:schemeClr val="accent1"/>
+          </a:fillRef>
+          <a:effectRef idx="0">
+            <a:schemeClr val="accent1"/>
+          </a:effectRef>
+          <a:fontRef idx="minor">
+            <a:schemeClr val="lt1"/>
+          </a:fontRef>
+        </p:style>
+        <p:txBody>
+          <a:bodyPr rtlCol="0" anchor="ctr"/>
+          <a:lstStyle/>
+          <a:p>
+            <a:pPr algn="ctr"/>
+            <a:endParaRPr lang="ca-ES"/>
+          </a:p>
+        </p:txBody>
+      </p:sp>
+      <p:sp>
+        <p:nvSpPr>
+          <p:cNvPr id="24" name="Rectángulo 23">
+            <a:extLst>
+              <a:ext uri="{FF2B5EF4-FFF2-40B4-BE49-F238E27FC236}">
+                <a16:creationId xmlns:a16="http://schemas.microsoft.com/office/drawing/2014/main" id="{3F3A9449-1F7D-49F7-8E17-DB0D9933BD84}"/>
+              </a:ext>
+            </a:extLst>
+          </p:cNvPr>
+          <p:cNvSpPr/>
+          <p:nvPr/>
+        </p:nvSpPr>
+        <p:spPr>
+          <a:xfrm>
+            <a:off x="7205356" y="1443038"/>
+            <a:ext cx="82263" cy="681037"/>
+          </a:xfrm>
+          <a:prstGeom prst="rect">
+            <a:avLst/>
+          </a:prstGeom>
+          <a:solidFill>
+            <a:schemeClr val="bg1"/>
+          </a:solidFill>
+          <a:ln>
+            <a:noFill/>
+          </a:ln>
+        </p:spPr>
+        <p:style>
+          <a:lnRef idx="2">
+            <a:schemeClr val="accent1">
+              <a:shade val="50000"/>
+            </a:schemeClr>
+          </a:lnRef>
+          <a:fillRef idx="1">
+            <a:schemeClr val="accent1"/>
+          </a:fillRef>
+          <a:effectRef idx="0">
+            <a:schemeClr val="accent1"/>
+          </a:effectRef>
+          <a:fontRef idx="minor">
+            <a:schemeClr val="lt1"/>
+          </a:fontRef>
+        </p:style>
+        <p:txBody>
+          <a:bodyPr rtlCol="0" anchor="ctr"/>
+          <a:lstStyle/>
+          <a:p>
+            <a:pPr algn="ctr"/>
+            <a:endParaRPr lang="ca-ES"/>
+          </a:p>
+        </p:txBody>
+      </p:sp>
+      <p:sp>
+        <p:nvSpPr>
+          <p:cNvPr id="25" name="Rectángulo 24">
+            <a:extLst>
+              <a:ext uri="{FF2B5EF4-FFF2-40B4-BE49-F238E27FC236}">
+                <a16:creationId xmlns:a16="http://schemas.microsoft.com/office/drawing/2014/main" id="{CA59CF45-93FA-485E-BB4C-167BCB25B9A6}"/>
+              </a:ext>
+            </a:extLst>
+          </p:cNvPr>
+          <p:cNvSpPr/>
+          <p:nvPr/>
+        </p:nvSpPr>
+        <p:spPr>
+          <a:xfrm>
+            <a:off x="8721332" y="1428748"/>
+            <a:ext cx="104274" cy="711995"/>
+          </a:xfrm>
+          <a:prstGeom prst="rect">
+            <a:avLst/>
+          </a:prstGeom>
+          <a:solidFill>
+            <a:schemeClr val="bg1"/>
+          </a:solidFill>
+          <a:ln>
+            <a:noFill/>
+          </a:ln>
+        </p:spPr>
+        <p:style>
+          <a:lnRef idx="2">
+            <a:schemeClr val="accent1">
+              <a:shade val="50000"/>
+            </a:schemeClr>
+          </a:lnRef>
+          <a:fillRef idx="1">
+            <a:schemeClr val="accent1"/>
+          </a:fillRef>
+          <a:effectRef idx="0">
+            <a:schemeClr val="accent1"/>
+          </a:effectRef>
+          <a:fontRef idx="minor">
+            <a:schemeClr val="lt1"/>
+          </a:fontRef>
+        </p:style>
+        <p:txBody>
+          <a:bodyPr rtlCol="0" anchor="ctr"/>
+          <a:lstStyle/>
+          <a:p>
+            <a:pPr algn="ctr"/>
+            <a:endParaRPr lang="ca-ES"/>
+          </a:p>
+        </p:txBody>
+      </p:sp>
+      <p:sp>
+        <p:nvSpPr>
+          <p:cNvPr id="26" name="Rectángulo 25">
+            <a:extLst>
+              <a:ext uri="{FF2B5EF4-FFF2-40B4-BE49-F238E27FC236}">
+                <a16:creationId xmlns:a16="http://schemas.microsoft.com/office/drawing/2014/main" id="{CF777E4B-0045-4501-BC63-0BD5C02113F3}"/>
+              </a:ext>
+            </a:extLst>
+          </p:cNvPr>
+          <p:cNvSpPr/>
+          <p:nvPr/>
+        </p:nvSpPr>
+        <p:spPr>
+          <a:xfrm>
+            <a:off x="8942768" y="1428748"/>
+            <a:ext cx="104274" cy="711995"/>
+          </a:xfrm>
+          <a:prstGeom prst="rect">
+            <a:avLst/>
+          </a:prstGeom>
+          <a:solidFill>
+            <a:schemeClr val="bg1"/>
+          </a:solidFill>
+          <a:ln>
+            <a:noFill/>
+          </a:ln>
+        </p:spPr>
+        <p:style>
+          <a:lnRef idx="2">
+            <a:schemeClr val="accent1">
+              <a:shade val="50000"/>
+            </a:schemeClr>
+          </a:lnRef>
+          <a:fillRef idx="1">
+            <a:schemeClr val="accent1"/>
+          </a:fillRef>
+          <a:effectRef idx="0">
+            <a:schemeClr val="accent1"/>
+          </a:effectRef>
+          <a:fontRef idx="minor">
+            <a:schemeClr val="lt1"/>
+          </a:fontRef>
+        </p:style>
+        <p:txBody>
+          <a:bodyPr rtlCol="0" anchor="ctr"/>
+          <a:lstStyle/>
+          <a:p>
+            <a:pPr algn="ctr"/>
+            <a:endParaRPr lang="ca-ES"/>
+          </a:p>
+        </p:txBody>
+      </p:sp>
+      <p:sp>
+        <p:nvSpPr>
+          <p:cNvPr id="27" name="Rectángulo 26">
+            <a:extLst>
+              <a:ext uri="{FF2B5EF4-FFF2-40B4-BE49-F238E27FC236}">
+                <a16:creationId xmlns:a16="http://schemas.microsoft.com/office/drawing/2014/main" id="{7B175633-530C-4B23-AAB8-24DA354A9DA8}"/>
+              </a:ext>
+            </a:extLst>
+          </p:cNvPr>
+          <p:cNvSpPr/>
+          <p:nvPr/>
+        </p:nvSpPr>
+        <p:spPr>
+          <a:xfrm>
+            <a:off x="9174981" y="1443038"/>
+            <a:ext cx="104274" cy="691442"/>
+          </a:xfrm>
+          <a:prstGeom prst="rect">
+            <a:avLst/>
+          </a:prstGeom>
+          <a:solidFill>
+            <a:schemeClr val="bg1"/>
+          </a:solidFill>
+          <a:ln>
+            <a:noFill/>
+          </a:ln>
+        </p:spPr>
+        <p:style>
+          <a:lnRef idx="2">
+            <a:schemeClr val="accent1">
+              <a:shade val="50000"/>
+            </a:schemeClr>
+          </a:lnRef>
+          <a:fillRef idx="1">
+            <a:schemeClr val="accent1"/>
+          </a:fillRef>
+          <a:effectRef idx="0">
+            <a:schemeClr val="accent1"/>
+          </a:effectRef>
+          <a:fontRef idx="minor">
+            <a:schemeClr val="lt1"/>
+          </a:fontRef>
+        </p:style>
+        <p:txBody>
+          <a:bodyPr rtlCol="0" anchor="ctr"/>
+          <a:lstStyle/>
+          <a:p>
+            <a:pPr algn="ctr"/>
+            <a:endParaRPr lang="ca-ES"/>
+          </a:p>
+        </p:txBody>
+      </p:sp>
+      <p:sp>
+        <p:nvSpPr>
+          <p:cNvPr id="28" name="Rectángulo 27">
+            <a:extLst>
+              <a:ext uri="{FF2B5EF4-FFF2-40B4-BE49-F238E27FC236}">
+                <a16:creationId xmlns:a16="http://schemas.microsoft.com/office/drawing/2014/main" id="{1B221F74-7BC6-4710-9728-21DAC5810765}"/>
+              </a:ext>
+            </a:extLst>
+          </p:cNvPr>
+          <p:cNvSpPr/>
+          <p:nvPr/>
+        </p:nvSpPr>
+        <p:spPr>
+          <a:xfrm>
+            <a:off x="9399994" y="1443037"/>
+            <a:ext cx="104274" cy="686677"/>
+          </a:xfrm>
+          <a:prstGeom prst="rect">
+            <a:avLst/>
+          </a:prstGeom>
+          <a:solidFill>
+            <a:schemeClr val="bg1"/>
+          </a:solidFill>
+          <a:ln>
+            <a:noFill/>
+          </a:ln>
+        </p:spPr>
+        <p:style>
+          <a:lnRef idx="2">
+            <a:schemeClr val="accent1">
+              <a:shade val="50000"/>
+            </a:schemeClr>
+          </a:lnRef>
+          <a:fillRef idx="1">
+            <a:schemeClr val="accent1"/>
+          </a:fillRef>
+          <a:effectRef idx="0">
+            <a:schemeClr val="accent1"/>
+          </a:effectRef>
+          <a:fontRef idx="minor">
+            <a:schemeClr val="lt1"/>
+          </a:fontRef>
+        </p:style>
+        <p:txBody>
+          <a:bodyPr rtlCol="0" anchor="ctr"/>
+          <a:lstStyle/>
+          <a:p>
+            <a:pPr algn="ctr"/>
+            <a:endParaRPr lang="ca-ES"/>
+          </a:p>
+        </p:txBody>
+      </p:sp>
+      <p:sp>
+        <p:nvSpPr>
+          <p:cNvPr id="55" name="Rectángulo 54">
+            <a:extLst>
+              <a:ext uri="{FF2B5EF4-FFF2-40B4-BE49-F238E27FC236}">
+                <a16:creationId xmlns:a16="http://schemas.microsoft.com/office/drawing/2014/main" id="{CD5828D3-E2AF-48AE-9377-C9F0DD27FFDD}"/>
+              </a:ext>
+            </a:extLst>
+          </p:cNvPr>
+          <p:cNvSpPr/>
+          <p:nvPr/>
+        </p:nvSpPr>
+        <p:spPr>
+          <a:xfrm>
+            <a:off x="6465631" y="1303072"/>
+            <a:ext cx="1700858" cy="960967"/>
+          </a:xfrm>
+          <a:prstGeom prst="rect">
+            <a:avLst/>
+          </a:prstGeom>
+          <a:noFill/>
+          <a:ln>
+            <a:noFill/>
+          </a:ln>
+        </p:spPr>
+        <p:style>
+          <a:lnRef idx="2">
+            <a:schemeClr val="accent1">
+              <a:shade val="50000"/>
+            </a:schemeClr>
+          </a:lnRef>
+          <a:fillRef idx="1">
+            <a:schemeClr val="accent1"/>
+          </a:fillRef>
+          <a:effectRef idx="0">
+            <a:schemeClr val="accent1"/>
+          </a:effectRef>
+          <a:fontRef idx="minor">
+            <a:schemeClr val="lt1"/>
+          </a:fontRef>
+        </p:style>
+        <p:txBody>
+          <a:bodyPr rtlCol="0" anchor="ctr"/>
+          <a:lstStyle/>
+          <a:p>
+            <a:pPr algn="ctr"/>
+            <a:endParaRPr lang="ca-ES" dirty="0"/>
+          </a:p>
+        </p:txBody>
+      </p:sp>
+      <p:sp>
+        <p:nvSpPr>
+          <p:cNvPr id="56" name="Rectángulo 55">
+            <a:extLst>
+              <a:ext uri="{FF2B5EF4-FFF2-40B4-BE49-F238E27FC236}">
+                <a16:creationId xmlns:a16="http://schemas.microsoft.com/office/drawing/2014/main" id="{66333756-5FEF-4E49-B294-B7F2E63D39FB}"/>
+              </a:ext>
+            </a:extLst>
+          </p:cNvPr>
+          <p:cNvSpPr/>
+          <p:nvPr/>
+        </p:nvSpPr>
+        <p:spPr>
+          <a:xfrm>
+            <a:off x="4645819" y="1303072"/>
+            <a:ext cx="1700858" cy="960967"/>
+          </a:xfrm>
+          <a:prstGeom prst="rect">
+            <a:avLst/>
+          </a:prstGeom>
+          <a:noFill/>
+          <a:ln>
+            <a:noFill/>
+          </a:ln>
+        </p:spPr>
+        <p:style>
+          <a:lnRef idx="2">
+            <a:schemeClr val="accent1">
+              <a:shade val="50000"/>
+            </a:schemeClr>
+          </a:lnRef>
+          <a:fillRef idx="1">
+            <a:schemeClr val="accent1"/>
+          </a:fillRef>
+          <a:effectRef idx="0">
+            <a:schemeClr val="accent1"/>
+          </a:effectRef>
+          <a:fontRef idx="minor">
+            <a:schemeClr val="lt1"/>
+          </a:fontRef>
+        </p:style>
+        <p:txBody>
+          <a:bodyPr rtlCol="0" anchor="ctr"/>
+          <a:lstStyle/>
+          <a:p>
+            <a:pPr algn="ctr"/>
+            <a:endParaRPr lang="ca-ES" dirty="0"/>
+          </a:p>
+        </p:txBody>
+      </p:sp>
+      <p:sp>
+        <p:nvSpPr>
+          <p:cNvPr id="57" name="Rectángulo 56">
+            <a:extLst>
+              <a:ext uri="{FF2B5EF4-FFF2-40B4-BE49-F238E27FC236}">
+                <a16:creationId xmlns:a16="http://schemas.microsoft.com/office/drawing/2014/main" id="{AE6A5BC8-058D-4FA3-9A1B-0A7C073F8AE1}"/>
+              </a:ext>
+            </a:extLst>
+          </p:cNvPr>
+          <p:cNvSpPr/>
+          <p:nvPr/>
+        </p:nvSpPr>
+        <p:spPr>
+          <a:xfrm>
+            <a:off x="2841409" y="1303071"/>
+            <a:ext cx="1700858" cy="960967"/>
+          </a:xfrm>
+          <a:prstGeom prst="rect">
+            <a:avLst/>
+          </a:prstGeom>
+          <a:noFill/>
+          <a:ln>
+            <a:noFill/>
+          </a:ln>
+        </p:spPr>
+        <p:style>
+          <a:lnRef idx="2">
+            <a:schemeClr val="accent1">
+              <a:shade val="50000"/>
+            </a:schemeClr>
+          </a:lnRef>
+          <a:fillRef idx="1">
+            <a:schemeClr val="accent1"/>
+          </a:fillRef>
+          <a:effectRef idx="0">
+            <a:schemeClr val="accent1"/>
+          </a:effectRef>
+          <a:fontRef idx="minor">
+            <a:schemeClr val="lt1"/>
+          </a:fontRef>
+        </p:style>
+        <p:txBody>
+          <a:bodyPr rtlCol="0" anchor="ctr"/>
+          <a:lstStyle/>
+          <a:p>
+            <a:pPr algn="ctr"/>
+            <a:endParaRPr lang="ca-ES" dirty="0"/>
+          </a:p>
+        </p:txBody>
+      </p:sp>
+      <p:sp>
+        <p:nvSpPr>
+          <p:cNvPr id="58" name="Rectángulo 57">
+            <a:extLst>
+              <a:ext uri="{FF2B5EF4-FFF2-40B4-BE49-F238E27FC236}">
+                <a16:creationId xmlns:a16="http://schemas.microsoft.com/office/drawing/2014/main" id="{9D8D1259-4E77-41FE-8D01-5459EA544EC4}"/>
+              </a:ext>
+            </a:extLst>
+          </p:cNvPr>
+          <p:cNvSpPr/>
+          <p:nvPr/>
+        </p:nvSpPr>
+        <p:spPr>
+          <a:xfrm>
+            <a:off x="1059461" y="1303071"/>
+            <a:ext cx="1700858" cy="960967"/>
+          </a:xfrm>
+          <a:prstGeom prst="rect">
+            <a:avLst/>
+          </a:prstGeom>
+          <a:noFill/>
+          <a:ln>
+            <a:noFill/>
+          </a:ln>
+        </p:spPr>
+        <p:style>
+          <a:lnRef idx="2">
+            <a:schemeClr val="accent1">
+              <a:shade val="50000"/>
+            </a:schemeClr>
+          </a:lnRef>
+          <a:fillRef idx="1">
+            <a:schemeClr val="accent1"/>
+          </a:fillRef>
+          <a:effectRef idx="0">
+            <a:schemeClr val="accent1"/>
+          </a:effectRef>
+          <a:fontRef idx="minor">
+            <a:schemeClr val="lt1"/>
+          </a:fontRef>
+        </p:style>
+        <p:txBody>
+          <a:bodyPr rtlCol="0" anchor="ctr"/>
+          <a:lstStyle/>
+          <a:p>
+            <a:pPr algn="ctr"/>
+            <a:endParaRPr lang="ca-ES" dirty="0"/>
+          </a:p>
+        </p:txBody>
+      </p:sp>
+      <p:sp>
+        <p:nvSpPr>
+          <p:cNvPr id="59" name="Rectángulo 58">
+            <a:extLst>
+              <a:ext uri="{FF2B5EF4-FFF2-40B4-BE49-F238E27FC236}">
+                <a16:creationId xmlns:a16="http://schemas.microsoft.com/office/drawing/2014/main" id="{C2CC015C-60C3-4270-BD20-DF8542443034}"/>
+              </a:ext>
+            </a:extLst>
+          </p:cNvPr>
+          <p:cNvSpPr/>
+          <p:nvPr/>
+        </p:nvSpPr>
+        <p:spPr>
+          <a:xfrm>
+            <a:off x="8558685" y="2662823"/>
+            <a:ext cx="1700858" cy="960967"/>
+          </a:xfrm>
+          <a:prstGeom prst="rect">
+            <a:avLst/>
+          </a:prstGeom>
+          <a:noFill/>
+          <a:ln>
+            <a:noFill/>
+          </a:ln>
+        </p:spPr>
+        <p:style>
+          <a:lnRef idx="2">
+            <a:schemeClr val="accent1">
+              <a:shade val="50000"/>
+            </a:schemeClr>
+          </a:lnRef>
+          <a:fillRef idx="1">
+            <a:schemeClr val="accent1"/>
+          </a:fillRef>
+          <a:effectRef idx="0">
+            <a:schemeClr val="accent1"/>
+          </a:effectRef>
+          <a:fontRef idx="minor">
+            <a:schemeClr val="lt1"/>
+          </a:fontRef>
+        </p:style>
+        <p:txBody>
+          <a:bodyPr rtlCol="0" anchor="ctr"/>
+          <a:lstStyle/>
+          <a:p>
+            <a:pPr algn="ctr"/>
+            <a:endParaRPr lang="ca-ES"/>
+          </a:p>
+        </p:txBody>
+      </p:sp>
+      <p:sp>
+        <p:nvSpPr>
+          <p:cNvPr id="60" name="Triángulo isósceles 59">
+            <a:extLst>
+              <a:ext uri="{FF2B5EF4-FFF2-40B4-BE49-F238E27FC236}">
+                <a16:creationId xmlns:a16="http://schemas.microsoft.com/office/drawing/2014/main" id="{C6AB53A9-AE67-4D31-94F7-74CC9AC3FC03}"/>
+              </a:ext>
+            </a:extLst>
+          </p:cNvPr>
+          <p:cNvSpPr/>
+          <p:nvPr/>
+        </p:nvSpPr>
+        <p:spPr>
+          <a:xfrm rot="5400000">
+            <a:off x="1521336" y="2729100"/>
+            <a:ext cx="960966" cy="828419"/>
+          </a:xfrm>
+          <a:prstGeom prst="triangle">
+            <a:avLst/>
+          </a:prstGeom>
+          <a:solidFill>
+            <a:schemeClr val="bg1">
+              <a:lumMod val="95000"/>
+            </a:schemeClr>
+          </a:solidFill>
+          <a:ln>
+            <a:solidFill>
+              <a:srgbClr val="002060"/>
+            </a:solidFill>
+          </a:ln>
+        </p:spPr>
+        <p:style>
+          <a:lnRef idx="2">
+            <a:schemeClr val="accent1">
+              <a:shade val="50000"/>
+            </a:schemeClr>
+          </a:lnRef>
+          <a:fillRef idx="1">
+            <a:schemeClr val="accent1"/>
+          </a:fillRef>
+          <a:effectRef idx="0">
+            <a:schemeClr val="accent1"/>
+          </a:effectRef>
+          <a:fontRef idx="minor">
+            <a:schemeClr val="lt1"/>
+          </a:fontRef>
+        </p:style>
+        <p:txBody>
+          <a:bodyPr rtlCol="0" anchor="ctr"/>
+          <a:lstStyle/>
+          <a:p>
+            <a:pPr algn="ctr"/>
+            <a:endParaRPr lang="ca-ES"/>
+          </a:p>
+        </p:txBody>
+      </p:sp>
+      <p:sp>
+        <p:nvSpPr>
+          <p:cNvPr id="61" name="Triángulo isósceles 60">
+            <a:extLst>
+              <a:ext uri="{FF2B5EF4-FFF2-40B4-BE49-F238E27FC236}">
+                <a16:creationId xmlns:a16="http://schemas.microsoft.com/office/drawing/2014/main" id="{6891F6A3-6D12-4F40-B241-96B97E065B05}"/>
+              </a:ext>
+            </a:extLst>
+          </p:cNvPr>
+          <p:cNvSpPr/>
+          <p:nvPr/>
+        </p:nvSpPr>
+        <p:spPr>
+          <a:xfrm rot="5400000">
+            <a:off x="3108253" y="2729101"/>
+            <a:ext cx="960966" cy="828419"/>
+          </a:xfrm>
+          <a:prstGeom prst="triangle">
+            <a:avLst/>
+          </a:prstGeom>
+          <a:solidFill>
+            <a:schemeClr val="bg1">
+              <a:lumMod val="95000"/>
+            </a:schemeClr>
+          </a:solidFill>
+          <a:ln>
+            <a:solidFill>
+              <a:srgbClr val="0070C0"/>
+            </a:solidFill>
+          </a:ln>
+        </p:spPr>
+        <p:style>
+          <a:lnRef idx="2">
+            <a:schemeClr val="accent1">
+              <a:shade val="50000"/>
+            </a:schemeClr>
+          </a:lnRef>
+          <a:fillRef idx="1">
+            <a:schemeClr val="accent1"/>
+          </a:fillRef>
+          <a:effectRef idx="0">
+            <a:schemeClr val="accent1"/>
+          </a:effectRef>
+          <a:fontRef idx="minor">
+            <a:schemeClr val="lt1"/>
+          </a:fontRef>
+        </p:style>
+        <p:txBody>
+          <a:bodyPr rtlCol="0" anchor="ctr"/>
+          <a:lstStyle/>
+          <a:p>
+            <a:pPr algn="ctr"/>
+            <a:endParaRPr lang="ca-ES"/>
+          </a:p>
+        </p:txBody>
+      </p:sp>
+      <p:sp>
+        <p:nvSpPr>
+          <p:cNvPr id="62" name="Triángulo isósceles 61">
+            <a:extLst>
+              <a:ext uri="{FF2B5EF4-FFF2-40B4-BE49-F238E27FC236}">
+                <a16:creationId xmlns:a16="http://schemas.microsoft.com/office/drawing/2014/main" id="{847829A4-6BF0-4868-B96E-E069145AE1C2}"/>
+              </a:ext>
+            </a:extLst>
+          </p:cNvPr>
+          <p:cNvSpPr/>
+          <p:nvPr/>
+        </p:nvSpPr>
+        <p:spPr>
+          <a:xfrm rot="5400000">
+            <a:off x="3452203" y="2729101"/>
+            <a:ext cx="960966" cy="828419"/>
+          </a:xfrm>
+          <a:prstGeom prst="triangle">
+            <a:avLst/>
+          </a:prstGeom>
+          <a:solidFill>
+            <a:schemeClr val="bg1">
+              <a:lumMod val="95000"/>
+            </a:schemeClr>
+          </a:solidFill>
+          <a:ln>
+            <a:solidFill>
+              <a:srgbClr val="0070C0"/>
+            </a:solidFill>
+          </a:ln>
+        </p:spPr>
+        <p:style>
+          <a:lnRef idx="2">
+            <a:schemeClr val="accent1">
+              <a:shade val="50000"/>
+            </a:schemeClr>
+          </a:lnRef>
+          <a:fillRef idx="1">
+            <a:schemeClr val="accent1"/>
+          </a:fillRef>
+          <a:effectRef idx="0">
+            <a:schemeClr val="accent1"/>
+          </a:effectRef>
+          <a:fontRef idx="minor">
+            <a:schemeClr val="lt1"/>
+          </a:fontRef>
+        </p:style>
+        <p:txBody>
+          <a:bodyPr rtlCol="0" anchor="ctr"/>
+          <a:lstStyle/>
+          <a:p>
+            <a:pPr algn="ctr"/>
+            <a:endParaRPr lang="ca-ES"/>
+          </a:p>
+        </p:txBody>
+      </p:sp>
+      <p:sp>
+        <p:nvSpPr>
+          <p:cNvPr id="63" name="Triángulo isósceles 62">
+            <a:extLst>
+              <a:ext uri="{FF2B5EF4-FFF2-40B4-BE49-F238E27FC236}">
+                <a16:creationId xmlns:a16="http://schemas.microsoft.com/office/drawing/2014/main" id="{E7B0A71C-FA8B-4A09-8BF0-5657A5784870}"/>
+              </a:ext>
+            </a:extLst>
+          </p:cNvPr>
+          <p:cNvSpPr/>
+          <p:nvPr/>
+        </p:nvSpPr>
+        <p:spPr>
+          <a:xfrm rot="5400000">
+            <a:off x="4857357" y="2729100"/>
+            <a:ext cx="960966" cy="828419"/>
+          </a:xfrm>
+          <a:prstGeom prst="triangle">
+            <a:avLst/>
+          </a:prstGeom>
+          <a:solidFill>
+            <a:schemeClr val="bg1">
+              <a:lumMod val="95000"/>
+            </a:schemeClr>
+          </a:solidFill>
+          <a:ln>
+            <a:solidFill>
+              <a:srgbClr val="00B050"/>
+            </a:solidFill>
+          </a:ln>
+        </p:spPr>
+        <p:style>
+          <a:lnRef idx="2">
+            <a:schemeClr val="accent1">
+              <a:shade val="50000"/>
+            </a:schemeClr>
+          </a:lnRef>
+          <a:fillRef idx="1">
+            <a:schemeClr val="accent1"/>
+          </a:fillRef>
+          <a:effectRef idx="0">
+            <a:schemeClr val="accent1"/>
+          </a:effectRef>
+          <a:fontRef idx="minor">
+            <a:schemeClr val="lt1"/>
+          </a:fontRef>
+        </p:style>
+        <p:txBody>
+          <a:bodyPr rtlCol="0" anchor="ctr"/>
+          <a:lstStyle/>
+          <a:p>
+            <a:pPr algn="ctr"/>
+            <a:endParaRPr lang="ca-ES"/>
+          </a:p>
+        </p:txBody>
+      </p:sp>
+      <p:sp>
+        <p:nvSpPr>
+          <p:cNvPr id="64" name="Triángulo isósceles 63">
+            <a:extLst>
+              <a:ext uri="{FF2B5EF4-FFF2-40B4-BE49-F238E27FC236}">
+                <a16:creationId xmlns:a16="http://schemas.microsoft.com/office/drawing/2014/main" id="{BB670AAB-C467-4CEC-9421-673DF6BFD1AE}"/>
+              </a:ext>
+            </a:extLst>
+          </p:cNvPr>
+          <p:cNvSpPr/>
+          <p:nvPr/>
+        </p:nvSpPr>
+        <p:spPr>
+          <a:xfrm rot="5400000">
+            <a:off x="5064461" y="2729098"/>
+            <a:ext cx="960966" cy="828419"/>
+          </a:xfrm>
+          <a:prstGeom prst="triangle">
+            <a:avLst/>
+          </a:prstGeom>
+          <a:solidFill>
+            <a:schemeClr val="bg1">
+              <a:lumMod val="95000"/>
+            </a:schemeClr>
+          </a:solidFill>
+          <a:ln>
+            <a:solidFill>
+              <a:srgbClr val="00B050"/>
+            </a:solidFill>
+          </a:ln>
+        </p:spPr>
+        <p:style>
+          <a:lnRef idx="2">
+            <a:schemeClr val="accent1">
+              <a:shade val="50000"/>
+            </a:schemeClr>
+          </a:lnRef>
+          <a:fillRef idx="1">
+            <a:schemeClr val="accent1"/>
+          </a:fillRef>
+          <a:effectRef idx="0">
+            <a:schemeClr val="accent1"/>
+          </a:effectRef>
+          <a:fontRef idx="minor">
+            <a:schemeClr val="lt1"/>
+          </a:fontRef>
+        </p:style>
+        <p:txBody>
+          <a:bodyPr rtlCol="0" anchor="ctr"/>
+          <a:lstStyle/>
+          <a:p>
+            <a:pPr algn="ctr"/>
+            <a:endParaRPr lang="ca-ES"/>
+          </a:p>
+        </p:txBody>
+      </p:sp>
+      <p:sp>
+        <p:nvSpPr>
+          <p:cNvPr id="65" name="Triángulo isósceles 64">
+            <a:extLst>
+              <a:ext uri="{FF2B5EF4-FFF2-40B4-BE49-F238E27FC236}">
+                <a16:creationId xmlns:a16="http://schemas.microsoft.com/office/drawing/2014/main" id="{FE8D5415-16F4-427A-8617-B6CC34F41530}"/>
+              </a:ext>
+            </a:extLst>
+          </p:cNvPr>
+          <p:cNvSpPr/>
+          <p:nvPr/>
+        </p:nvSpPr>
+        <p:spPr>
+          <a:xfrm rot="5400000">
+            <a:off x="5271565" y="2729099"/>
+            <a:ext cx="960966" cy="828419"/>
+          </a:xfrm>
+          <a:prstGeom prst="triangle">
+            <a:avLst/>
+          </a:prstGeom>
+          <a:solidFill>
+            <a:schemeClr val="bg1">
+              <a:lumMod val="95000"/>
+            </a:schemeClr>
+          </a:solidFill>
+          <a:ln>
+            <a:solidFill>
+              <a:srgbClr val="00B050"/>
+            </a:solidFill>
+          </a:ln>
+        </p:spPr>
+        <p:style>
+          <a:lnRef idx="2">
+            <a:schemeClr val="accent1">
+              <a:shade val="50000"/>
+            </a:schemeClr>
+          </a:lnRef>
+          <a:fillRef idx="1">
+            <a:schemeClr val="accent1"/>
+          </a:fillRef>
+          <a:effectRef idx="0">
+            <a:schemeClr val="accent1"/>
+          </a:effectRef>
+          <a:fontRef idx="minor">
+            <a:schemeClr val="lt1"/>
+          </a:fontRef>
+        </p:style>
+        <p:txBody>
+          <a:bodyPr rtlCol="0" anchor="ctr"/>
+          <a:lstStyle/>
+          <a:p>
+            <a:pPr algn="ctr"/>
+            <a:endParaRPr lang="ca-ES"/>
+          </a:p>
+        </p:txBody>
+      </p:sp>
+      <p:sp>
+        <p:nvSpPr>
+          <p:cNvPr id="66" name="Triángulo isósceles 65">
+            <a:extLst>
+              <a:ext uri="{FF2B5EF4-FFF2-40B4-BE49-F238E27FC236}">
+                <a16:creationId xmlns:a16="http://schemas.microsoft.com/office/drawing/2014/main" id="{FEA258AA-A7DE-4EA2-8EBC-3312B01FAE05}"/>
+              </a:ext>
+            </a:extLst>
+          </p:cNvPr>
+          <p:cNvSpPr/>
+          <p:nvPr/>
+        </p:nvSpPr>
+        <p:spPr>
+          <a:xfrm rot="5400000">
+            <a:off x="6536204" y="2729099"/>
+            <a:ext cx="960966" cy="828419"/>
+          </a:xfrm>
+          <a:prstGeom prst="triangle">
+            <a:avLst/>
+          </a:prstGeom>
+          <a:solidFill>
+            <a:schemeClr val="bg1">
+              <a:lumMod val="95000"/>
+            </a:schemeClr>
+          </a:solidFill>
+          <a:ln>
+            <a:solidFill>
+              <a:schemeClr val="accent4">
+                <a:lumMod val="75000"/>
+              </a:schemeClr>
+            </a:solidFill>
+          </a:ln>
+        </p:spPr>
+        <p:style>
+          <a:lnRef idx="2">
+            <a:schemeClr val="accent1">
+              <a:shade val="50000"/>
+            </a:schemeClr>
+          </a:lnRef>
+          <a:fillRef idx="1">
+            <a:schemeClr val="accent1"/>
+          </a:fillRef>
+          <a:effectRef idx="0">
+            <a:schemeClr val="accent1"/>
+          </a:effectRef>
+          <a:fontRef idx="minor">
+            <a:schemeClr val="lt1"/>
+          </a:fontRef>
+        </p:style>
+        <p:txBody>
+          <a:bodyPr rtlCol="0" anchor="ctr"/>
+          <a:lstStyle/>
+          <a:p>
+            <a:pPr algn="ctr"/>
+            <a:endParaRPr lang="ca-ES"/>
+          </a:p>
+        </p:txBody>
+      </p:sp>
+      <p:sp>
+        <p:nvSpPr>
+          <p:cNvPr id="67" name="Triángulo isósceles 66">
+            <a:extLst>
+              <a:ext uri="{FF2B5EF4-FFF2-40B4-BE49-F238E27FC236}">
+                <a16:creationId xmlns:a16="http://schemas.microsoft.com/office/drawing/2014/main" id="{8B99F438-F66A-4895-89F2-C52231E9C358}"/>
+              </a:ext>
+            </a:extLst>
+          </p:cNvPr>
+          <p:cNvSpPr/>
+          <p:nvPr/>
+        </p:nvSpPr>
+        <p:spPr>
+          <a:xfrm rot="5400000">
+            <a:off x="6743308" y="2729097"/>
+            <a:ext cx="960966" cy="828419"/>
+          </a:xfrm>
+          <a:prstGeom prst="triangle">
+            <a:avLst/>
+          </a:prstGeom>
+          <a:solidFill>
+            <a:schemeClr val="bg1">
+              <a:lumMod val="95000"/>
+            </a:schemeClr>
+          </a:solidFill>
+          <a:ln>
+            <a:solidFill>
+              <a:schemeClr val="accent4">
+                <a:lumMod val="75000"/>
+              </a:schemeClr>
+            </a:solidFill>
+          </a:ln>
+        </p:spPr>
+        <p:style>
+          <a:lnRef idx="2">
+            <a:schemeClr val="accent1">
+              <a:shade val="50000"/>
+            </a:schemeClr>
+          </a:lnRef>
+          <a:fillRef idx="1">
+            <a:schemeClr val="accent1"/>
+          </a:fillRef>
+          <a:effectRef idx="0">
+            <a:schemeClr val="accent1"/>
+          </a:effectRef>
+          <a:fontRef idx="minor">
+            <a:schemeClr val="lt1"/>
+          </a:fontRef>
+        </p:style>
+        <p:txBody>
+          <a:bodyPr rtlCol="0" anchor="ctr"/>
+          <a:lstStyle/>
+          <a:p>
+            <a:pPr algn="ctr"/>
+            <a:endParaRPr lang="ca-ES"/>
+          </a:p>
+        </p:txBody>
+      </p:sp>
+      <p:sp>
+        <p:nvSpPr>
+          <p:cNvPr id="68" name="Triángulo isósceles 67">
+            <a:extLst>
+              <a:ext uri="{FF2B5EF4-FFF2-40B4-BE49-F238E27FC236}">
+                <a16:creationId xmlns:a16="http://schemas.microsoft.com/office/drawing/2014/main" id="{241C8D5C-A294-4133-95ED-BF93D294A9A2}"/>
+              </a:ext>
+            </a:extLst>
+          </p:cNvPr>
+          <p:cNvSpPr/>
+          <p:nvPr/>
+        </p:nvSpPr>
+        <p:spPr>
+          <a:xfrm rot="5400000">
+            <a:off x="6950412" y="2729098"/>
+            <a:ext cx="960966" cy="828419"/>
+          </a:xfrm>
+          <a:prstGeom prst="triangle">
+            <a:avLst/>
+          </a:prstGeom>
+          <a:solidFill>
+            <a:schemeClr val="bg1">
+              <a:lumMod val="95000"/>
+            </a:schemeClr>
+          </a:solidFill>
+          <a:ln>
+            <a:solidFill>
+              <a:schemeClr val="accent4">
+                <a:lumMod val="75000"/>
+              </a:schemeClr>
+            </a:solidFill>
+          </a:ln>
+        </p:spPr>
+        <p:style>
+          <a:lnRef idx="2">
+            <a:schemeClr val="accent1">
+              <a:shade val="50000"/>
+            </a:schemeClr>
+          </a:lnRef>
+          <a:fillRef idx="1">
+            <a:schemeClr val="accent1"/>
+          </a:fillRef>
+          <a:effectRef idx="0">
+            <a:schemeClr val="accent1"/>
+          </a:effectRef>
+          <a:fontRef idx="minor">
+            <a:schemeClr val="lt1"/>
+          </a:fontRef>
+        </p:style>
+        <p:txBody>
+          <a:bodyPr rtlCol="0" anchor="ctr"/>
+          <a:lstStyle/>
+          <a:p>
+            <a:pPr algn="ctr"/>
+            <a:endParaRPr lang="ca-ES"/>
+          </a:p>
+        </p:txBody>
+      </p:sp>
+      <p:sp>
+        <p:nvSpPr>
+          <p:cNvPr id="69" name="Triángulo isósceles 68">
+            <a:extLst>
+              <a:ext uri="{FF2B5EF4-FFF2-40B4-BE49-F238E27FC236}">
+                <a16:creationId xmlns:a16="http://schemas.microsoft.com/office/drawing/2014/main" id="{E7F86D61-CE7B-41D7-90E5-25181D88C431}"/>
+              </a:ext>
+            </a:extLst>
+          </p:cNvPr>
+          <p:cNvSpPr/>
+          <p:nvPr/>
+        </p:nvSpPr>
+        <p:spPr>
+          <a:xfrm rot="5400000">
+            <a:off x="7179527" y="2729098"/>
+            <a:ext cx="960966" cy="828419"/>
+          </a:xfrm>
+          <a:prstGeom prst="triangle">
+            <a:avLst/>
+          </a:prstGeom>
+          <a:solidFill>
+            <a:schemeClr val="bg1">
+              <a:lumMod val="95000"/>
+            </a:schemeClr>
+          </a:solidFill>
+          <a:ln>
+            <a:solidFill>
+              <a:schemeClr val="accent4">
+                <a:lumMod val="75000"/>
+              </a:schemeClr>
+            </a:solidFill>
+          </a:ln>
+        </p:spPr>
+        <p:style>
+          <a:lnRef idx="2">
+            <a:schemeClr val="accent1">
+              <a:shade val="50000"/>
+            </a:schemeClr>
+          </a:lnRef>
+          <a:fillRef idx="1">
+            <a:schemeClr val="accent1"/>
+          </a:fillRef>
+          <a:effectRef idx="0">
+            <a:schemeClr val="accent1"/>
+          </a:effectRef>
+          <a:fontRef idx="minor">
+            <a:schemeClr val="lt1"/>
+          </a:fontRef>
+        </p:style>
+        <p:txBody>
+          <a:bodyPr rtlCol="0" anchor="ctr"/>
+          <a:lstStyle/>
+          <a:p>
+            <a:pPr algn="ctr"/>
+            <a:endParaRPr lang="ca-ES"/>
+          </a:p>
+        </p:txBody>
+      </p:sp>
+      <p:sp>
+        <p:nvSpPr>
+          <p:cNvPr id="70" name="Triángulo isósceles 69">
+            <a:extLst>
+              <a:ext uri="{FF2B5EF4-FFF2-40B4-BE49-F238E27FC236}">
+                <a16:creationId xmlns:a16="http://schemas.microsoft.com/office/drawing/2014/main" id="{07D3EEF9-D792-4EE4-88B7-83C5E6CE8307}"/>
+              </a:ext>
+            </a:extLst>
+          </p:cNvPr>
+          <p:cNvSpPr/>
+          <p:nvPr/>
+        </p:nvSpPr>
+        <p:spPr>
+          <a:xfrm rot="5400000">
+            <a:off x="8492412" y="2729099"/>
+            <a:ext cx="960966" cy="828419"/>
+          </a:xfrm>
+          <a:prstGeom prst="triangle">
+            <a:avLst/>
+          </a:prstGeom>
+          <a:solidFill>
+            <a:schemeClr val="bg1">
+              <a:lumMod val="95000"/>
+            </a:schemeClr>
+          </a:solidFill>
+          <a:ln>
+            <a:solidFill>
+              <a:srgbClr val="C00000"/>
+            </a:solidFill>
+          </a:ln>
+        </p:spPr>
+        <p:style>
+          <a:lnRef idx="2">
+            <a:schemeClr val="accent1">
+              <a:shade val="50000"/>
+            </a:schemeClr>
+          </a:lnRef>
+          <a:fillRef idx="1">
+            <a:schemeClr val="accent1"/>
+          </a:fillRef>
+          <a:effectRef idx="0">
+            <a:schemeClr val="accent1"/>
+          </a:effectRef>
+          <a:fontRef idx="minor">
+            <a:schemeClr val="lt1"/>
+          </a:fontRef>
+        </p:style>
+        <p:txBody>
+          <a:bodyPr rtlCol="0" anchor="ctr"/>
+          <a:lstStyle/>
+          <a:p>
+            <a:pPr algn="ctr"/>
+            <a:endParaRPr lang="ca-ES"/>
+          </a:p>
+        </p:txBody>
+      </p:sp>
+      <p:sp>
+        <p:nvSpPr>
+          <p:cNvPr id="71" name="Triángulo isósceles 70">
+            <a:extLst>
+              <a:ext uri="{FF2B5EF4-FFF2-40B4-BE49-F238E27FC236}">
+                <a16:creationId xmlns:a16="http://schemas.microsoft.com/office/drawing/2014/main" id="{E1DF4871-0959-4460-A97C-2BBC69DE220E}"/>
+              </a:ext>
+            </a:extLst>
+          </p:cNvPr>
+          <p:cNvSpPr/>
+          <p:nvPr/>
+        </p:nvSpPr>
+        <p:spPr>
+          <a:xfrm rot="5400000">
+            <a:off x="8699516" y="2729097"/>
+            <a:ext cx="960966" cy="828419"/>
+          </a:xfrm>
+          <a:prstGeom prst="triangle">
+            <a:avLst/>
+          </a:prstGeom>
+          <a:solidFill>
+            <a:schemeClr val="bg1">
+              <a:lumMod val="95000"/>
+            </a:schemeClr>
+          </a:solidFill>
+          <a:ln>
+            <a:solidFill>
+              <a:srgbClr val="C00000"/>
+            </a:solidFill>
+          </a:ln>
+        </p:spPr>
+        <p:style>
+          <a:lnRef idx="2">
+            <a:schemeClr val="accent1">
+              <a:shade val="50000"/>
+            </a:schemeClr>
+          </a:lnRef>
+          <a:fillRef idx="1">
+            <a:schemeClr val="accent1"/>
+          </a:fillRef>
+          <a:effectRef idx="0">
+            <a:schemeClr val="accent1"/>
+          </a:effectRef>
+          <a:fontRef idx="minor">
+            <a:schemeClr val="lt1"/>
+          </a:fontRef>
+        </p:style>
+        <p:txBody>
+          <a:bodyPr rtlCol="0" anchor="ctr"/>
+          <a:lstStyle/>
+          <a:p>
+            <a:pPr algn="ctr"/>
+            <a:endParaRPr lang="ca-ES"/>
+          </a:p>
+        </p:txBody>
+      </p:sp>
+      <p:sp>
+        <p:nvSpPr>
+          <p:cNvPr id="72" name="Triángulo isósceles 71">
+            <a:extLst>
+              <a:ext uri="{FF2B5EF4-FFF2-40B4-BE49-F238E27FC236}">
+                <a16:creationId xmlns:a16="http://schemas.microsoft.com/office/drawing/2014/main" id="{9003F9FF-D45C-4102-B96C-0E35D57C76F7}"/>
+              </a:ext>
+            </a:extLst>
+          </p:cNvPr>
+          <p:cNvSpPr/>
+          <p:nvPr/>
+        </p:nvSpPr>
+        <p:spPr>
+          <a:xfrm rot="5400000">
+            <a:off x="8906620" y="2729098"/>
+            <a:ext cx="960966" cy="828419"/>
+          </a:xfrm>
+          <a:prstGeom prst="triangle">
+            <a:avLst/>
+          </a:prstGeom>
+          <a:solidFill>
+            <a:schemeClr val="bg1">
+              <a:lumMod val="95000"/>
+            </a:schemeClr>
+          </a:solidFill>
+          <a:ln>
+            <a:solidFill>
+              <a:srgbClr val="C00000"/>
+            </a:solidFill>
+          </a:ln>
+        </p:spPr>
+        <p:style>
+          <a:lnRef idx="2">
+            <a:schemeClr val="accent1">
+              <a:shade val="50000"/>
+            </a:schemeClr>
+          </a:lnRef>
+          <a:fillRef idx="1">
+            <a:schemeClr val="accent1"/>
+          </a:fillRef>
+          <a:effectRef idx="0">
+            <a:schemeClr val="accent1"/>
+          </a:effectRef>
+          <a:fontRef idx="minor">
+            <a:schemeClr val="lt1"/>
+          </a:fontRef>
+        </p:style>
+        <p:txBody>
+          <a:bodyPr rtlCol="0" anchor="ctr"/>
+          <a:lstStyle/>
+          <a:p>
+            <a:pPr algn="ctr"/>
+            <a:endParaRPr lang="ca-ES"/>
+          </a:p>
+        </p:txBody>
+      </p:sp>
+      <p:sp>
+        <p:nvSpPr>
+          <p:cNvPr id="73" name="Triángulo isósceles 72">
+            <a:extLst>
+              <a:ext uri="{FF2B5EF4-FFF2-40B4-BE49-F238E27FC236}">
+                <a16:creationId xmlns:a16="http://schemas.microsoft.com/office/drawing/2014/main" id="{20ECA041-C94C-48AB-91DE-31DC7BDEE2A4}"/>
+              </a:ext>
+            </a:extLst>
+          </p:cNvPr>
+          <p:cNvSpPr/>
+          <p:nvPr/>
+        </p:nvSpPr>
+        <p:spPr>
+          <a:xfrm rot="5400000">
+            <a:off x="9135735" y="2729098"/>
+            <a:ext cx="960966" cy="828419"/>
+          </a:xfrm>
+          <a:prstGeom prst="triangle">
+            <a:avLst/>
+          </a:prstGeom>
+          <a:solidFill>
+            <a:schemeClr val="bg1">
+              <a:lumMod val="95000"/>
+            </a:schemeClr>
+          </a:solidFill>
+          <a:ln>
+            <a:solidFill>
+              <a:srgbClr val="C00000"/>
+            </a:solidFill>
+          </a:ln>
+        </p:spPr>
+        <p:style>
+          <a:lnRef idx="2">
+            <a:schemeClr val="accent1">
+              <a:shade val="50000"/>
+            </a:schemeClr>
+          </a:lnRef>
+          <a:fillRef idx="1">
+            <a:schemeClr val="accent1"/>
+          </a:fillRef>
+          <a:effectRef idx="0">
+            <a:schemeClr val="accent1"/>
+          </a:effectRef>
+          <a:fontRef idx="minor">
+            <a:schemeClr val="lt1"/>
+          </a:fontRef>
+        </p:style>
+        <p:txBody>
+          <a:bodyPr rtlCol="0" anchor="ctr"/>
+          <a:lstStyle/>
+          <a:p>
+            <a:pPr algn="ctr"/>
+            <a:endParaRPr lang="ca-ES"/>
+          </a:p>
+        </p:txBody>
+      </p:sp>
+      <p:sp>
+        <p:nvSpPr>
+          <p:cNvPr id="74" name="Triángulo isósceles 73">
+            <a:extLst>
+              <a:ext uri="{FF2B5EF4-FFF2-40B4-BE49-F238E27FC236}">
+                <a16:creationId xmlns:a16="http://schemas.microsoft.com/office/drawing/2014/main" id="{D0F7481C-A185-4B1B-A640-285956FDB0D1}"/>
+              </a:ext>
+            </a:extLst>
+          </p:cNvPr>
+          <p:cNvSpPr/>
+          <p:nvPr/>
+        </p:nvSpPr>
+        <p:spPr>
+          <a:xfrm rot="5400000">
+            <a:off x="9364850" y="2729098"/>
+            <a:ext cx="960966" cy="828419"/>
+          </a:xfrm>
+          <a:prstGeom prst="triangle">
+            <a:avLst/>
+          </a:prstGeom>
+          <a:solidFill>
+            <a:schemeClr val="bg1">
+              <a:lumMod val="95000"/>
+            </a:schemeClr>
+          </a:solidFill>
+          <a:ln>
+            <a:solidFill>
+              <a:srgbClr val="C00000"/>
+            </a:solidFill>
+          </a:ln>
+        </p:spPr>
+        <p:style>
+          <a:lnRef idx="2">
+            <a:schemeClr val="accent1">
+              <a:shade val="50000"/>
+            </a:schemeClr>
+          </a:lnRef>
+          <a:fillRef idx="1">
+            <a:schemeClr val="accent1"/>
+          </a:fillRef>
+          <a:effectRef idx="0">
+            <a:schemeClr val="accent1"/>
+          </a:effectRef>
+          <a:fontRef idx="minor">
+            <a:schemeClr val="lt1"/>
+          </a:fontRef>
+        </p:style>
+        <p:txBody>
+          <a:bodyPr rtlCol="0" anchor="ctr"/>
+          <a:lstStyle/>
+          <a:p>
+            <a:pPr algn="ctr"/>
+            <a:endParaRPr lang="ca-ES"/>
+          </a:p>
+        </p:txBody>
+      </p:sp>
+      <p:sp>
+        <p:nvSpPr>
+          <p:cNvPr id="75" name="Rectángulo 74">
+            <a:extLst>
+              <a:ext uri="{FF2B5EF4-FFF2-40B4-BE49-F238E27FC236}">
+                <a16:creationId xmlns:a16="http://schemas.microsoft.com/office/drawing/2014/main" id="{285AE754-25FD-412D-8042-BAFE469FBF33}"/>
+              </a:ext>
+            </a:extLst>
+          </p:cNvPr>
+          <p:cNvSpPr/>
+          <p:nvPr/>
+        </p:nvSpPr>
+        <p:spPr>
+          <a:xfrm>
+            <a:off x="3485146" y="2867072"/>
+            <a:ext cx="104274" cy="553328"/>
+          </a:xfrm>
+          <a:prstGeom prst="rect">
+            <a:avLst/>
+          </a:prstGeom>
+          <a:solidFill>
+            <a:schemeClr val="bg1">
+              <a:lumMod val="95000"/>
+            </a:schemeClr>
+          </a:solidFill>
+          <a:ln>
+            <a:noFill/>
+          </a:ln>
+        </p:spPr>
+        <p:style>
+          <a:lnRef idx="2">
+            <a:schemeClr val="accent1">
+              <a:shade val="50000"/>
+            </a:schemeClr>
+          </a:lnRef>
+          <a:fillRef idx="1">
+            <a:schemeClr val="accent1"/>
+          </a:fillRef>
+          <a:effectRef idx="0">
+            <a:schemeClr val="accent1"/>
+          </a:effectRef>
+          <a:fontRef idx="minor">
+            <a:schemeClr val="lt1"/>
+          </a:fontRef>
+        </p:style>
+        <p:txBody>
+          <a:bodyPr rtlCol="0" anchor="ctr"/>
+          <a:lstStyle/>
+          <a:p>
+            <a:pPr algn="ctr"/>
+            <a:endParaRPr lang="ca-ES"/>
+          </a:p>
+        </p:txBody>
+      </p:sp>
+      <p:sp>
+        <p:nvSpPr>
+          <p:cNvPr id="76" name="Rectángulo 75">
+            <a:extLst>
+              <a:ext uri="{FF2B5EF4-FFF2-40B4-BE49-F238E27FC236}">
+                <a16:creationId xmlns:a16="http://schemas.microsoft.com/office/drawing/2014/main" id="{977FF99C-07BF-410D-9420-DC88F19FEC65}"/>
+              </a:ext>
+            </a:extLst>
+          </p:cNvPr>
+          <p:cNvSpPr/>
+          <p:nvPr/>
+        </p:nvSpPr>
+        <p:spPr>
+          <a:xfrm>
+            <a:off x="5080885" y="2786108"/>
+            <a:ext cx="104274" cy="714375"/>
+          </a:xfrm>
+          <a:prstGeom prst="rect">
+            <a:avLst/>
+          </a:prstGeom>
+          <a:solidFill>
+            <a:schemeClr val="bg1">
+              <a:lumMod val="95000"/>
+            </a:schemeClr>
+          </a:solidFill>
+          <a:ln>
+            <a:noFill/>
+          </a:ln>
+        </p:spPr>
+        <p:style>
+          <a:lnRef idx="2">
+            <a:schemeClr val="accent1">
+              <a:shade val="50000"/>
+            </a:schemeClr>
+          </a:lnRef>
+          <a:fillRef idx="1">
+            <a:schemeClr val="accent1"/>
+          </a:fillRef>
+          <a:effectRef idx="0">
+            <a:schemeClr val="accent1"/>
+          </a:effectRef>
+          <a:fontRef idx="minor">
+            <a:schemeClr val="lt1"/>
+          </a:fontRef>
+        </p:style>
+        <p:txBody>
+          <a:bodyPr rtlCol="0" anchor="ctr"/>
+          <a:lstStyle/>
+          <a:p>
+            <a:pPr algn="ctr"/>
+            <a:endParaRPr lang="ca-ES"/>
+          </a:p>
+        </p:txBody>
+      </p:sp>
+      <p:sp>
+        <p:nvSpPr>
+          <p:cNvPr id="77" name="Rectángulo 76">
+            <a:extLst>
+              <a:ext uri="{FF2B5EF4-FFF2-40B4-BE49-F238E27FC236}">
+                <a16:creationId xmlns:a16="http://schemas.microsoft.com/office/drawing/2014/main" id="{1F39A6DE-D32C-484A-9031-492D7E890BC3}"/>
+              </a:ext>
+            </a:extLst>
+          </p:cNvPr>
+          <p:cNvSpPr/>
+          <p:nvPr/>
+        </p:nvSpPr>
+        <p:spPr>
+          <a:xfrm>
+            <a:off x="5298788" y="2786107"/>
+            <a:ext cx="104274" cy="714375"/>
+          </a:xfrm>
+          <a:prstGeom prst="rect">
+            <a:avLst/>
+          </a:prstGeom>
+          <a:solidFill>
+            <a:schemeClr val="bg1">
+              <a:lumMod val="95000"/>
+            </a:schemeClr>
+          </a:solidFill>
+          <a:ln>
+            <a:noFill/>
+          </a:ln>
+        </p:spPr>
+        <p:style>
+          <a:lnRef idx="2">
+            <a:schemeClr val="accent1">
+              <a:shade val="50000"/>
+            </a:schemeClr>
+          </a:lnRef>
+          <a:fillRef idx="1">
+            <a:schemeClr val="accent1"/>
+          </a:fillRef>
+          <a:effectRef idx="0">
+            <a:schemeClr val="accent1"/>
+          </a:effectRef>
+          <a:fontRef idx="minor">
+            <a:schemeClr val="lt1"/>
+          </a:fontRef>
+        </p:style>
+        <p:txBody>
+          <a:bodyPr rtlCol="0" anchor="ctr"/>
+          <a:lstStyle/>
+          <a:p>
+            <a:pPr algn="ctr"/>
+            <a:endParaRPr lang="ca-ES"/>
+          </a:p>
+        </p:txBody>
+      </p:sp>
+      <p:sp>
+        <p:nvSpPr>
+          <p:cNvPr id="78" name="Rectángulo 77">
+            <a:extLst>
+              <a:ext uri="{FF2B5EF4-FFF2-40B4-BE49-F238E27FC236}">
+                <a16:creationId xmlns:a16="http://schemas.microsoft.com/office/drawing/2014/main" id="{D93CB3FF-27F4-4820-B74F-FA77A8C82C51}"/>
+              </a:ext>
+            </a:extLst>
+          </p:cNvPr>
+          <p:cNvSpPr/>
+          <p:nvPr/>
+        </p:nvSpPr>
+        <p:spPr>
+          <a:xfrm>
+            <a:off x="6769136" y="2786107"/>
+            <a:ext cx="104274" cy="714375"/>
+          </a:xfrm>
+          <a:prstGeom prst="rect">
+            <a:avLst/>
+          </a:prstGeom>
+          <a:solidFill>
+            <a:schemeClr val="bg1">
+              <a:lumMod val="95000"/>
+            </a:schemeClr>
+          </a:solidFill>
+          <a:ln>
+            <a:noFill/>
+          </a:ln>
+        </p:spPr>
+        <p:style>
+          <a:lnRef idx="2">
+            <a:schemeClr val="accent1">
+              <a:shade val="50000"/>
+            </a:schemeClr>
+          </a:lnRef>
+          <a:fillRef idx="1">
+            <a:schemeClr val="accent1"/>
+          </a:fillRef>
+          <a:effectRef idx="0">
+            <a:schemeClr val="accent1"/>
+          </a:effectRef>
+          <a:fontRef idx="minor">
+            <a:schemeClr val="lt1"/>
+          </a:fontRef>
+        </p:style>
+        <p:txBody>
+          <a:bodyPr rtlCol="0" anchor="ctr"/>
+          <a:lstStyle/>
+          <a:p>
+            <a:pPr algn="ctr"/>
+            <a:endParaRPr lang="ca-ES"/>
+          </a:p>
+        </p:txBody>
+      </p:sp>
+      <p:sp>
+        <p:nvSpPr>
+          <p:cNvPr id="79" name="Rectángulo 78">
+            <a:extLst>
+              <a:ext uri="{FF2B5EF4-FFF2-40B4-BE49-F238E27FC236}">
+                <a16:creationId xmlns:a16="http://schemas.microsoft.com/office/drawing/2014/main" id="{8B6C6198-9E45-44E2-893F-28606C07F910}"/>
+              </a:ext>
+            </a:extLst>
+          </p:cNvPr>
+          <p:cNvSpPr/>
+          <p:nvPr/>
+        </p:nvSpPr>
+        <p:spPr>
+          <a:xfrm>
+            <a:off x="6978273" y="2786106"/>
+            <a:ext cx="104274" cy="714375"/>
+          </a:xfrm>
+          <a:prstGeom prst="rect">
+            <a:avLst/>
+          </a:prstGeom>
+          <a:solidFill>
+            <a:schemeClr val="bg1">
+              <a:lumMod val="95000"/>
+            </a:schemeClr>
+          </a:solidFill>
+          <a:ln>
+            <a:noFill/>
+          </a:ln>
+        </p:spPr>
+        <p:style>
+          <a:lnRef idx="2">
+            <a:schemeClr val="accent1">
+              <a:shade val="50000"/>
+            </a:schemeClr>
+          </a:lnRef>
+          <a:fillRef idx="1">
+            <a:schemeClr val="accent1"/>
+          </a:fillRef>
+          <a:effectRef idx="0">
+            <a:schemeClr val="accent1"/>
+          </a:effectRef>
+          <a:fontRef idx="minor">
+            <a:schemeClr val="lt1"/>
+          </a:fontRef>
+        </p:style>
+        <p:txBody>
+          <a:bodyPr rtlCol="0" anchor="ctr"/>
+          <a:lstStyle/>
+          <a:p>
+            <a:pPr algn="ctr"/>
+            <a:endParaRPr lang="ca-ES"/>
+          </a:p>
+        </p:txBody>
+      </p:sp>
+      <p:sp>
+        <p:nvSpPr>
+          <p:cNvPr id="80" name="Rectángulo 79">
+            <a:extLst>
+              <a:ext uri="{FF2B5EF4-FFF2-40B4-BE49-F238E27FC236}">
+                <a16:creationId xmlns:a16="http://schemas.microsoft.com/office/drawing/2014/main" id="{BFE808F9-79DB-4E24-8E25-BADF9B2551C1}"/>
+              </a:ext>
+            </a:extLst>
+          </p:cNvPr>
+          <p:cNvSpPr/>
+          <p:nvPr/>
+        </p:nvSpPr>
+        <p:spPr>
+          <a:xfrm>
+            <a:off x="7205355" y="2800396"/>
+            <a:ext cx="82263" cy="681037"/>
+          </a:xfrm>
+          <a:prstGeom prst="rect">
+            <a:avLst/>
+          </a:prstGeom>
+          <a:solidFill>
+            <a:schemeClr val="bg1">
+              <a:lumMod val="95000"/>
+            </a:schemeClr>
+          </a:solidFill>
+          <a:ln>
+            <a:noFill/>
+          </a:ln>
+        </p:spPr>
+        <p:style>
+          <a:lnRef idx="2">
+            <a:schemeClr val="accent1">
+              <a:shade val="50000"/>
+            </a:schemeClr>
+          </a:lnRef>
+          <a:fillRef idx="1">
+            <a:schemeClr val="accent1"/>
+          </a:fillRef>
+          <a:effectRef idx="0">
+            <a:schemeClr val="accent1"/>
+          </a:effectRef>
+          <a:fontRef idx="minor">
+            <a:schemeClr val="lt1"/>
+          </a:fontRef>
+        </p:style>
+        <p:txBody>
+          <a:bodyPr rtlCol="0" anchor="ctr"/>
+          <a:lstStyle/>
+          <a:p>
+            <a:pPr algn="ctr"/>
+            <a:endParaRPr lang="ca-ES"/>
+          </a:p>
+        </p:txBody>
+      </p:sp>
+      <p:sp>
+        <p:nvSpPr>
+          <p:cNvPr id="81" name="Rectángulo 80">
+            <a:extLst>
+              <a:ext uri="{FF2B5EF4-FFF2-40B4-BE49-F238E27FC236}">
+                <a16:creationId xmlns:a16="http://schemas.microsoft.com/office/drawing/2014/main" id="{7DFCAB76-2D5F-4BB8-808F-EB5B2A5136CE}"/>
+              </a:ext>
+            </a:extLst>
+          </p:cNvPr>
+          <p:cNvSpPr/>
+          <p:nvPr/>
+        </p:nvSpPr>
+        <p:spPr>
+          <a:xfrm>
+            <a:off x="8721331" y="2786106"/>
+            <a:ext cx="104274" cy="711995"/>
+          </a:xfrm>
+          <a:prstGeom prst="rect">
+            <a:avLst/>
+          </a:prstGeom>
+          <a:solidFill>
+            <a:schemeClr val="bg1">
+              <a:lumMod val="95000"/>
+            </a:schemeClr>
+          </a:solidFill>
+          <a:ln>
+            <a:noFill/>
+          </a:ln>
+        </p:spPr>
+        <p:style>
+          <a:lnRef idx="2">
+            <a:schemeClr val="accent1">
+              <a:shade val="50000"/>
+            </a:schemeClr>
+          </a:lnRef>
+          <a:fillRef idx="1">
+            <a:schemeClr val="accent1"/>
+          </a:fillRef>
+          <a:effectRef idx="0">
+            <a:schemeClr val="accent1"/>
+          </a:effectRef>
+          <a:fontRef idx="minor">
+            <a:schemeClr val="lt1"/>
+          </a:fontRef>
+        </p:style>
+        <p:txBody>
+          <a:bodyPr rtlCol="0" anchor="ctr"/>
+          <a:lstStyle/>
+          <a:p>
+            <a:pPr algn="ctr"/>
+            <a:endParaRPr lang="ca-ES"/>
+          </a:p>
+        </p:txBody>
+      </p:sp>
+      <p:sp>
+        <p:nvSpPr>
+          <p:cNvPr id="82" name="Rectángulo 81">
+            <a:extLst>
+              <a:ext uri="{FF2B5EF4-FFF2-40B4-BE49-F238E27FC236}">
+                <a16:creationId xmlns:a16="http://schemas.microsoft.com/office/drawing/2014/main" id="{0DDFBF04-16F6-44BB-9B01-A57D1883125E}"/>
+              </a:ext>
+            </a:extLst>
+          </p:cNvPr>
+          <p:cNvSpPr/>
+          <p:nvPr/>
+        </p:nvSpPr>
+        <p:spPr>
+          <a:xfrm>
+            <a:off x="8942767" y="2786106"/>
+            <a:ext cx="104274" cy="711995"/>
+          </a:xfrm>
+          <a:prstGeom prst="rect">
+            <a:avLst/>
+          </a:prstGeom>
+          <a:solidFill>
+            <a:schemeClr val="bg1">
+              <a:lumMod val="95000"/>
+            </a:schemeClr>
+          </a:solidFill>
+          <a:ln>
+            <a:noFill/>
+          </a:ln>
+        </p:spPr>
+        <p:style>
+          <a:lnRef idx="2">
+            <a:schemeClr val="accent1">
+              <a:shade val="50000"/>
+            </a:schemeClr>
+          </a:lnRef>
+          <a:fillRef idx="1">
+            <a:schemeClr val="accent1"/>
+          </a:fillRef>
+          <a:effectRef idx="0">
+            <a:schemeClr val="accent1"/>
+          </a:effectRef>
+          <a:fontRef idx="minor">
+            <a:schemeClr val="lt1"/>
+          </a:fontRef>
+        </p:style>
+        <p:txBody>
+          <a:bodyPr rtlCol="0" anchor="ctr"/>
+          <a:lstStyle/>
+          <a:p>
+            <a:pPr algn="ctr"/>
+            <a:endParaRPr lang="ca-ES"/>
+          </a:p>
+        </p:txBody>
+      </p:sp>
+      <p:sp>
+        <p:nvSpPr>
+          <p:cNvPr id="83" name="Rectángulo 82">
+            <a:extLst>
+              <a:ext uri="{FF2B5EF4-FFF2-40B4-BE49-F238E27FC236}">
+                <a16:creationId xmlns:a16="http://schemas.microsoft.com/office/drawing/2014/main" id="{78E48DC1-BD9D-4FE7-AFA4-E5F5078BC3D4}"/>
+              </a:ext>
+            </a:extLst>
+          </p:cNvPr>
+          <p:cNvSpPr/>
+          <p:nvPr/>
+        </p:nvSpPr>
+        <p:spPr>
+          <a:xfrm>
+            <a:off x="9174980" y="2800396"/>
+            <a:ext cx="104274" cy="691442"/>
+          </a:xfrm>
+          <a:prstGeom prst="rect">
+            <a:avLst/>
+          </a:prstGeom>
+          <a:solidFill>
+            <a:schemeClr val="bg1">
+              <a:lumMod val="95000"/>
+            </a:schemeClr>
+          </a:solidFill>
+          <a:ln>
+            <a:noFill/>
+          </a:ln>
+        </p:spPr>
+        <p:style>
+          <a:lnRef idx="2">
+            <a:schemeClr val="accent1">
+              <a:shade val="50000"/>
+            </a:schemeClr>
+          </a:lnRef>
+          <a:fillRef idx="1">
+            <a:schemeClr val="accent1"/>
+          </a:fillRef>
+          <a:effectRef idx="0">
+            <a:schemeClr val="accent1"/>
+          </a:effectRef>
+          <a:fontRef idx="minor">
+            <a:schemeClr val="lt1"/>
+          </a:fontRef>
+        </p:style>
+        <p:txBody>
+          <a:bodyPr rtlCol="0" anchor="ctr"/>
+          <a:lstStyle/>
+          <a:p>
+            <a:pPr algn="ctr"/>
+            <a:endParaRPr lang="ca-ES"/>
+          </a:p>
+        </p:txBody>
+      </p:sp>
+      <p:sp>
+        <p:nvSpPr>
+          <p:cNvPr id="84" name="Rectángulo 83">
+            <a:extLst>
+              <a:ext uri="{FF2B5EF4-FFF2-40B4-BE49-F238E27FC236}">
+                <a16:creationId xmlns:a16="http://schemas.microsoft.com/office/drawing/2014/main" id="{18B24F48-01DB-4F84-B513-E369B2510370}"/>
+              </a:ext>
+            </a:extLst>
+          </p:cNvPr>
+          <p:cNvSpPr/>
+          <p:nvPr/>
+        </p:nvSpPr>
+        <p:spPr>
+          <a:xfrm>
+            <a:off x="9399993" y="2800395"/>
+            <a:ext cx="104274" cy="686677"/>
+          </a:xfrm>
+          <a:prstGeom prst="rect">
+            <a:avLst/>
+          </a:prstGeom>
+          <a:solidFill>
+            <a:schemeClr val="bg1">
+              <a:lumMod val="95000"/>
+            </a:schemeClr>
+          </a:solidFill>
+          <a:ln>
+            <a:noFill/>
+          </a:ln>
+        </p:spPr>
+        <p:style>
+          <a:lnRef idx="2">
+            <a:schemeClr val="accent1">
+              <a:shade val="50000"/>
+            </a:schemeClr>
+          </a:lnRef>
+          <a:fillRef idx="1">
+            <a:schemeClr val="accent1"/>
+          </a:fillRef>
+          <a:effectRef idx="0">
+            <a:schemeClr val="accent1"/>
+          </a:effectRef>
+          <a:fontRef idx="minor">
+            <a:schemeClr val="lt1"/>
+          </a:fontRef>
+        </p:style>
+        <p:txBody>
+          <a:bodyPr rtlCol="0" anchor="ctr"/>
+          <a:lstStyle/>
+          <a:p>
+            <a:pPr algn="ctr"/>
+            <a:endParaRPr lang="ca-ES"/>
+          </a:p>
+        </p:txBody>
+      </p:sp>
+      <p:sp>
+        <p:nvSpPr>
+          <p:cNvPr id="85" name="Rectángulo 84">
+            <a:extLst>
+              <a:ext uri="{FF2B5EF4-FFF2-40B4-BE49-F238E27FC236}">
+                <a16:creationId xmlns:a16="http://schemas.microsoft.com/office/drawing/2014/main" id="{B3A6B426-7A3B-498C-BF76-0DABD501400B}"/>
+              </a:ext>
+            </a:extLst>
+          </p:cNvPr>
+          <p:cNvSpPr/>
+          <p:nvPr/>
+        </p:nvSpPr>
+        <p:spPr>
+          <a:xfrm>
+            <a:off x="6465630" y="2660430"/>
+            <a:ext cx="1700858" cy="960967"/>
+          </a:xfrm>
+          <a:prstGeom prst="rect">
+            <a:avLst/>
+          </a:prstGeom>
+          <a:noFill/>
+          <a:ln>
+            <a:noFill/>
+          </a:ln>
+        </p:spPr>
+        <p:style>
+          <a:lnRef idx="2">
+            <a:schemeClr val="accent1">
+              <a:shade val="50000"/>
+            </a:schemeClr>
+          </a:lnRef>
+          <a:fillRef idx="1">
+            <a:schemeClr val="accent1"/>
+          </a:fillRef>
+          <a:effectRef idx="0">
+            <a:schemeClr val="accent1"/>
+          </a:effectRef>
+          <a:fontRef idx="minor">
+            <a:schemeClr val="lt1"/>
+          </a:fontRef>
+        </p:style>
+        <p:txBody>
+          <a:bodyPr rtlCol="0" anchor="ctr"/>
+          <a:lstStyle/>
+          <a:p>
+            <a:pPr algn="ctr"/>
+            <a:endParaRPr lang="ca-ES" dirty="0"/>
+          </a:p>
+        </p:txBody>
+      </p:sp>
+      <p:sp>
+        <p:nvSpPr>
+          <p:cNvPr id="86" name="Rectángulo 85">
+            <a:extLst>
+              <a:ext uri="{FF2B5EF4-FFF2-40B4-BE49-F238E27FC236}">
+                <a16:creationId xmlns:a16="http://schemas.microsoft.com/office/drawing/2014/main" id="{2CDC356C-F119-43C2-A994-8F46AB5452F3}"/>
+              </a:ext>
+            </a:extLst>
+          </p:cNvPr>
+          <p:cNvSpPr/>
+          <p:nvPr/>
+        </p:nvSpPr>
+        <p:spPr>
+          <a:xfrm>
+            <a:off x="4645818" y="2660430"/>
+            <a:ext cx="1700858" cy="960967"/>
+          </a:xfrm>
+          <a:prstGeom prst="rect">
+            <a:avLst/>
+          </a:prstGeom>
+          <a:noFill/>
+          <a:ln>
+            <a:noFill/>
+          </a:ln>
+        </p:spPr>
+        <p:style>
+          <a:lnRef idx="2">
+            <a:schemeClr val="accent1">
+              <a:shade val="50000"/>
+            </a:schemeClr>
+          </a:lnRef>
+          <a:fillRef idx="1">
+            <a:schemeClr val="accent1"/>
+          </a:fillRef>
+          <a:effectRef idx="0">
+            <a:schemeClr val="accent1"/>
+          </a:effectRef>
+          <a:fontRef idx="minor">
+            <a:schemeClr val="lt1"/>
+          </a:fontRef>
+        </p:style>
+        <p:txBody>
+          <a:bodyPr rtlCol="0" anchor="ctr"/>
+          <a:lstStyle/>
+          <a:p>
+            <a:pPr algn="ctr"/>
+            <a:endParaRPr lang="ca-ES" dirty="0"/>
+          </a:p>
+        </p:txBody>
+      </p:sp>
+      <p:sp>
+        <p:nvSpPr>
+          <p:cNvPr id="87" name="Rectángulo 86">
+            <a:extLst>
+              <a:ext uri="{FF2B5EF4-FFF2-40B4-BE49-F238E27FC236}">
+                <a16:creationId xmlns:a16="http://schemas.microsoft.com/office/drawing/2014/main" id="{1EEC929B-0B4F-468D-AA49-F06360B7B4B2}"/>
+              </a:ext>
+            </a:extLst>
+          </p:cNvPr>
+          <p:cNvSpPr/>
+          <p:nvPr/>
+        </p:nvSpPr>
+        <p:spPr>
+          <a:xfrm>
+            <a:off x="2841408" y="2660429"/>
+            <a:ext cx="1700858" cy="960967"/>
+          </a:xfrm>
+          <a:prstGeom prst="rect">
+            <a:avLst/>
+          </a:prstGeom>
+          <a:noFill/>
+          <a:ln>
+            <a:noFill/>
+          </a:ln>
+        </p:spPr>
+        <p:style>
+          <a:lnRef idx="2">
+            <a:schemeClr val="accent1">
+              <a:shade val="50000"/>
+            </a:schemeClr>
+          </a:lnRef>
+          <a:fillRef idx="1">
+            <a:schemeClr val="accent1"/>
+          </a:fillRef>
+          <a:effectRef idx="0">
+            <a:schemeClr val="accent1"/>
+          </a:effectRef>
+          <a:fontRef idx="minor">
+            <a:schemeClr val="lt1"/>
+          </a:fontRef>
+        </p:style>
+        <p:txBody>
+          <a:bodyPr rtlCol="0" anchor="ctr"/>
+          <a:lstStyle/>
+          <a:p>
+            <a:pPr algn="ctr"/>
+            <a:endParaRPr lang="ca-ES" dirty="0"/>
+          </a:p>
+        </p:txBody>
+      </p:sp>
+      <p:sp>
+        <p:nvSpPr>
+          <p:cNvPr id="88" name="Rectángulo 87">
+            <a:extLst>
+              <a:ext uri="{FF2B5EF4-FFF2-40B4-BE49-F238E27FC236}">
+                <a16:creationId xmlns:a16="http://schemas.microsoft.com/office/drawing/2014/main" id="{221C898F-89CE-4A60-985A-84DC0A805E49}"/>
+              </a:ext>
+            </a:extLst>
+          </p:cNvPr>
+          <p:cNvSpPr/>
+          <p:nvPr/>
+        </p:nvSpPr>
+        <p:spPr>
+          <a:xfrm>
+            <a:off x="2579291" y="4901611"/>
+            <a:ext cx="1700858" cy="960967"/>
+          </a:xfrm>
+          <a:prstGeom prst="rect">
+            <a:avLst/>
+          </a:prstGeom>
+          <a:noFill/>
+          <a:ln>
+            <a:noFill/>
+          </a:ln>
+        </p:spPr>
+        <p:style>
+          <a:lnRef idx="2">
+            <a:schemeClr val="accent1">
+              <a:shade val="50000"/>
+            </a:schemeClr>
+          </a:lnRef>
+          <a:fillRef idx="1">
+            <a:schemeClr val="accent1"/>
+          </a:fillRef>
+          <a:effectRef idx="0">
+            <a:schemeClr val="accent1"/>
+          </a:effectRef>
+          <a:fontRef idx="minor">
+            <a:schemeClr val="lt1"/>
+          </a:fontRef>
+        </p:style>
+        <p:txBody>
+          <a:bodyPr rtlCol="0" anchor="ctr"/>
+          <a:lstStyle/>
+          <a:p>
+            <a:pPr algn="ctr"/>
+            <a:endParaRPr lang="ca-ES" dirty="0"/>
+          </a:p>
+        </p:txBody>
+      </p:sp>
+      <p:sp>
+        <p:nvSpPr>
+          <p:cNvPr id="89" name="Rectángulo 88">
+            <a:extLst>
+              <a:ext uri="{FF2B5EF4-FFF2-40B4-BE49-F238E27FC236}">
+                <a16:creationId xmlns:a16="http://schemas.microsoft.com/office/drawing/2014/main" id="{F37B67D1-3915-4134-9005-1BBABE0B8DC5}"/>
+              </a:ext>
+            </a:extLst>
+          </p:cNvPr>
+          <p:cNvSpPr/>
+          <p:nvPr/>
+        </p:nvSpPr>
+        <p:spPr>
+          <a:xfrm>
+            <a:off x="1211860" y="2812829"/>
+            <a:ext cx="1700858" cy="960967"/>
+          </a:xfrm>
+          <a:prstGeom prst="rect">
+            <a:avLst/>
+          </a:prstGeom>
+          <a:noFill/>
+          <a:ln>
+            <a:noFill/>
+          </a:ln>
+        </p:spPr>
+        <p:style>
+          <a:lnRef idx="2">
+            <a:schemeClr val="accent1">
+              <a:shade val="50000"/>
+            </a:schemeClr>
+          </a:lnRef>
+          <a:fillRef idx="1">
+            <a:schemeClr val="accent1"/>
+          </a:fillRef>
+          <a:effectRef idx="0">
+            <a:schemeClr val="accent1"/>
+          </a:effectRef>
+          <a:fontRef idx="minor">
+            <a:schemeClr val="lt1"/>
+          </a:fontRef>
+        </p:style>
+        <p:txBody>
+          <a:bodyPr rtlCol="0" anchor="ctr"/>
+          <a:lstStyle/>
+          <a:p>
+            <a:pPr algn="ctr"/>
+            <a:endParaRPr lang="ca-ES" dirty="0"/>
+          </a:p>
+        </p:txBody>
+      </p:sp>
+      <p:sp>
+        <p:nvSpPr>
+          <p:cNvPr id="91" name="Rectángulo 90">
+            <a:extLst>
+              <a:ext uri="{FF2B5EF4-FFF2-40B4-BE49-F238E27FC236}">
+                <a16:creationId xmlns:a16="http://schemas.microsoft.com/office/drawing/2014/main" id="{A8C64B2B-B14E-4EFE-9D46-7A90444FD194}"/>
+              </a:ext>
+            </a:extLst>
+          </p:cNvPr>
+          <p:cNvSpPr/>
+          <p:nvPr/>
+        </p:nvSpPr>
+        <p:spPr>
+          <a:xfrm>
+            <a:off x="3045626" y="4899213"/>
+            <a:ext cx="257799" cy="960967"/>
+          </a:xfrm>
+          <a:prstGeom prst="rect">
+            <a:avLst/>
+          </a:prstGeom>
+          <a:solidFill>
+            <a:schemeClr val="bg1"/>
+          </a:solidFill>
+          <a:ln>
+            <a:solidFill>
+              <a:schemeClr val="tx1"/>
+            </a:solidFill>
+          </a:ln>
+        </p:spPr>
+        <p:style>
+          <a:lnRef idx="2">
+            <a:schemeClr val="accent1">
+              <a:shade val="50000"/>
+            </a:schemeClr>
+          </a:lnRef>
+          <a:fillRef idx="1">
+            <a:schemeClr val="accent1"/>
+          </a:fillRef>
+          <a:effectRef idx="0">
+            <a:schemeClr val="accent1"/>
+          </a:effectRef>
+          <a:fontRef idx="minor">
+            <a:schemeClr val="lt1"/>
+          </a:fontRef>
+        </p:style>
+        <p:txBody>
+          <a:bodyPr rtlCol="0" anchor="ctr"/>
+          <a:lstStyle/>
+          <a:p>
+            <a:pPr algn="ctr"/>
+            <a:endParaRPr lang="ca-ES"/>
+          </a:p>
+        </p:txBody>
+      </p:sp>
+      <p:sp>
+        <p:nvSpPr>
+          <p:cNvPr id="92" name="Rectángulo 91">
+            <a:extLst>
+              <a:ext uri="{FF2B5EF4-FFF2-40B4-BE49-F238E27FC236}">
+                <a16:creationId xmlns:a16="http://schemas.microsoft.com/office/drawing/2014/main" id="{53D01E76-8D29-46CD-B41D-F4CA8628F658}"/>
+              </a:ext>
+            </a:extLst>
+          </p:cNvPr>
+          <p:cNvSpPr/>
+          <p:nvPr/>
+        </p:nvSpPr>
+        <p:spPr>
+          <a:xfrm>
+            <a:off x="3537283" y="4896815"/>
+            <a:ext cx="257799" cy="960967"/>
+          </a:xfrm>
+          <a:prstGeom prst="rect">
+            <a:avLst/>
+          </a:prstGeom>
+          <a:solidFill>
+            <a:schemeClr val="bg1"/>
+          </a:solidFill>
+          <a:ln>
+            <a:solidFill>
+              <a:schemeClr val="tx1"/>
+            </a:solidFill>
+          </a:ln>
+        </p:spPr>
+        <p:style>
+          <a:lnRef idx="2">
+            <a:schemeClr val="accent1">
+              <a:shade val="50000"/>
+            </a:schemeClr>
+          </a:lnRef>
+          <a:fillRef idx="1">
+            <a:schemeClr val="accent1"/>
+          </a:fillRef>
+          <a:effectRef idx="0">
+            <a:schemeClr val="accent1"/>
+          </a:effectRef>
+          <a:fontRef idx="minor">
+            <a:schemeClr val="lt1"/>
+          </a:fontRef>
+        </p:style>
+        <p:txBody>
+          <a:bodyPr rtlCol="0" anchor="ctr"/>
+          <a:lstStyle/>
+          <a:p>
+            <a:pPr algn="ctr"/>
+            <a:endParaRPr lang="ca-ES"/>
+          </a:p>
+        </p:txBody>
+      </p:sp>
+      <p:sp>
+        <p:nvSpPr>
+          <p:cNvPr id="99" name="Rectángulo 98">
+            <a:extLst>
+              <a:ext uri="{FF2B5EF4-FFF2-40B4-BE49-F238E27FC236}">
+                <a16:creationId xmlns:a16="http://schemas.microsoft.com/office/drawing/2014/main" id="{C6998BC8-CE9D-4964-978C-6E1B9AC7D8FB}"/>
+              </a:ext>
+            </a:extLst>
+          </p:cNvPr>
+          <p:cNvSpPr/>
+          <p:nvPr/>
+        </p:nvSpPr>
+        <p:spPr>
+          <a:xfrm>
+            <a:off x="4612384" y="4896815"/>
+            <a:ext cx="1700858" cy="960967"/>
+          </a:xfrm>
+          <a:prstGeom prst="rect">
+            <a:avLst/>
+          </a:prstGeom>
+          <a:noFill/>
+          <a:ln>
+            <a:noFill/>
+          </a:ln>
+        </p:spPr>
+        <p:style>
+          <a:lnRef idx="2">
+            <a:schemeClr val="accent1">
+              <a:shade val="50000"/>
+            </a:schemeClr>
+          </a:lnRef>
+          <a:fillRef idx="1">
+            <a:schemeClr val="accent1"/>
+          </a:fillRef>
+          <a:effectRef idx="0">
+            <a:schemeClr val="accent1"/>
+          </a:effectRef>
+          <a:fontRef idx="minor">
+            <a:schemeClr val="lt1"/>
+          </a:fontRef>
+        </p:style>
+        <p:txBody>
+          <a:bodyPr rtlCol="0" anchor="ctr"/>
+          <a:lstStyle/>
+          <a:p>
+            <a:pPr algn="ctr"/>
+            <a:endParaRPr lang="ca-ES" dirty="0"/>
+          </a:p>
+        </p:txBody>
+      </p:sp>
+      <p:sp>
+        <p:nvSpPr>
+          <p:cNvPr id="100" name="Rectángulo 99">
+            <a:extLst>
+              <a:ext uri="{FF2B5EF4-FFF2-40B4-BE49-F238E27FC236}">
+                <a16:creationId xmlns:a16="http://schemas.microsoft.com/office/drawing/2014/main" id="{04C8CBD4-2FB3-42CE-A844-4E4D00765041}"/>
+              </a:ext>
+            </a:extLst>
+          </p:cNvPr>
+          <p:cNvSpPr/>
+          <p:nvPr/>
+        </p:nvSpPr>
+        <p:spPr>
+          <a:xfrm>
+            <a:off x="5078719" y="4894417"/>
+            <a:ext cx="257799" cy="960967"/>
+          </a:xfrm>
+          <a:prstGeom prst="rect">
+            <a:avLst/>
+          </a:prstGeom>
+          <a:solidFill>
+            <a:schemeClr val="bg1">
+              <a:lumMod val="95000"/>
+            </a:schemeClr>
+          </a:solidFill>
+          <a:ln>
+            <a:solidFill>
+              <a:srgbClr val="8800BE"/>
+            </a:solidFill>
+          </a:ln>
+        </p:spPr>
+        <p:style>
+          <a:lnRef idx="2">
+            <a:schemeClr val="accent1">
+              <a:shade val="50000"/>
+            </a:schemeClr>
+          </a:lnRef>
+          <a:fillRef idx="1">
+            <a:schemeClr val="accent1"/>
+          </a:fillRef>
+          <a:effectRef idx="0">
+            <a:schemeClr val="accent1"/>
+          </a:effectRef>
+          <a:fontRef idx="minor">
+            <a:schemeClr val="lt1"/>
+          </a:fontRef>
+        </p:style>
+        <p:txBody>
+          <a:bodyPr rtlCol="0" anchor="ctr"/>
+          <a:lstStyle/>
+          <a:p>
+            <a:pPr algn="ctr"/>
+            <a:endParaRPr lang="ca-ES"/>
+          </a:p>
+        </p:txBody>
+      </p:sp>
+      <p:sp>
+        <p:nvSpPr>
+          <p:cNvPr id="101" name="Rectángulo 100">
+            <a:extLst>
+              <a:ext uri="{FF2B5EF4-FFF2-40B4-BE49-F238E27FC236}">
+                <a16:creationId xmlns:a16="http://schemas.microsoft.com/office/drawing/2014/main" id="{9E719653-F703-451A-B69E-33932179B17B}"/>
+              </a:ext>
+            </a:extLst>
+          </p:cNvPr>
+          <p:cNvSpPr/>
+          <p:nvPr/>
+        </p:nvSpPr>
+        <p:spPr>
+          <a:xfrm>
+            <a:off x="5570376" y="4892019"/>
+            <a:ext cx="257799" cy="960967"/>
+          </a:xfrm>
+          <a:prstGeom prst="rect">
+            <a:avLst/>
+          </a:prstGeom>
+          <a:solidFill>
+            <a:schemeClr val="bg1">
+              <a:lumMod val="95000"/>
+            </a:schemeClr>
+          </a:solidFill>
+          <a:ln>
+            <a:solidFill>
+              <a:srgbClr val="8800BE"/>
+            </a:solidFill>
+          </a:ln>
+        </p:spPr>
+        <p:style>
+          <a:lnRef idx="2">
+            <a:schemeClr val="accent1">
+              <a:shade val="50000"/>
+            </a:schemeClr>
+          </a:lnRef>
+          <a:fillRef idx="1">
+            <a:schemeClr val="accent1"/>
+          </a:fillRef>
+          <a:effectRef idx="0">
+            <a:schemeClr val="accent1"/>
+          </a:effectRef>
+          <a:fontRef idx="minor">
+            <a:schemeClr val="lt1"/>
+          </a:fontRef>
+        </p:style>
+        <p:txBody>
+          <a:bodyPr rtlCol="0" anchor="ctr"/>
+          <a:lstStyle/>
+          <a:p>
+            <a:pPr algn="ctr"/>
+            <a:endParaRPr lang="ca-ES"/>
+          </a:p>
+        </p:txBody>
+      </p:sp>
+    </p:spTree>
+    <p:extLst>
+      <p:ext uri="{BB962C8B-B14F-4D97-AF65-F5344CB8AC3E}">
+        <p14:creationId xmlns:p14="http://schemas.microsoft.com/office/powerpoint/2010/main" val="200192694"/>
+      </p:ext>
+    </p:extLst>
+  </p:cSld>
+  <p:clrMapOvr>
+    <a:masterClrMapping/>
+  </p:clrMapOvr>
+</p:sld>
+</file>
+
+<file path=ppt/slides/slide3.xml><?xml version="1.0" encoding="utf-8"?>
 <p:sld xmlns:a="http://schemas.openxmlformats.org/drawingml/2006/main" xmlns:r="http://schemas.openxmlformats.org/officeDocument/2006/relationships" xmlns:p="http://schemas.openxmlformats.org/presentationml/2006/main">
   <p:cSld>
     <p:spTree>
@@ -7739,10 +11310,2340 @@
           </a:p>
         </p:txBody>
       </p:sp>
+      <p:sp>
+        <p:nvSpPr>
+          <p:cNvPr id="2" name="Rectángulo: esquinas redondeadas 1">
+            <a:extLst>
+              <a:ext uri="{FF2B5EF4-FFF2-40B4-BE49-F238E27FC236}">
+                <a16:creationId xmlns:a16="http://schemas.microsoft.com/office/drawing/2014/main" id="{A4FE0554-CDBC-4A08-826C-CFCA9C6307CE}"/>
+              </a:ext>
+            </a:extLst>
+          </p:cNvPr>
+          <p:cNvSpPr/>
+          <p:nvPr/>
+        </p:nvSpPr>
+        <p:spPr>
+          <a:xfrm>
+            <a:off x="1515291" y="4239441"/>
+            <a:ext cx="332559" cy="332559"/>
+          </a:xfrm>
+          <a:prstGeom prst="roundRect">
+            <a:avLst>
+              <a:gd name="adj" fmla="val 6793"/>
+            </a:avLst>
+          </a:prstGeom>
+          <a:solidFill>
+            <a:schemeClr val="bg1"/>
+          </a:solidFill>
+          <a:ln w="6350">
+            <a:solidFill>
+              <a:schemeClr val="tx1"/>
+            </a:solidFill>
+          </a:ln>
+        </p:spPr>
+        <p:style>
+          <a:lnRef idx="2">
+            <a:schemeClr val="accent1">
+              <a:shade val="50000"/>
+            </a:schemeClr>
+          </a:lnRef>
+          <a:fillRef idx="1">
+            <a:schemeClr val="accent1"/>
+          </a:fillRef>
+          <a:effectRef idx="0">
+            <a:schemeClr val="accent1"/>
+          </a:effectRef>
+          <a:fontRef idx="minor">
+            <a:schemeClr val="lt1"/>
+          </a:fontRef>
+        </p:style>
+        <p:txBody>
+          <a:bodyPr rtlCol="0" anchor="ctr"/>
+          <a:lstStyle/>
+          <a:p>
+            <a:pPr algn="ctr"/>
+            <a:endParaRPr lang="ca-ES"/>
+          </a:p>
+        </p:txBody>
+      </p:sp>
+      <p:sp>
+        <p:nvSpPr>
+          <p:cNvPr id="20" name="Rectángulo: esquinas redondeadas 19">
+            <a:extLst>
+              <a:ext uri="{FF2B5EF4-FFF2-40B4-BE49-F238E27FC236}">
+                <a16:creationId xmlns:a16="http://schemas.microsoft.com/office/drawing/2014/main" id="{7875A7D6-3395-FEC2-91DC-90569F2EF7B5}"/>
+              </a:ext>
+            </a:extLst>
+          </p:cNvPr>
+          <p:cNvSpPr/>
+          <p:nvPr/>
+        </p:nvSpPr>
+        <p:spPr>
+          <a:xfrm>
+            <a:off x="5203371" y="2277292"/>
+            <a:ext cx="2429691" cy="2429691"/>
+          </a:xfrm>
+          <a:prstGeom prst="roundRect">
+            <a:avLst>
+              <a:gd name="adj" fmla="val 27779"/>
+            </a:avLst>
+          </a:prstGeom>
+          <a:solidFill>
+            <a:schemeClr val="bg1"/>
+          </a:solidFill>
+          <a:ln>
+            <a:solidFill>
+              <a:schemeClr val="tx1"/>
+            </a:solidFill>
+          </a:ln>
+        </p:spPr>
+        <p:style>
+          <a:lnRef idx="2">
+            <a:schemeClr val="accent1">
+              <a:shade val="50000"/>
+            </a:schemeClr>
+          </a:lnRef>
+          <a:fillRef idx="1">
+            <a:schemeClr val="accent1"/>
+          </a:fillRef>
+          <a:effectRef idx="0">
+            <a:schemeClr val="accent1"/>
+          </a:effectRef>
+          <a:fontRef idx="minor">
+            <a:schemeClr val="lt1"/>
+          </a:fontRef>
+        </p:style>
+        <p:txBody>
+          <a:bodyPr rtlCol="0" anchor="ctr"/>
+          <a:lstStyle/>
+          <a:p>
+            <a:pPr algn="ctr"/>
+            <a:endParaRPr lang="ca-ES"/>
+          </a:p>
+        </p:txBody>
+      </p:sp>
+      <p:sp>
+        <p:nvSpPr>
+          <p:cNvPr id="3" name="Rectángulo: esquinas superiores redondeadas 2">
+            <a:extLst>
+              <a:ext uri="{FF2B5EF4-FFF2-40B4-BE49-F238E27FC236}">
+                <a16:creationId xmlns:a16="http://schemas.microsoft.com/office/drawing/2014/main" id="{0E329B3D-C0D9-A482-9FB8-7CCA3692973D}"/>
+              </a:ext>
+            </a:extLst>
+          </p:cNvPr>
+          <p:cNvSpPr/>
+          <p:nvPr/>
+        </p:nvSpPr>
+        <p:spPr>
+          <a:xfrm>
+            <a:off x="1863719" y="4239440"/>
+            <a:ext cx="332559" cy="332560"/>
+          </a:xfrm>
+          <a:prstGeom prst="round2SameRect">
+            <a:avLst>
+              <a:gd name="adj1" fmla="val 6643"/>
+              <a:gd name="adj2" fmla="val 0"/>
+            </a:avLst>
+          </a:prstGeom>
+          <a:solidFill>
+            <a:schemeClr val="bg1"/>
+          </a:solidFill>
+          <a:ln w="6350">
+            <a:solidFill>
+              <a:schemeClr val="tx1"/>
+            </a:solidFill>
+          </a:ln>
+        </p:spPr>
+        <p:style>
+          <a:lnRef idx="2">
+            <a:schemeClr val="accent1">
+              <a:shade val="50000"/>
+            </a:schemeClr>
+          </a:lnRef>
+          <a:fillRef idx="1">
+            <a:schemeClr val="accent1"/>
+          </a:fillRef>
+          <a:effectRef idx="0">
+            <a:schemeClr val="accent1"/>
+          </a:effectRef>
+          <a:fontRef idx="minor">
+            <a:schemeClr val="lt1"/>
+          </a:fontRef>
+        </p:style>
+        <p:txBody>
+          <a:bodyPr rtlCol="0" anchor="ctr"/>
+          <a:lstStyle/>
+          <a:p>
+            <a:pPr algn="ctr"/>
+            <a:endParaRPr lang="ca-ES"/>
+          </a:p>
+        </p:txBody>
+      </p:sp>
     </p:spTree>
     <p:extLst>
       <p:ext uri="{BB962C8B-B14F-4D97-AF65-F5344CB8AC3E}">
         <p14:creationId xmlns:p14="http://schemas.microsoft.com/office/powerpoint/2010/main" val="2678129257"/>
+      </p:ext>
+    </p:extLst>
+  </p:cSld>
+  <p:clrMapOvr>
+    <a:masterClrMapping/>
+  </p:clrMapOvr>
+</p:sld>
+</file>
+
+<file path=ppt/slides/slide4.xml><?xml version="1.0" encoding="utf-8"?>
+<p:sld xmlns:a="http://schemas.openxmlformats.org/drawingml/2006/main" xmlns:r="http://schemas.openxmlformats.org/officeDocument/2006/relationships" xmlns:p="http://schemas.openxmlformats.org/presentationml/2006/main">
+  <p:cSld>
+    <p:spTree>
+      <p:nvGrpSpPr>
+        <p:cNvPr id="1" name=""/>
+        <p:cNvGrpSpPr/>
+        <p:nvPr/>
+      </p:nvGrpSpPr>
+      <p:grpSpPr>
+        <a:xfrm>
+          <a:off x="0" y="0"/>
+          <a:ext cx="0" cy="0"/>
+          <a:chOff x="0" y="0"/>
+          <a:chExt cx="0" cy="0"/>
+        </a:xfrm>
+      </p:grpSpPr>
+      <p:sp>
+        <p:nvSpPr>
+          <p:cNvPr id="18" name="Signo más 17">
+            <a:extLst>
+              <a:ext uri="{FF2B5EF4-FFF2-40B4-BE49-F238E27FC236}">
+                <a16:creationId xmlns:a16="http://schemas.microsoft.com/office/drawing/2014/main" id="{42668895-9BB5-E42C-3D6A-30D100E9AD57}"/>
+              </a:ext>
+            </a:extLst>
+          </p:cNvPr>
+          <p:cNvSpPr/>
+          <p:nvPr/>
+        </p:nvSpPr>
+        <p:spPr>
+          <a:xfrm>
+            <a:off x="8117312" y="2452643"/>
+            <a:ext cx="1113146" cy="1113146"/>
+          </a:xfrm>
+          <a:prstGeom prst="mathPlus">
+            <a:avLst>
+              <a:gd name="adj1" fmla="val 0"/>
+            </a:avLst>
+          </a:prstGeom>
+          <a:noFill/>
+          <a:ln w="57150">
+            <a:noFill/>
+          </a:ln>
+        </p:spPr>
+        <p:style>
+          <a:lnRef idx="2">
+            <a:schemeClr val="accent1">
+              <a:shade val="50000"/>
+            </a:schemeClr>
+          </a:lnRef>
+          <a:fillRef idx="1">
+            <a:schemeClr val="accent1"/>
+          </a:fillRef>
+          <a:effectRef idx="0">
+            <a:schemeClr val="accent1"/>
+          </a:effectRef>
+          <a:fontRef idx="minor">
+            <a:schemeClr val="lt1"/>
+          </a:fontRef>
+        </p:style>
+        <p:txBody>
+          <a:bodyPr rtlCol="0" anchor="ctr"/>
+          <a:lstStyle/>
+          <a:p>
+            <a:pPr algn="ctr"/>
+            <a:endParaRPr lang="ca-ES"/>
+          </a:p>
+        </p:txBody>
+      </p:sp>
+      <p:sp>
+        <p:nvSpPr>
+          <p:cNvPr id="5" name="Rectángulo: esquinas redondeadas 4">
+            <a:extLst>
+              <a:ext uri="{FF2B5EF4-FFF2-40B4-BE49-F238E27FC236}">
+                <a16:creationId xmlns:a16="http://schemas.microsoft.com/office/drawing/2014/main" id="{8F9A0247-CAA2-86CA-8D0A-0CA7757CFFCE}"/>
+              </a:ext>
+            </a:extLst>
+          </p:cNvPr>
+          <p:cNvSpPr/>
+          <p:nvPr/>
+        </p:nvSpPr>
+        <p:spPr>
+          <a:xfrm>
+            <a:off x="1917054" y="3046889"/>
+            <a:ext cx="1113147" cy="684636"/>
+          </a:xfrm>
+          <a:prstGeom prst="roundRect">
+            <a:avLst>
+              <a:gd name="adj" fmla="val 6793"/>
+            </a:avLst>
+          </a:prstGeom>
+          <a:solidFill>
+            <a:schemeClr val="bg1"/>
+          </a:solidFill>
+          <a:ln w="6350">
+            <a:solidFill>
+              <a:schemeClr val="tx1"/>
+            </a:solidFill>
+          </a:ln>
+        </p:spPr>
+        <p:style>
+          <a:lnRef idx="2">
+            <a:schemeClr val="accent1">
+              <a:shade val="50000"/>
+            </a:schemeClr>
+          </a:lnRef>
+          <a:fillRef idx="1">
+            <a:schemeClr val="accent1"/>
+          </a:fillRef>
+          <a:effectRef idx="0">
+            <a:schemeClr val="accent1"/>
+          </a:effectRef>
+          <a:fontRef idx="minor">
+            <a:schemeClr val="lt1"/>
+          </a:fontRef>
+        </p:style>
+        <p:txBody>
+          <a:bodyPr rtlCol="0" anchor="ctr"/>
+          <a:lstStyle/>
+          <a:p>
+            <a:pPr algn="ctr"/>
+            <a:endParaRPr lang="ca-ES"/>
+          </a:p>
+        </p:txBody>
+      </p:sp>
+      <p:sp>
+        <p:nvSpPr>
+          <p:cNvPr id="7" name="Rectángulo: esquinas superiores, una redondeada y la otra cortada 6">
+            <a:extLst>
+              <a:ext uri="{FF2B5EF4-FFF2-40B4-BE49-F238E27FC236}">
+                <a16:creationId xmlns:a16="http://schemas.microsoft.com/office/drawing/2014/main" id="{35AB98EA-9978-BC74-B946-084E712F7501}"/>
+              </a:ext>
+            </a:extLst>
+          </p:cNvPr>
+          <p:cNvSpPr/>
+          <p:nvPr/>
+        </p:nvSpPr>
+        <p:spPr>
+          <a:xfrm>
+            <a:off x="1917054" y="2896132"/>
+            <a:ext cx="566590" cy="297013"/>
+          </a:xfrm>
+          <a:prstGeom prst="snipRoundRect">
+            <a:avLst>
+              <a:gd name="adj1" fmla="val 36892"/>
+              <a:gd name="adj2" fmla="val 50000"/>
+            </a:avLst>
+          </a:prstGeom>
+          <a:solidFill>
+            <a:schemeClr val="bg1"/>
+          </a:solidFill>
+          <a:ln w="6350">
+            <a:solidFill>
+              <a:schemeClr val="tx1"/>
+            </a:solidFill>
+          </a:ln>
+        </p:spPr>
+        <p:style>
+          <a:lnRef idx="2">
+            <a:schemeClr val="accent1">
+              <a:shade val="50000"/>
+            </a:schemeClr>
+          </a:lnRef>
+          <a:fillRef idx="1">
+            <a:schemeClr val="accent1"/>
+          </a:fillRef>
+          <a:effectRef idx="0">
+            <a:schemeClr val="accent1"/>
+          </a:effectRef>
+          <a:fontRef idx="minor">
+            <a:schemeClr val="lt1"/>
+          </a:fontRef>
+        </p:style>
+        <p:txBody>
+          <a:bodyPr rtlCol="0" anchor="ctr"/>
+          <a:lstStyle/>
+          <a:p>
+            <a:pPr algn="ctr"/>
+            <a:endParaRPr lang="ca-ES"/>
+          </a:p>
+        </p:txBody>
+      </p:sp>
+      <p:sp>
+        <p:nvSpPr>
+          <p:cNvPr id="8" name="Rectángulo 7">
+            <a:extLst>
+              <a:ext uri="{FF2B5EF4-FFF2-40B4-BE49-F238E27FC236}">
+                <a16:creationId xmlns:a16="http://schemas.microsoft.com/office/drawing/2014/main" id="{08AA4849-8BEC-7EB7-99CC-413C5150D001}"/>
+              </a:ext>
+            </a:extLst>
+          </p:cNvPr>
+          <p:cNvSpPr/>
+          <p:nvPr/>
+        </p:nvSpPr>
+        <p:spPr>
+          <a:xfrm>
+            <a:off x="1921816" y="3051652"/>
+            <a:ext cx="861865" cy="342318"/>
+          </a:xfrm>
+          <a:prstGeom prst="rect">
+            <a:avLst/>
+          </a:prstGeom>
+          <a:solidFill>
+            <a:schemeClr val="bg1"/>
+          </a:solidFill>
+          <a:ln>
+            <a:noFill/>
+          </a:ln>
+        </p:spPr>
+        <p:style>
+          <a:lnRef idx="2">
+            <a:schemeClr val="accent1">
+              <a:shade val="50000"/>
+            </a:schemeClr>
+          </a:lnRef>
+          <a:fillRef idx="1">
+            <a:schemeClr val="accent1"/>
+          </a:fillRef>
+          <a:effectRef idx="0">
+            <a:schemeClr val="accent1"/>
+          </a:effectRef>
+          <a:fontRef idx="minor">
+            <a:schemeClr val="lt1"/>
+          </a:fontRef>
+        </p:style>
+        <p:txBody>
+          <a:bodyPr rtlCol="0" anchor="ctr"/>
+          <a:lstStyle/>
+          <a:p>
+            <a:pPr algn="ctr"/>
+            <a:endParaRPr lang="ca-ES"/>
+          </a:p>
+        </p:txBody>
+      </p:sp>
+      <p:sp>
+        <p:nvSpPr>
+          <p:cNvPr id="10" name="Rectángulo: esquinas redondeadas 9">
+            <a:extLst>
+              <a:ext uri="{FF2B5EF4-FFF2-40B4-BE49-F238E27FC236}">
+                <a16:creationId xmlns:a16="http://schemas.microsoft.com/office/drawing/2014/main" id="{5FDF5846-F757-2852-310E-5FA84C474C43}"/>
+              </a:ext>
+            </a:extLst>
+          </p:cNvPr>
+          <p:cNvSpPr/>
+          <p:nvPr/>
+        </p:nvSpPr>
+        <p:spPr>
+          <a:xfrm>
+            <a:off x="4710105" y="3193145"/>
+            <a:ext cx="1113147" cy="684636"/>
+          </a:xfrm>
+          <a:prstGeom prst="roundRect">
+            <a:avLst>
+              <a:gd name="adj" fmla="val 6793"/>
+            </a:avLst>
+          </a:prstGeom>
+          <a:solidFill>
+            <a:schemeClr val="bg1"/>
+          </a:solidFill>
+          <a:ln w="6350">
+            <a:solidFill>
+              <a:schemeClr val="tx1"/>
+            </a:solidFill>
+          </a:ln>
+        </p:spPr>
+        <p:style>
+          <a:lnRef idx="2">
+            <a:schemeClr val="accent1">
+              <a:shade val="50000"/>
+            </a:schemeClr>
+          </a:lnRef>
+          <a:fillRef idx="1">
+            <a:schemeClr val="accent1"/>
+          </a:fillRef>
+          <a:effectRef idx="0">
+            <a:schemeClr val="accent1"/>
+          </a:effectRef>
+          <a:fontRef idx="minor">
+            <a:schemeClr val="lt1"/>
+          </a:fontRef>
+        </p:style>
+        <p:txBody>
+          <a:bodyPr rtlCol="0" anchor="ctr"/>
+          <a:lstStyle/>
+          <a:p>
+            <a:pPr algn="ctr"/>
+            <a:endParaRPr lang="ca-ES"/>
+          </a:p>
+        </p:txBody>
+      </p:sp>
+      <p:sp>
+        <p:nvSpPr>
+          <p:cNvPr id="11" name="Rectángulo: esquinas superiores, una redondeada y la otra cortada 10">
+            <a:extLst>
+              <a:ext uri="{FF2B5EF4-FFF2-40B4-BE49-F238E27FC236}">
+                <a16:creationId xmlns:a16="http://schemas.microsoft.com/office/drawing/2014/main" id="{391906BA-B99B-A1BF-D369-C9809D0520EE}"/>
+              </a:ext>
+            </a:extLst>
+          </p:cNvPr>
+          <p:cNvSpPr/>
+          <p:nvPr/>
+        </p:nvSpPr>
+        <p:spPr>
+          <a:xfrm>
+            <a:off x="4710105" y="3042388"/>
+            <a:ext cx="566590" cy="297013"/>
+          </a:xfrm>
+          <a:prstGeom prst="snipRoundRect">
+            <a:avLst>
+              <a:gd name="adj1" fmla="val 36892"/>
+              <a:gd name="adj2" fmla="val 50000"/>
+            </a:avLst>
+          </a:prstGeom>
+          <a:solidFill>
+            <a:schemeClr val="bg1"/>
+          </a:solidFill>
+          <a:ln w="6350">
+            <a:solidFill>
+              <a:schemeClr val="tx1"/>
+            </a:solidFill>
+          </a:ln>
+        </p:spPr>
+        <p:style>
+          <a:lnRef idx="2">
+            <a:schemeClr val="accent1">
+              <a:shade val="50000"/>
+            </a:schemeClr>
+          </a:lnRef>
+          <a:fillRef idx="1">
+            <a:schemeClr val="accent1"/>
+          </a:fillRef>
+          <a:effectRef idx="0">
+            <a:schemeClr val="accent1"/>
+          </a:effectRef>
+          <a:fontRef idx="minor">
+            <a:schemeClr val="lt1"/>
+          </a:fontRef>
+        </p:style>
+        <p:txBody>
+          <a:bodyPr rtlCol="0" anchor="ctr"/>
+          <a:lstStyle/>
+          <a:p>
+            <a:pPr algn="ctr"/>
+            <a:endParaRPr lang="ca-ES"/>
+          </a:p>
+        </p:txBody>
+      </p:sp>
+      <p:sp>
+        <p:nvSpPr>
+          <p:cNvPr id="12" name="Rectángulo 11">
+            <a:extLst>
+              <a:ext uri="{FF2B5EF4-FFF2-40B4-BE49-F238E27FC236}">
+                <a16:creationId xmlns:a16="http://schemas.microsoft.com/office/drawing/2014/main" id="{3489DE80-0B46-7F3E-9D8C-69863054BC90}"/>
+              </a:ext>
+            </a:extLst>
+          </p:cNvPr>
+          <p:cNvSpPr/>
+          <p:nvPr/>
+        </p:nvSpPr>
+        <p:spPr>
+          <a:xfrm>
+            <a:off x="4714867" y="3197908"/>
+            <a:ext cx="861865" cy="342318"/>
+          </a:xfrm>
+          <a:prstGeom prst="rect">
+            <a:avLst/>
+          </a:prstGeom>
+          <a:solidFill>
+            <a:schemeClr val="bg1"/>
+          </a:solidFill>
+          <a:ln>
+            <a:noFill/>
+          </a:ln>
+        </p:spPr>
+        <p:style>
+          <a:lnRef idx="2">
+            <a:schemeClr val="accent1">
+              <a:shade val="50000"/>
+            </a:schemeClr>
+          </a:lnRef>
+          <a:fillRef idx="1">
+            <a:schemeClr val="accent1"/>
+          </a:fillRef>
+          <a:effectRef idx="0">
+            <a:schemeClr val="accent1"/>
+          </a:effectRef>
+          <a:fontRef idx="minor">
+            <a:schemeClr val="lt1"/>
+          </a:fontRef>
+        </p:style>
+        <p:txBody>
+          <a:bodyPr rtlCol="0" anchor="ctr"/>
+          <a:lstStyle/>
+          <a:p>
+            <a:pPr algn="ctr"/>
+            <a:endParaRPr lang="ca-ES"/>
+          </a:p>
+        </p:txBody>
+      </p:sp>
+      <p:sp>
+        <p:nvSpPr>
+          <p:cNvPr id="13" name="Signo más 12">
+            <a:extLst>
+              <a:ext uri="{FF2B5EF4-FFF2-40B4-BE49-F238E27FC236}">
+                <a16:creationId xmlns:a16="http://schemas.microsoft.com/office/drawing/2014/main" id="{900A6EF8-E920-32F6-BB7C-2851A9D482DB}"/>
+              </a:ext>
+            </a:extLst>
+          </p:cNvPr>
+          <p:cNvSpPr/>
+          <p:nvPr/>
+        </p:nvSpPr>
+        <p:spPr>
+          <a:xfrm>
+            <a:off x="6775622" y="2456992"/>
+            <a:ext cx="1113146" cy="1113146"/>
+          </a:xfrm>
+          <a:prstGeom prst="mathPlus">
+            <a:avLst>
+              <a:gd name="adj1" fmla="val 0"/>
+            </a:avLst>
+          </a:prstGeom>
+          <a:ln w="57150">
+            <a:solidFill>
+              <a:schemeClr val="tx1"/>
+            </a:solidFill>
+          </a:ln>
+        </p:spPr>
+        <p:style>
+          <a:lnRef idx="2">
+            <a:schemeClr val="accent1">
+              <a:shade val="50000"/>
+            </a:schemeClr>
+          </a:lnRef>
+          <a:fillRef idx="1">
+            <a:schemeClr val="accent1"/>
+          </a:fillRef>
+          <a:effectRef idx="0">
+            <a:schemeClr val="accent1"/>
+          </a:effectRef>
+          <a:fontRef idx="minor">
+            <a:schemeClr val="lt1"/>
+          </a:fontRef>
+        </p:style>
+        <p:txBody>
+          <a:bodyPr rtlCol="0" anchor="ctr"/>
+          <a:lstStyle/>
+          <a:p>
+            <a:pPr algn="ctr"/>
+            <a:endParaRPr lang="ca-ES"/>
+          </a:p>
+        </p:txBody>
+      </p:sp>
+      <p:sp>
+        <p:nvSpPr>
+          <p:cNvPr id="14" name="Signo menos 13">
+            <a:extLst>
+              <a:ext uri="{FF2B5EF4-FFF2-40B4-BE49-F238E27FC236}">
+                <a16:creationId xmlns:a16="http://schemas.microsoft.com/office/drawing/2014/main" id="{9A2772C0-82AF-E507-AD73-907DC6B5EBFB}"/>
+              </a:ext>
+            </a:extLst>
+          </p:cNvPr>
+          <p:cNvSpPr/>
+          <p:nvPr/>
+        </p:nvSpPr>
+        <p:spPr>
+          <a:xfrm>
+            <a:off x="8117311" y="2452643"/>
+            <a:ext cx="1113147" cy="1113147"/>
+          </a:xfrm>
+          <a:prstGeom prst="mathMinus">
+            <a:avLst>
+              <a:gd name="adj1" fmla="val 5095"/>
+            </a:avLst>
+          </a:prstGeom>
+          <a:solidFill>
+            <a:schemeClr val="tx1"/>
+          </a:solidFill>
+          <a:ln>
+            <a:noFill/>
+          </a:ln>
+        </p:spPr>
+        <p:style>
+          <a:lnRef idx="2">
+            <a:schemeClr val="accent1">
+              <a:shade val="50000"/>
+            </a:schemeClr>
+          </a:lnRef>
+          <a:fillRef idx="1">
+            <a:schemeClr val="accent1"/>
+          </a:fillRef>
+          <a:effectRef idx="0">
+            <a:schemeClr val="accent1"/>
+          </a:effectRef>
+          <a:fontRef idx="minor">
+            <a:schemeClr val="lt1"/>
+          </a:fontRef>
+        </p:style>
+        <p:txBody>
+          <a:bodyPr rtlCol="0" anchor="ctr"/>
+          <a:lstStyle/>
+          <a:p>
+            <a:pPr algn="ctr"/>
+            <a:endParaRPr lang="ca-ES"/>
+          </a:p>
+        </p:txBody>
+      </p:sp>
+      <p:sp>
+        <p:nvSpPr>
+          <p:cNvPr id="3" name="Rectángulo 2">
+            <a:extLst>
+              <a:ext uri="{FF2B5EF4-FFF2-40B4-BE49-F238E27FC236}">
+                <a16:creationId xmlns:a16="http://schemas.microsoft.com/office/drawing/2014/main" id="{591EEC12-55BE-C0C0-4D44-32B16B20A057}"/>
+              </a:ext>
+            </a:extLst>
+          </p:cNvPr>
+          <p:cNvSpPr/>
+          <p:nvPr/>
+        </p:nvSpPr>
+        <p:spPr>
+          <a:xfrm>
+            <a:off x="9598746" y="3323816"/>
+            <a:ext cx="269965" cy="635726"/>
+          </a:xfrm>
+          <a:prstGeom prst="rect">
+            <a:avLst/>
+          </a:prstGeom>
+          <a:solidFill>
+            <a:schemeClr val="tx1"/>
+          </a:solidFill>
+          <a:ln>
+            <a:noFill/>
+          </a:ln>
+        </p:spPr>
+        <p:style>
+          <a:lnRef idx="2">
+            <a:schemeClr val="accent1">
+              <a:shade val="50000"/>
+            </a:schemeClr>
+          </a:lnRef>
+          <a:fillRef idx="1">
+            <a:schemeClr val="accent1"/>
+          </a:fillRef>
+          <a:effectRef idx="0">
+            <a:schemeClr val="accent1"/>
+          </a:effectRef>
+          <a:fontRef idx="minor">
+            <a:schemeClr val="lt1"/>
+          </a:fontRef>
+        </p:style>
+        <p:txBody>
+          <a:bodyPr rtlCol="0" anchor="ctr"/>
+          <a:lstStyle/>
+          <a:p>
+            <a:pPr algn="ctr"/>
+            <a:endParaRPr lang="ca-ES"/>
+          </a:p>
+        </p:txBody>
+      </p:sp>
+      <p:sp>
+        <p:nvSpPr>
+          <p:cNvPr id="4" name="Triángulo isósceles 3">
+            <a:extLst>
+              <a:ext uri="{FF2B5EF4-FFF2-40B4-BE49-F238E27FC236}">
+                <a16:creationId xmlns:a16="http://schemas.microsoft.com/office/drawing/2014/main" id="{29842E16-1EE9-ABA7-A9C1-8019AD388BB8}"/>
+              </a:ext>
+            </a:extLst>
+          </p:cNvPr>
+          <p:cNvSpPr/>
+          <p:nvPr/>
+        </p:nvSpPr>
+        <p:spPr>
+          <a:xfrm>
+            <a:off x="9598745" y="3051652"/>
+            <a:ext cx="269965" cy="244456"/>
+          </a:xfrm>
+          <a:prstGeom prst="triangle">
+            <a:avLst/>
+          </a:prstGeom>
+          <a:solidFill>
+            <a:schemeClr val="tx1"/>
+          </a:solidFill>
+          <a:ln>
+            <a:noFill/>
+          </a:ln>
+        </p:spPr>
+        <p:style>
+          <a:lnRef idx="2">
+            <a:schemeClr val="accent1">
+              <a:shade val="50000"/>
+            </a:schemeClr>
+          </a:lnRef>
+          <a:fillRef idx="1">
+            <a:schemeClr val="accent1"/>
+          </a:fillRef>
+          <a:effectRef idx="0">
+            <a:schemeClr val="accent1"/>
+          </a:effectRef>
+          <a:fontRef idx="minor">
+            <a:schemeClr val="lt1"/>
+          </a:fontRef>
+        </p:style>
+        <p:txBody>
+          <a:bodyPr rtlCol="0" anchor="ctr"/>
+          <a:lstStyle/>
+          <a:p>
+            <a:pPr algn="ctr"/>
+            <a:endParaRPr lang="ca-ES"/>
+          </a:p>
+        </p:txBody>
+      </p:sp>
+      <p:sp>
+        <p:nvSpPr>
+          <p:cNvPr id="6" name="Rectángulo: esquinas superiores redondeadas 5">
+            <a:extLst>
+              <a:ext uri="{FF2B5EF4-FFF2-40B4-BE49-F238E27FC236}">
+                <a16:creationId xmlns:a16="http://schemas.microsoft.com/office/drawing/2014/main" id="{708D4A24-9F0B-7E36-45F2-D7E5F58F336B}"/>
+              </a:ext>
+            </a:extLst>
+          </p:cNvPr>
+          <p:cNvSpPr/>
+          <p:nvPr/>
+        </p:nvSpPr>
+        <p:spPr>
+          <a:xfrm flipV="1">
+            <a:off x="9598745" y="3987250"/>
+            <a:ext cx="269965" cy="110485"/>
+          </a:xfrm>
+          <a:prstGeom prst="round2SameRect">
+            <a:avLst>
+              <a:gd name="adj1" fmla="val 50000"/>
+              <a:gd name="adj2" fmla="val 0"/>
+            </a:avLst>
+          </a:prstGeom>
+          <a:solidFill>
+            <a:schemeClr val="tx1"/>
+          </a:solidFill>
+          <a:ln>
+            <a:noFill/>
+          </a:ln>
+        </p:spPr>
+        <p:style>
+          <a:lnRef idx="2">
+            <a:schemeClr val="accent1">
+              <a:shade val="50000"/>
+            </a:schemeClr>
+          </a:lnRef>
+          <a:fillRef idx="1">
+            <a:schemeClr val="accent1"/>
+          </a:fillRef>
+          <a:effectRef idx="0">
+            <a:schemeClr val="accent1"/>
+          </a:effectRef>
+          <a:fontRef idx="minor">
+            <a:schemeClr val="lt1"/>
+          </a:fontRef>
+        </p:style>
+        <p:txBody>
+          <a:bodyPr rtlCol="0" anchor="ctr"/>
+          <a:lstStyle/>
+          <a:p>
+            <a:pPr algn="ctr"/>
+            <a:endParaRPr lang="ca-ES"/>
+          </a:p>
+        </p:txBody>
+      </p:sp>
+      <p:sp>
+        <p:nvSpPr>
+          <p:cNvPr id="2" name="Rectángulo 1">
+            <a:extLst>
+              <a:ext uri="{FF2B5EF4-FFF2-40B4-BE49-F238E27FC236}">
+                <a16:creationId xmlns:a16="http://schemas.microsoft.com/office/drawing/2014/main" id="{B59ABA1E-D3CA-96F1-9942-8D7A8BC00DDD}"/>
+              </a:ext>
+            </a:extLst>
+          </p:cNvPr>
+          <p:cNvSpPr/>
+          <p:nvPr/>
+        </p:nvSpPr>
+        <p:spPr>
+          <a:xfrm>
+            <a:off x="5418667" y="4892722"/>
+            <a:ext cx="1566333" cy="126242"/>
+          </a:xfrm>
+          <a:prstGeom prst="rect">
+            <a:avLst/>
+          </a:prstGeom>
+          <a:solidFill>
+            <a:schemeClr val="tx1"/>
+          </a:solidFill>
+          <a:ln>
+            <a:noFill/>
+          </a:ln>
+        </p:spPr>
+        <p:style>
+          <a:lnRef idx="2">
+            <a:schemeClr val="accent1">
+              <a:shade val="50000"/>
+            </a:schemeClr>
+          </a:lnRef>
+          <a:fillRef idx="1">
+            <a:schemeClr val="accent1"/>
+          </a:fillRef>
+          <a:effectRef idx="0">
+            <a:schemeClr val="accent1"/>
+          </a:effectRef>
+          <a:fontRef idx="minor">
+            <a:schemeClr val="lt1"/>
+          </a:fontRef>
+        </p:style>
+        <p:txBody>
+          <a:bodyPr rtlCol="0" anchor="ctr"/>
+          <a:lstStyle/>
+          <a:p>
+            <a:pPr algn="ctr"/>
+            <a:endParaRPr lang="ca-ES"/>
+          </a:p>
+        </p:txBody>
+      </p:sp>
+      <p:sp>
+        <p:nvSpPr>
+          <p:cNvPr id="15" name="Rectángulo: esquinas superiores redondeadas 14">
+            <a:extLst>
+              <a:ext uri="{FF2B5EF4-FFF2-40B4-BE49-F238E27FC236}">
+                <a16:creationId xmlns:a16="http://schemas.microsoft.com/office/drawing/2014/main" id="{115B766B-398A-6825-E9E8-5C4D887A61BD}"/>
+              </a:ext>
+            </a:extLst>
+          </p:cNvPr>
+          <p:cNvSpPr/>
+          <p:nvPr/>
+        </p:nvSpPr>
+        <p:spPr>
+          <a:xfrm flipV="1">
+            <a:off x="5475132" y="4912396"/>
+            <a:ext cx="660850" cy="408516"/>
+          </a:xfrm>
+          <a:custGeom>
+            <a:avLst/>
+            <a:gdLst>
+              <a:gd name="connsiteX0" fmla="*/ 185035 w 646268"/>
+              <a:gd name="connsiteY0" fmla="*/ 0 h 370069"/>
+              <a:gd name="connsiteX1" fmla="*/ 461234 w 646268"/>
+              <a:gd name="connsiteY1" fmla="*/ 0 h 370069"/>
+              <a:gd name="connsiteX2" fmla="*/ 646269 w 646268"/>
+              <a:gd name="connsiteY2" fmla="*/ 185035 h 370069"/>
+              <a:gd name="connsiteX3" fmla="*/ 646268 w 646268"/>
+              <a:gd name="connsiteY3" fmla="*/ 344667 h 370069"/>
+              <a:gd name="connsiteX4" fmla="*/ 620866 w 646268"/>
+              <a:gd name="connsiteY4" fmla="*/ 370069 h 370069"/>
+              <a:gd name="connsiteX5" fmla="*/ 25402 w 646268"/>
+              <a:gd name="connsiteY5" fmla="*/ 370069 h 370069"/>
+              <a:gd name="connsiteX6" fmla="*/ 0 w 646268"/>
+              <a:gd name="connsiteY6" fmla="*/ 344667 h 370069"/>
+              <a:gd name="connsiteX7" fmla="*/ 0 w 646268"/>
+              <a:gd name="connsiteY7" fmla="*/ 185035 h 370069"/>
+              <a:gd name="connsiteX8" fmla="*/ 185035 w 646268"/>
+              <a:gd name="connsiteY8" fmla="*/ 0 h 370069"/>
+              <a:gd name="connsiteX0" fmla="*/ 185035 w 648150"/>
+              <a:gd name="connsiteY0" fmla="*/ 0 h 370069"/>
+              <a:gd name="connsiteX1" fmla="*/ 461234 w 648150"/>
+              <a:gd name="connsiteY1" fmla="*/ 0 h 370069"/>
+              <a:gd name="connsiteX2" fmla="*/ 646269 w 648150"/>
+              <a:gd name="connsiteY2" fmla="*/ 231602 h 370069"/>
+              <a:gd name="connsiteX3" fmla="*/ 646268 w 648150"/>
+              <a:gd name="connsiteY3" fmla="*/ 344667 h 370069"/>
+              <a:gd name="connsiteX4" fmla="*/ 620866 w 648150"/>
+              <a:gd name="connsiteY4" fmla="*/ 370069 h 370069"/>
+              <a:gd name="connsiteX5" fmla="*/ 25402 w 648150"/>
+              <a:gd name="connsiteY5" fmla="*/ 370069 h 370069"/>
+              <a:gd name="connsiteX6" fmla="*/ 0 w 648150"/>
+              <a:gd name="connsiteY6" fmla="*/ 344667 h 370069"/>
+              <a:gd name="connsiteX7" fmla="*/ 0 w 648150"/>
+              <a:gd name="connsiteY7" fmla="*/ 185035 h 370069"/>
+              <a:gd name="connsiteX8" fmla="*/ 185035 w 648150"/>
+              <a:gd name="connsiteY8" fmla="*/ 0 h 370069"/>
+              <a:gd name="connsiteX0" fmla="*/ 197735 w 660850"/>
+              <a:gd name="connsiteY0" fmla="*/ 0 h 370069"/>
+              <a:gd name="connsiteX1" fmla="*/ 473934 w 660850"/>
+              <a:gd name="connsiteY1" fmla="*/ 0 h 370069"/>
+              <a:gd name="connsiteX2" fmla="*/ 658969 w 660850"/>
+              <a:gd name="connsiteY2" fmla="*/ 231602 h 370069"/>
+              <a:gd name="connsiteX3" fmla="*/ 658968 w 660850"/>
+              <a:gd name="connsiteY3" fmla="*/ 344667 h 370069"/>
+              <a:gd name="connsiteX4" fmla="*/ 633566 w 660850"/>
+              <a:gd name="connsiteY4" fmla="*/ 370069 h 370069"/>
+              <a:gd name="connsiteX5" fmla="*/ 38102 w 660850"/>
+              <a:gd name="connsiteY5" fmla="*/ 370069 h 370069"/>
+              <a:gd name="connsiteX6" fmla="*/ 12700 w 660850"/>
+              <a:gd name="connsiteY6" fmla="*/ 344667 h 370069"/>
+              <a:gd name="connsiteX7" fmla="*/ 0 w 660850"/>
+              <a:gd name="connsiteY7" fmla="*/ 248535 h 370069"/>
+              <a:gd name="connsiteX8" fmla="*/ 197735 w 660850"/>
+              <a:gd name="connsiteY8" fmla="*/ 0 h 370069"/>
+            </a:gdLst>
+            <a:ahLst/>
+            <a:cxnLst>
+              <a:cxn ang="0">
+                <a:pos x="connsiteX0" y="connsiteY0"/>
+              </a:cxn>
+              <a:cxn ang="0">
+                <a:pos x="connsiteX1" y="connsiteY1"/>
+              </a:cxn>
+              <a:cxn ang="0">
+                <a:pos x="connsiteX2" y="connsiteY2"/>
+              </a:cxn>
+              <a:cxn ang="0">
+                <a:pos x="connsiteX3" y="connsiteY3"/>
+              </a:cxn>
+              <a:cxn ang="0">
+                <a:pos x="connsiteX4" y="connsiteY4"/>
+              </a:cxn>
+              <a:cxn ang="0">
+                <a:pos x="connsiteX5" y="connsiteY5"/>
+              </a:cxn>
+              <a:cxn ang="0">
+                <a:pos x="connsiteX6" y="connsiteY6"/>
+              </a:cxn>
+              <a:cxn ang="0">
+                <a:pos x="connsiteX7" y="connsiteY7"/>
+              </a:cxn>
+              <a:cxn ang="0">
+                <a:pos x="connsiteX8" y="connsiteY8"/>
+              </a:cxn>
+            </a:cxnLst>
+            <a:rect l="l" t="t" r="r" b="b"/>
+            <a:pathLst>
+              <a:path w="660850" h="370069">
+                <a:moveTo>
+                  <a:pt x="197735" y="0"/>
+                </a:moveTo>
+                <a:lnTo>
+                  <a:pt x="473934" y="0"/>
+                </a:lnTo>
+                <a:cubicBezTo>
+                  <a:pt x="576126" y="0"/>
+                  <a:pt x="658969" y="129410"/>
+                  <a:pt x="658969" y="231602"/>
+                </a:cubicBezTo>
+                <a:cubicBezTo>
+                  <a:pt x="658969" y="284813"/>
+                  <a:pt x="663202" y="321589"/>
+                  <a:pt x="658968" y="344667"/>
+                </a:cubicBezTo>
+                <a:cubicBezTo>
+                  <a:pt x="654734" y="367745"/>
+                  <a:pt x="647595" y="370069"/>
+                  <a:pt x="633566" y="370069"/>
+                </a:cubicBezTo>
+                <a:lnTo>
+                  <a:pt x="38102" y="370069"/>
+                </a:lnTo>
+                <a:cubicBezTo>
+                  <a:pt x="24073" y="370069"/>
+                  <a:pt x="12700" y="358696"/>
+                  <a:pt x="12700" y="344667"/>
+                </a:cubicBezTo>
+                <a:lnTo>
+                  <a:pt x="0" y="248535"/>
+                </a:lnTo>
+                <a:cubicBezTo>
+                  <a:pt x="0" y="146343"/>
+                  <a:pt x="95543" y="0"/>
+                  <a:pt x="197735" y="0"/>
+                </a:cubicBezTo>
+                <a:close/>
+              </a:path>
+            </a:pathLst>
+          </a:custGeom>
+          <a:solidFill>
+            <a:schemeClr val="tx1"/>
+          </a:solidFill>
+          <a:ln>
+            <a:solidFill>
+              <a:schemeClr val="tx1"/>
+            </a:solidFill>
+          </a:ln>
+        </p:spPr>
+        <p:style>
+          <a:lnRef idx="2">
+            <a:schemeClr val="accent1">
+              <a:shade val="50000"/>
+            </a:schemeClr>
+          </a:lnRef>
+          <a:fillRef idx="1">
+            <a:schemeClr val="accent1"/>
+          </a:fillRef>
+          <a:effectRef idx="0">
+            <a:schemeClr val="accent1"/>
+          </a:effectRef>
+          <a:fontRef idx="minor">
+            <a:schemeClr val="lt1"/>
+          </a:fontRef>
+        </p:style>
+        <p:txBody>
+          <a:bodyPr rtlCol="0" anchor="ctr"/>
+          <a:lstStyle/>
+          <a:p>
+            <a:pPr algn="ctr"/>
+            <a:endParaRPr lang="ca-ES"/>
+          </a:p>
+        </p:txBody>
+      </p:sp>
+      <p:sp>
+        <p:nvSpPr>
+          <p:cNvPr id="16" name="Franja diagonal 15">
+            <a:extLst>
+              <a:ext uri="{FF2B5EF4-FFF2-40B4-BE49-F238E27FC236}">
+                <a16:creationId xmlns:a16="http://schemas.microsoft.com/office/drawing/2014/main" id="{0EAFA8E7-8A4C-178E-24BB-A41604DF58C9}"/>
+              </a:ext>
+            </a:extLst>
+          </p:cNvPr>
+          <p:cNvSpPr/>
+          <p:nvPr/>
+        </p:nvSpPr>
+        <p:spPr>
+          <a:xfrm>
+            <a:off x="5486160" y="4892722"/>
+            <a:ext cx="472677" cy="472677"/>
+          </a:xfrm>
+          <a:prstGeom prst="diagStripe">
+            <a:avLst>
+              <a:gd name="adj" fmla="val 75661"/>
+            </a:avLst>
+          </a:prstGeom>
+          <a:solidFill>
+            <a:schemeClr val="bg1"/>
+          </a:solidFill>
+          <a:ln>
+            <a:noFill/>
+          </a:ln>
+        </p:spPr>
+        <p:style>
+          <a:lnRef idx="2">
+            <a:schemeClr val="accent1">
+              <a:shade val="50000"/>
+            </a:schemeClr>
+          </a:lnRef>
+          <a:fillRef idx="1">
+            <a:schemeClr val="accent1"/>
+          </a:fillRef>
+          <a:effectRef idx="0">
+            <a:schemeClr val="accent1"/>
+          </a:effectRef>
+          <a:fontRef idx="minor">
+            <a:schemeClr val="lt1"/>
+          </a:fontRef>
+        </p:style>
+        <p:txBody>
+          <a:bodyPr rtlCol="0" anchor="ctr"/>
+          <a:lstStyle/>
+          <a:p>
+            <a:pPr algn="ctr"/>
+            <a:endParaRPr lang="ca-ES">
+              <a:solidFill>
+                <a:schemeClr val="tx1"/>
+              </a:solidFill>
+            </a:endParaRPr>
+          </a:p>
+        </p:txBody>
+      </p:sp>
+      <p:sp>
+        <p:nvSpPr>
+          <p:cNvPr id="24" name="Franja diagonal 23">
+            <a:extLst>
+              <a:ext uri="{FF2B5EF4-FFF2-40B4-BE49-F238E27FC236}">
+                <a16:creationId xmlns:a16="http://schemas.microsoft.com/office/drawing/2014/main" id="{5B9DB883-E9DC-87D7-6D6C-5BA84236AC67}"/>
+              </a:ext>
+            </a:extLst>
+          </p:cNvPr>
+          <p:cNvSpPr/>
+          <p:nvPr/>
+        </p:nvSpPr>
+        <p:spPr>
+          <a:xfrm>
+            <a:off x="5569763" y="4892722"/>
+            <a:ext cx="553718" cy="553718"/>
+          </a:xfrm>
+          <a:prstGeom prst="diagStripe">
+            <a:avLst>
+              <a:gd name="adj" fmla="val 88199"/>
+            </a:avLst>
+          </a:prstGeom>
+          <a:solidFill>
+            <a:schemeClr val="bg1"/>
+          </a:solidFill>
+          <a:ln>
+            <a:noFill/>
+          </a:ln>
+        </p:spPr>
+        <p:style>
+          <a:lnRef idx="2">
+            <a:schemeClr val="accent1">
+              <a:shade val="50000"/>
+            </a:schemeClr>
+          </a:lnRef>
+          <a:fillRef idx="1">
+            <a:schemeClr val="accent1"/>
+          </a:fillRef>
+          <a:effectRef idx="0">
+            <a:schemeClr val="accent1"/>
+          </a:effectRef>
+          <a:fontRef idx="minor">
+            <a:schemeClr val="lt1"/>
+          </a:fontRef>
+        </p:style>
+        <p:txBody>
+          <a:bodyPr rtlCol="0" anchor="ctr"/>
+          <a:lstStyle/>
+          <a:p>
+            <a:pPr algn="ctr"/>
+            <a:endParaRPr lang="ca-ES">
+              <a:solidFill>
+                <a:schemeClr val="tx1"/>
+              </a:solidFill>
+            </a:endParaRPr>
+          </a:p>
+        </p:txBody>
+      </p:sp>
+      <p:sp>
+        <p:nvSpPr>
+          <p:cNvPr id="35" name="Rectángulo: esquinas superiores redondeadas 14">
+            <a:extLst>
+              <a:ext uri="{FF2B5EF4-FFF2-40B4-BE49-F238E27FC236}">
+                <a16:creationId xmlns:a16="http://schemas.microsoft.com/office/drawing/2014/main" id="{E6F4840D-AC97-B727-D8B7-EA559933E34F}"/>
+              </a:ext>
+            </a:extLst>
+          </p:cNvPr>
+          <p:cNvSpPr/>
+          <p:nvPr/>
+        </p:nvSpPr>
+        <p:spPr>
+          <a:xfrm flipV="1">
+            <a:off x="5475132" y="4892722"/>
+            <a:ext cx="660850" cy="428189"/>
+          </a:xfrm>
+          <a:custGeom>
+            <a:avLst/>
+            <a:gdLst>
+              <a:gd name="connsiteX0" fmla="*/ 185035 w 646268"/>
+              <a:gd name="connsiteY0" fmla="*/ 0 h 370069"/>
+              <a:gd name="connsiteX1" fmla="*/ 461234 w 646268"/>
+              <a:gd name="connsiteY1" fmla="*/ 0 h 370069"/>
+              <a:gd name="connsiteX2" fmla="*/ 646269 w 646268"/>
+              <a:gd name="connsiteY2" fmla="*/ 185035 h 370069"/>
+              <a:gd name="connsiteX3" fmla="*/ 646268 w 646268"/>
+              <a:gd name="connsiteY3" fmla="*/ 344667 h 370069"/>
+              <a:gd name="connsiteX4" fmla="*/ 620866 w 646268"/>
+              <a:gd name="connsiteY4" fmla="*/ 370069 h 370069"/>
+              <a:gd name="connsiteX5" fmla="*/ 25402 w 646268"/>
+              <a:gd name="connsiteY5" fmla="*/ 370069 h 370069"/>
+              <a:gd name="connsiteX6" fmla="*/ 0 w 646268"/>
+              <a:gd name="connsiteY6" fmla="*/ 344667 h 370069"/>
+              <a:gd name="connsiteX7" fmla="*/ 0 w 646268"/>
+              <a:gd name="connsiteY7" fmla="*/ 185035 h 370069"/>
+              <a:gd name="connsiteX8" fmla="*/ 185035 w 646268"/>
+              <a:gd name="connsiteY8" fmla="*/ 0 h 370069"/>
+              <a:gd name="connsiteX0" fmla="*/ 185035 w 648150"/>
+              <a:gd name="connsiteY0" fmla="*/ 0 h 370069"/>
+              <a:gd name="connsiteX1" fmla="*/ 461234 w 648150"/>
+              <a:gd name="connsiteY1" fmla="*/ 0 h 370069"/>
+              <a:gd name="connsiteX2" fmla="*/ 646269 w 648150"/>
+              <a:gd name="connsiteY2" fmla="*/ 231602 h 370069"/>
+              <a:gd name="connsiteX3" fmla="*/ 646268 w 648150"/>
+              <a:gd name="connsiteY3" fmla="*/ 344667 h 370069"/>
+              <a:gd name="connsiteX4" fmla="*/ 620866 w 648150"/>
+              <a:gd name="connsiteY4" fmla="*/ 370069 h 370069"/>
+              <a:gd name="connsiteX5" fmla="*/ 25402 w 648150"/>
+              <a:gd name="connsiteY5" fmla="*/ 370069 h 370069"/>
+              <a:gd name="connsiteX6" fmla="*/ 0 w 648150"/>
+              <a:gd name="connsiteY6" fmla="*/ 344667 h 370069"/>
+              <a:gd name="connsiteX7" fmla="*/ 0 w 648150"/>
+              <a:gd name="connsiteY7" fmla="*/ 185035 h 370069"/>
+              <a:gd name="connsiteX8" fmla="*/ 185035 w 648150"/>
+              <a:gd name="connsiteY8" fmla="*/ 0 h 370069"/>
+              <a:gd name="connsiteX0" fmla="*/ 197735 w 660850"/>
+              <a:gd name="connsiteY0" fmla="*/ 0 h 370069"/>
+              <a:gd name="connsiteX1" fmla="*/ 473934 w 660850"/>
+              <a:gd name="connsiteY1" fmla="*/ 0 h 370069"/>
+              <a:gd name="connsiteX2" fmla="*/ 658969 w 660850"/>
+              <a:gd name="connsiteY2" fmla="*/ 231602 h 370069"/>
+              <a:gd name="connsiteX3" fmla="*/ 658968 w 660850"/>
+              <a:gd name="connsiteY3" fmla="*/ 344667 h 370069"/>
+              <a:gd name="connsiteX4" fmla="*/ 633566 w 660850"/>
+              <a:gd name="connsiteY4" fmla="*/ 370069 h 370069"/>
+              <a:gd name="connsiteX5" fmla="*/ 38102 w 660850"/>
+              <a:gd name="connsiteY5" fmla="*/ 370069 h 370069"/>
+              <a:gd name="connsiteX6" fmla="*/ 12700 w 660850"/>
+              <a:gd name="connsiteY6" fmla="*/ 344667 h 370069"/>
+              <a:gd name="connsiteX7" fmla="*/ 0 w 660850"/>
+              <a:gd name="connsiteY7" fmla="*/ 248535 h 370069"/>
+              <a:gd name="connsiteX8" fmla="*/ 197735 w 660850"/>
+              <a:gd name="connsiteY8" fmla="*/ 0 h 370069"/>
+            </a:gdLst>
+            <a:ahLst/>
+            <a:cxnLst>
+              <a:cxn ang="0">
+                <a:pos x="connsiteX0" y="connsiteY0"/>
+              </a:cxn>
+              <a:cxn ang="0">
+                <a:pos x="connsiteX1" y="connsiteY1"/>
+              </a:cxn>
+              <a:cxn ang="0">
+                <a:pos x="connsiteX2" y="connsiteY2"/>
+              </a:cxn>
+              <a:cxn ang="0">
+                <a:pos x="connsiteX3" y="connsiteY3"/>
+              </a:cxn>
+              <a:cxn ang="0">
+                <a:pos x="connsiteX4" y="connsiteY4"/>
+              </a:cxn>
+              <a:cxn ang="0">
+                <a:pos x="connsiteX5" y="connsiteY5"/>
+              </a:cxn>
+              <a:cxn ang="0">
+                <a:pos x="connsiteX6" y="connsiteY6"/>
+              </a:cxn>
+              <a:cxn ang="0">
+                <a:pos x="connsiteX7" y="connsiteY7"/>
+              </a:cxn>
+              <a:cxn ang="0">
+                <a:pos x="connsiteX8" y="connsiteY8"/>
+              </a:cxn>
+            </a:cxnLst>
+            <a:rect l="l" t="t" r="r" b="b"/>
+            <a:pathLst>
+              <a:path w="660850" h="370069">
+                <a:moveTo>
+                  <a:pt x="197735" y="0"/>
+                </a:moveTo>
+                <a:lnTo>
+                  <a:pt x="473934" y="0"/>
+                </a:lnTo>
+                <a:cubicBezTo>
+                  <a:pt x="576126" y="0"/>
+                  <a:pt x="658969" y="129410"/>
+                  <a:pt x="658969" y="231602"/>
+                </a:cubicBezTo>
+                <a:cubicBezTo>
+                  <a:pt x="658969" y="284813"/>
+                  <a:pt x="663202" y="321589"/>
+                  <a:pt x="658968" y="344667"/>
+                </a:cubicBezTo>
+                <a:cubicBezTo>
+                  <a:pt x="654734" y="367745"/>
+                  <a:pt x="647595" y="370069"/>
+                  <a:pt x="633566" y="370069"/>
+                </a:cubicBezTo>
+                <a:lnTo>
+                  <a:pt x="38102" y="370069"/>
+                </a:lnTo>
+                <a:cubicBezTo>
+                  <a:pt x="24073" y="370069"/>
+                  <a:pt x="12700" y="358696"/>
+                  <a:pt x="12700" y="344667"/>
+                </a:cubicBezTo>
+                <a:lnTo>
+                  <a:pt x="0" y="248535"/>
+                </a:lnTo>
+                <a:cubicBezTo>
+                  <a:pt x="0" y="146343"/>
+                  <a:pt x="95543" y="0"/>
+                  <a:pt x="197735" y="0"/>
+                </a:cubicBezTo>
+                <a:close/>
+              </a:path>
+            </a:pathLst>
+          </a:custGeom>
+          <a:noFill/>
+          <a:ln>
+            <a:solidFill>
+              <a:schemeClr val="tx1"/>
+            </a:solidFill>
+          </a:ln>
+        </p:spPr>
+        <p:style>
+          <a:lnRef idx="2">
+            <a:schemeClr val="accent1">
+              <a:shade val="50000"/>
+            </a:schemeClr>
+          </a:lnRef>
+          <a:fillRef idx="1">
+            <a:schemeClr val="accent1"/>
+          </a:fillRef>
+          <a:effectRef idx="0">
+            <a:schemeClr val="accent1"/>
+          </a:effectRef>
+          <a:fontRef idx="minor">
+            <a:schemeClr val="lt1"/>
+          </a:fontRef>
+        </p:style>
+        <p:txBody>
+          <a:bodyPr rtlCol="0" anchor="ctr"/>
+          <a:lstStyle/>
+          <a:p>
+            <a:pPr algn="ctr"/>
+            <a:endParaRPr lang="ca-ES"/>
+          </a:p>
+        </p:txBody>
+      </p:sp>
+      <p:sp>
+        <p:nvSpPr>
+          <p:cNvPr id="36" name="Rectángulo: esquinas superiores redondeadas 14">
+            <a:extLst>
+              <a:ext uri="{FF2B5EF4-FFF2-40B4-BE49-F238E27FC236}">
+                <a16:creationId xmlns:a16="http://schemas.microsoft.com/office/drawing/2014/main" id="{67564E97-ADF6-64DC-7A21-169ADBDBA2AE}"/>
+              </a:ext>
+            </a:extLst>
+          </p:cNvPr>
+          <p:cNvSpPr/>
+          <p:nvPr/>
+        </p:nvSpPr>
+        <p:spPr>
+          <a:xfrm flipV="1">
+            <a:off x="6230066" y="4912396"/>
+            <a:ext cx="660850" cy="408516"/>
+          </a:xfrm>
+          <a:custGeom>
+            <a:avLst/>
+            <a:gdLst>
+              <a:gd name="connsiteX0" fmla="*/ 185035 w 646268"/>
+              <a:gd name="connsiteY0" fmla="*/ 0 h 370069"/>
+              <a:gd name="connsiteX1" fmla="*/ 461234 w 646268"/>
+              <a:gd name="connsiteY1" fmla="*/ 0 h 370069"/>
+              <a:gd name="connsiteX2" fmla="*/ 646269 w 646268"/>
+              <a:gd name="connsiteY2" fmla="*/ 185035 h 370069"/>
+              <a:gd name="connsiteX3" fmla="*/ 646268 w 646268"/>
+              <a:gd name="connsiteY3" fmla="*/ 344667 h 370069"/>
+              <a:gd name="connsiteX4" fmla="*/ 620866 w 646268"/>
+              <a:gd name="connsiteY4" fmla="*/ 370069 h 370069"/>
+              <a:gd name="connsiteX5" fmla="*/ 25402 w 646268"/>
+              <a:gd name="connsiteY5" fmla="*/ 370069 h 370069"/>
+              <a:gd name="connsiteX6" fmla="*/ 0 w 646268"/>
+              <a:gd name="connsiteY6" fmla="*/ 344667 h 370069"/>
+              <a:gd name="connsiteX7" fmla="*/ 0 w 646268"/>
+              <a:gd name="connsiteY7" fmla="*/ 185035 h 370069"/>
+              <a:gd name="connsiteX8" fmla="*/ 185035 w 646268"/>
+              <a:gd name="connsiteY8" fmla="*/ 0 h 370069"/>
+              <a:gd name="connsiteX0" fmla="*/ 185035 w 648150"/>
+              <a:gd name="connsiteY0" fmla="*/ 0 h 370069"/>
+              <a:gd name="connsiteX1" fmla="*/ 461234 w 648150"/>
+              <a:gd name="connsiteY1" fmla="*/ 0 h 370069"/>
+              <a:gd name="connsiteX2" fmla="*/ 646269 w 648150"/>
+              <a:gd name="connsiteY2" fmla="*/ 231602 h 370069"/>
+              <a:gd name="connsiteX3" fmla="*/ 646268 w 648150"/>
+              <a:gd name="connsiteY3" fmla="*/ 344667 h 370069"/>
+              <a:gd name="connsiteX4" fmla="*/ 620866 w 648150"/>
+              <a:gd name="connsiteY4" fmla="*/ 370069 h 370069"/>
+              <a:gd name="connsiteX5" fmla="*/ 25402 w 648150"/>
+              <a:gd name="connsiteY5" fmla="*/ 370069 h 370069"/>
+              <a:gd name="connsiteX6" fmla="*/ 0 w 648150"/>
+              <a:gd name="connsiteY6" fmla="*/ 344667 h 370069"/>
+              <a:gd name="connsiteX7" fmla="*/ 0 w 648150"/>
+              <a:gd name="connsiteY7" fmla="*/ 185035 h 370069"/>
+              <a:gd name="connsiteX8" fmla="*/ 185035 w 648150"/>
+              <a:gd name="connsiteY8" fmla="*/ 0 h 370069"/>
+              <a:gd name="connsiteX0" fmla="*/ 197735 w 660850"/>
+              <a:gd name="connsiteY0" fmla="*/ 0 h 370069"/>
+              <a:gd name="connsiteX1" fmla="*/ 473934 w 660850"/>
+              <a:gd name="connsiteY1" fmla="*/ 0 h 370069"/>
+              <a:gd name="connsiteX2" fmla="*/ 658969 w 660850"/>
+              <a:gd name="connsiteY2" fmla="*/ 231602 h 370069"/>
+              <a:gd name="connsiteX3" fmla="*/ 658968 w 660850"/>
+              <a:gd name="connsiteY3" fmla="*/ 344667 h 370069"/>
+              <a:gd name="connsiteX4" fmla="*/ 633566 w 660850"/>
+              <a:gd name="connsiteY4" fmla="*/ 370069 h 370069"/>
+              <a:gd name="connsiteX5" fmla="*/ 38102 w 660850"/>
+              <a:gd name="connsiteY5" fmla="*/ 370069 h 370069"/>
+              <a:gd name="connsiteX6" fmla="*/ 12700 w 660850"/>
+              <a:gd name="connsiteY6" fmla="*/ 344667 h 370069"/>
+              <a:gd name="connsiteX7" fmla="*/ 0 w 660850"/>
+              <a:gd name="connsiteY7" fmla="*/ 248535 h 370069"/>
+              <a:gd name="connsiteX8" fmla="*/ 197735 w 660850"/>
+              <a:gd name="connsiteY8" fmla="*/ 0 h 370069"/>
+            </a:gdLst>
+            <a:ahLst/>
+            <a:cxnLst>
+              <a:cxn ang="0">
+                <a:pos x="connsiteX0" y="connsiteY0"/>
+              </a:cxn>
+              <a:cxn ang="0">
+                <a:pos x="connsiteX1" y="connsiteY1"/>
+              </a:cxn>
+              <a:cxn ang="0">
+                <a:pos x="connsiteX2" y="connsiteY2"/>
+              </a:cxn>
+              <a:cxn ang="0">
+                <a:pos x="connsiteX3" y="connsiteY3"/>
+              </a:cxn>
+              <a:cxn ang="0">
+                <a:pos x="connsiteX4" y="connsiteY4"/>
+              </a:cxn>
+              <a:cxn ang="0">
+                <a:pos x="connsiteX5" y="connsiteY5"/>
+              </a:cxn>
+              <a:cxn ang="0">
+                <a:pos x="connsiteX6" y="connsiteY6"/>
+              </a:cxn>
+              <a:cxn ang="0">
+                <a:pos x="connsiteX7" y="connsiteY7"/>
+              </a:cxn>
+              <a:cxn ang="0">
+                <a:pos x="connsiteX8" y="connsiteY8"/>
+              </a:cxn>
+            </a:cxnLst>
+            <a:rect l="l" t="t" r="r" b="b"/>
+            <a:pathLst>
+              <a:path w="660850" h="370069">
+                <a:moveTo>
+                  <a:pt x="197735" y="0"/>
+                </a:moveTo>
+                <a:lnTo>
+                  <a:pt x="473934" y="0"/>
+                </a:lnTo>
+                <a:cubicBezTo>
+                  <a:pt x="576126" y="0"/>
+                  <a:pt x="658969" y="129410"/>
+                  <a:pt x="658969" y="231602"/>
+                </a:cubicBezTo>
+                <a:cubicBezTo>
+                  <a:pt x="658969" y="284813"/>
+                  <a:pt x="663202" y="321589"/>
+                  <a:pt x="658968" y="344667"/>
+                </a:cubicBezTo>
+                <a:cubicBezTo>
+                  <a:pt x="654734" y="367745"/>
+                  <a:pt x="647595" y="370069"/>
+                  <a:pt x="633566" y="370069"/>
+                </a:cubicBezTo>
+                <a:lnTo>
+                  <a:pt x="38102" y="370069"/>
+                </a:lnTo>
+                <a:cubicBezTo>
+                  <a:pt x="24073" y="370069"/>
+                  <a:pt x="12700" y="358696"/>
+                  <a:pt x="12700" y="344667"/>
+                </a:cubicBezTo>
+                <a:lnTo>
+                  <a:pt x="0" y="248535"/>
+                </a:lnTo>
+                <a:cubicBezTo>
+                  <a:pt x="0" y="146343"/>
+                  <a:pt x="95543" y="0"/>
+                  <a:pt x="197735" y="0"/>
+                </a:cubicBezTo>
+                <a:close/>
+              </a:path>
+            </a:pathLst>
+          </a:custGeom>
+          <a:solidFill>
+            <a:schemeClr val="tx1"/>
+          </a:solidFill>
+          <a:ln>
+            <a:solidFill>
+              <a:schemeClr val="tx1"/>
+            </a:solidFill>
+          </a:ln>
+        </p:spPr>
+        <p:style>
+          <a:lnRef idx="2">
+            <a:schemeClr val="accent1">
+              <a:shade val="50000"/>
+            </a:schemeClr>
+          </a:lnRef>
+          <a:fillRef idx="1">
+            <a:schemeClr val="accent1"/>
+          </a:fillRef>
+          <a:effectRef idx="0">
+            <a:schemeClr val="accent1"/>
+          </a:effectRef>
+          <a:fontRef idx="minor">
+            <a:schemeClr val="lt1"/>
+          </a:fontRef>
+        </p:style>
+        <p:txBody>
+          <a:bodyPr rtlCol="0" anchor="ctr"/>
+          <a:lstStyle/>
+          <a:p>
+            <a:pPr algn="ctr"/>
+            <a:endParaRPr lang="ca-ES"/>
+          </a:p>
+        </p:txBody>
+      </p:sp>
+      <p:sp>
+        <p:nvSpPr>
+          <p:cNvPr id="37" name="Franja diagonal 36">
+            <a:extLst>
+              <a:ext uri="{FF2B5EF4-FFF2-40B4-BE49-F238E27FC236}">
+                <a16:creationId xmlns:a16="http://schemas.microsoft.com/office/drawing/2014/main" id="{5DB8B77C-C357-B7BE-6792-2AAE974E2D61}"/>
+              </a:ext>
+            </a:extLst>
+          </p:cNvPr>
+          <p:cNvSpPr/>
+          <p:nvPr/>
+        </p:nvSpPr>
+        <p:spPr>
+          <a:xfrm>
+            <a:off x="6241094" y="4892722"/>
+            <a:ext cx="472677" cy="472677"/>
+          </a:xfrm>
+          <a:prstGeom prst="diagStripe">
+            <a:avLst>
+              <a:gd name="adj" fmla="val 75661"/>
+            </a:avLst>
+          </a:prstGeom>
+          <a:solidFill>
+            <a:schemeClr val="bg1"/>
+          </a:solidFill>
+          <a:ln>
+            <a:noFill/>
+          </a:ln>
+        </p:spPr>
+        <p:style>
+          <a:lnRef idx="2">
+            <a:schemeClr val="accent1">
+              <a:shade val="50000"/>
+            </a:schemeClr>
+          </a:lnRef>
+          <a:fillRef idx="1">
+            <a:schemeClr val="accent1"/>
+          </a:fillRef>
+          <a:effectRef idx="0">
+            <a:schemeClr val="accent1"/>
+          </a:effectRef>
+          <a:fontRef idx="minor">
+            <a:schemeClr val="lt1"/>
+          </a:fontRef>
+        </p:style>
+        <p:txBody>
+          <a:bodyPr rtlCol="0" anchor="ctr"/>
+          <a:lstStyle/>
+          <a:p>
+            <a:pPr algn="ctr"/>
+            <a:endParaRPr lang="ca-ES">
+              <a:solidFill>
+                <a:schemeClr val="tx1"/>
+              </a:solidFill>
+            </a:endParaRPr>
+          </a:p>
+        </p:txBody>
+      </p:sp>
+      <p:sp>
+        <p:nvSpPr>
+          <p:cNvPr id="38" name="Franja diagonal 37">
+            <a:extLst>
+              <a:ext uri="{FF2B5EF4-FFF2-40B4-BE49-F238E27FC236}">
+                <a16:creationId xmlns:a16="http://schemas.microsoft.com/office/drawing/2014/main" id="{481A2061-5B85-D8D4-A7FD-29C9D84DB6B2}"/>
+              </a:ext>
+            </a:extLst>
+          </p:cNvPr>
+          <p:cNvSpPr/>
+          <p:nvPr/>
+        </p:nvSpPr>
+        <p:spPr>
+          <a:xfrm>
+            <a:off x="6324697" y="4892722"/>
+            <a:ext cx="553718" cy="553718"/>
+          </a:xfrm>
+          <a:prstGeom prst="diagStripe">
+            <a:avLst>
+              <a:gd name="adj" fmla="val 88199"/>
+            </a:avLst>
+          </a:prstGeom>
+          <a:solidFill>
+            <a:schemeClr val="bg1"/>
+          </a:solidFill>
+          <a:ln>
+            <a:noFill/>
+          </a:ln>
+        </p:spPr>
+        <p:style>
+          <a:lnRef idx="2">
+            <a:schemeClr val="accent1">
+              <a:shade val="50000"/>
+            </a:schemeClr>
+          </a:lnRef>
+          <a:fillRef idx="1">
+            <a:schemeClr val="accent1"/>
+          </a:fillRef>
+          <a:effectRef idx="0">
+            <a:schemeClr val="accent1"/>
+          </a:effectRef>
+          <a:fontRef idx="minor">
+            <a:schemeClr val="lt1"/>
+          </a:fontRef>
+        </p:style>
+        <p:txBody>
+          <a:bodyPr rtlCol="0" anchor="ctr"/>
+          <a:lstStyle/>
+          <a:p>
+            <a:pPr algn="ctr"/>
+            <a:endParaRPr lang="ca-ES">
+              <a:solidFill>
+                <a:schemeClr val="tx1"/>
+              </a:solidFill>
+            </a:endParaRPr>
+          </a:p>
+        </p:txBody>
+      </p:sp>
+      <p:sp>
+        <p:nvSpPr>
+          <p:cNvPr id="39" name="Rectángulo: esquinas superiores redondeadas 14">
+            <a:extLst>
+              <a:ext uri="{FF2B5EF4-FFF2-40B4-BE49-F238E27FC236}">
+                <a16:creationId xmlns:a16="http://schemas.microsoft.com/office/drawing/2014/main" id="{ED40725E-1B87-C9E5-EEED-9E47A438BBEF}"/>
+              </a:ext>
+            </a:extLst>
+          </p:cNvPr>
+          <p:cNvSpPr/>
+          <p:nvPr/>
+        </p:nvSpPr>
+        <p:spPr>
+          <a:xfrm flipV="1">
+            <a:off x="6230066" y="4892722"/>
+            <a:ext cx="660850" cy="428189"/>
+          </a:xfrm>
+          <a:custGeom>
+            <a:avLst/>
+            <a:gdLst>
+              <a:gd name="connsiteX0" fmla="*/ 185035 w 646268"/>
+              <a:gd name="connsiteY0" fmla="*/ 0 h 370069"/>
+              <a:gd name="connsiteX1" fmla="*/ 461234 w 646268"/>
+              <a:gd name="connsiteY1" fmla="*/ 0 h 370069"/>
+              <a:gd name="connsiteX2" fmla="*/ 646269 w 646268"/>
+              <a:gd name="connsiteY2" fmla="*/ 185035 h 370069"/>
+              <a:gd name="connsiteX3" fmla="*/ 646268 w 646268"/>
+              <a:gd name="connsiteY3" fmla="*/ 344667 h 370069"/>
+              <a:gd name="connsiteX4" fmla="*/ 620866 w 646268"/>
+              <a:gd name="connsiteY4" fmla="*/ 370069 h 370069"/>
+              <a:gd name="connsiteX5" fmla="*/ 25402 w 646268"/>
+              <a:gd name="connsiteY5" fmla="*/ 370069 h 370069"/>
+              <a:gd name="connsiteX6" fmla="*/ 0 w 646268"/>
+              <a:gd name="connsiteY6" fmla="*/ 344667 h 370069"/>
+              <a:gd name="connsiteX7" fmla="*/ 0 w 646268"/>
+              <a:gd name="connsiteY7" fmla="*/ 185035 h 370069"/>
+              <a:gd name="connsiteX8" fmla="*/ 185035 w 646268"/>
+              <a:gd name="connsiteY8" fmla="*/ 0 h 370069"/>
+              <a:gd name="connsiteX0" fmla="*/ 185035 w 648150"/>
+              <a:gd name="connsiteY0" fmla="*/ 0 h 370069"/>
+              <a:gd name="connsiteX1" fmla="*/ 461234 w 648150"/>
+              <a:gd name="connsiteY1" fmla="*/ 0 h 370069"/>
+              <a:gd name="connsiteX2" fmla="*/ 646269 w 648150"/>
+              <a:gd name="connsiteY2" fmla="*/ 231602 h 370069"/>
+              <a:gd name="connsiteX3" fmla="*/ 646268 w 648150"/>
+              <a:gd name="connsiteY3" fmla="*/ 344667 h 370069"/>
+              <a:gd name="connsiteX4" fmla="*/ 620866 w 648150"/>
+              <a:gd name="connsiteY4" fmla="*/ 370069 h 370069"/>
+              <a:gd name="connsiteX5" fmla="*/ 25402 w 648150"/>
+              <a:gd name="connsiteY5" fmla="*/ 370069 h 370069"/>
+              <a:gd name="connsiteX6" fmla="*/ 0 w 648150"/>
+              <a:gd name="connsiteY6" fmla="*/ 344667 h 370069"/>
+              <a:gd name="connsiteX7" fmla="*/ 0 w 648150"/>
+              <a:gd name="connsiteY7" fmla="*/ 185035 h 370069"/>
+              <a:gd name="connsiteX8" fmla="*/ 185035 w 648150"/>
+              <a:gd name="connsiteY8" fmla="*/ 0 h 370069"/>
+              <a:gd name="connsiteX0" fmla="*/ 197735 w 660850"/>
+              <a:gd name="connsiteY0" fmla="*/ 0 h 370069"/>
+              <a:gd name="connsiteX1" fmla="*/ 473934 w 660850"/>
+              <a:gd name="connsiteY1" fmla="*/ 0 h 370069"/>
+              <a:gd name="connsiteX2" fmla="*/ 658969 w 660850"/>
+              <a:gd name="connsiteY2" fmla="*/ 231602 h 370069"/>
+              <a:gd name="connsiteX3" fmla="*/ 658968 w 660850"/>
+              <a:gd name="connsiteY3" fmla="*/ 344667 h 370069"/>
+              <a:gd name="connsiteX4" fmla="*/ 633566 w 660850"/>
+              <a:gd name="connsiteY4" fmla="*/ 370069 h 370069"/>
+              <a:gd name="connsiteX5" fmla="*/ 38102 w 660850"/>
+              <a:gd name="connsiteY5" fmla="*/ 370069 h 370069"/>
+              <a:gd name="connsiteX6" fmla="*/ 12700 w 660850"/>
+              <a:gd name="connsiteY6" fmla="*/ 344667 h 370069"/>
+              <a:gd name="connsiteX7" fmla="*/ 0 w 660850"/>
+              <a:gd name="connsiteY7" fmla="*/ 248535 h 370069"/>
+              <a:gd name="connsiteX8" fmla="*/ 197735 w 660850"/>
+              <a:gd name="connsiteY8" fmla="*/ 0 h 370069"/>
+            </a:gdLst>
+            <a:ahLst/>
+            <a:cxnLst>
+              <a:cxn ang="0">
+                <a:pos x="connsiteX0" y="connsiteY0"/>
+              </a:cxn>
+              <a:cxn ang="0">
+                <a:pos x="connsiteX1" y="connsiteY1"/>
+              </a:cxn>
+              <a:cxn ang="0">
+                <a:pos x="connsiteX2" y="connsiteY2"/>
+              </a:cxn>
+              <a:cxn ang="0">
+                <a:pos x="connsiteX3" y="connsiteY3"/>
+              </a:cxn>
+              <a:cxn ang="0">
+                <a:pos x="connsiteX4" y="connsiteY4"/>
+              </a:cxn>
+              <a:cxn ang="0">
+                <a:pos x="connsiteX5" y="connsiteY5"/>
+              </a:cxn>
+              <a:cxn ang="0">
+                <a:pos x="connsiteX6" y="connsiteY6"/>
+              </a:cxn>
+              <a:cxn ang="0">
+                <a:pos x="connsiteX7" y="connsiteY7"/>
+              </a:cxn>
+              <a:cxn ang="0">
+                <a:pos x="connsiteX8" y="connsiteY8"/>
+              </a:cxn>
+            </a:cxnLst>
+            <a:rect l="l" t="t" r="r" b="b"/>
+            <a:pathLst>
+              <a:path w="660850" h="370069">
+                <a:moveTo>
+                  <a:pt x="197735" y="0"/>
+                </a:moveTo>
+                <a:lnTo>
+                  <a:pt x="473934" y="0"/>
+                </a:lnTo>
+                <a:cubicBezTo>
+                  <a:pt x="576126" y="0"/>
+                  <a:pt x="658969" y="129410"/>
+                  <a:pt x="658969" y="231602"/>
+                </a:cubicBezTo>
+                <a:cubicBezTo>
+                  <a:pt x="658969" y="284813"/>
+                  <a:pt x="663202" y="321589"/>
+                  <a:pt x="658968" y="344667"/>
+                </a:cubicBezTo>
+                <a:cubicBezTo>
+                  <a:pt x="654734" y="367745"/>
+                  <a:pt x="647595" y="370069"/>
+                  <a:pt x="633566" y="370069"/>
+                </a:cubicBezTo>
+                <a:lnTo>
+                  <a:pt x="38102" y="370069"/>
+                </a:lnTo>
+                <a:cubicBezTo>
+                  <a:pt x="24073" y="370069"/>
+                  <a:pt x="12700" y="358696"/>
+                  <a:pt x="12700" y="344667"/>
+                </a:cubicBezTo>
+                <a:lnTo>
+                  <a:pt x="0" y="248535"/>
+                </a:lnTo>
+                <a:cubicBezTo>
+                  <a:pt x="0" y="146343"/>
+                  <a:pt x="95543" y="0"/>
+                  <a:pt x="197735" y="0"/>
+                </a:cubicBezTo>
+                <a:close/>
+              </a:path>
+            </a:pathLst>
+          </a:custGeom>
+          <a:noFill/>
+          <a:ln>
+            <a:solidFill>
+              <a:schemeClr val="tx1"/>
+            </a:solidFill>
+          </a:ln>
+        </p:spPr>
+        <p:style>
+          <a:lnRef idx="2">
+            <a:schemeClr val="accent1">
+              <a:shade val="50000"/>
+            </a:schemeClr>
+          </a:lnRef>
+          <a:fillRef idx="1">
+            <a:schemeClr val="accent1"/>
+          </a:fillRef>
+          <a:effectRef idx="0">
+            <a:schemeClr val="accent1"/>
+          </a:effectRef>
+          <a:fontRef idx="minor">
+            <a:schemeClr val="lt1"/>
+          </a:fontRef>
+        </p:style>
+        <p:txBody>
+          <a:bodyPr rtlCol="0" anchor="ctr"/>
+          <a:lstStyle/>
+          <a:p>
+            <a:pPr algn="ctr"/>
+            <a:endParaRPr lang="ca-ES"/>
+          </a:p>
+        </p:txBody>
+      </p:sp>
+    </p:spTree>
+    <p:extLst>
+      <p:ext uri="{BB962C8B-B14F-4D97-AF65-F5344CB8AC3E}">
+        <p14:creationId xmlns:p14="http://schemas.microsoft.com/office/powerpoint/2010/main" val="1115642614"/>
+      </p:ext>
+    </p:extLst>
+  </p:cSld>
+  <p:clrMapOvr>
+    <a:masterClrMapping/>
+  </p:clrMapOvr>
+</p:sld>
+</file>
+
+<file path=ppt/slides/slide5.xml><?xml version="1.0" encoding="utf-8"?>
+<p:sld xmlns:a="http://schemas.openxmlformats.org/drawingml/2006/main" xmlns:r="http://schemas.openxmlformats.org/officeDocument/2006/relationships" xmlns:p="http://schemas.openxmlformats.org/presentationml/2006/main">
+  <p:cSld>
+    <p:spTree>
+      <p:nvGrpSpPr>
+        <p:cNvPr id="1" name=""/>
+        <p:cNvGrpSpPr/>
+        <p:nvPr/>
+      </p:nvGrpSpPr>
+      <p:grpSpPr>
+        <a:xfrm>
+          <a:off x="0" y="0"/>
+          <a:ext cx="0" cy="0"/>
+          <a:chOff x="0" y="0"/>
+          <a:chExt cx="0" cy="0"/>
+        </a:xfrm>
+      </p:grpSpPr>
+      <p:sp>
+        <p:nvSpPr>
+          <p:cNvPr id="10" name="Elipse 9">
+            <a:extLst>
+              <a:ext uri="{FF2B5EF4-FFF2-40B4-BE49-F238E27FC236}">
+                <a16:creationId xmlns:a16="http://schemas.microsoft.com/office/drawing/2014/main" id="{5B127FE4-BFD4-300D-0F12-85A07139BE49}"/>
+              </a:ext>
+            </a:extLst>
+          </p:cNvPr>
+          <p:cNvSpPr/>
+          <p:nvPr/>
+        </p:nvSpPr>
+        <p:spPr>
+          <a:xfrm>
+            <a:off x="7363460" y="3123418"/>
+            <a:ext cx="728345" cy="1362857"/>
+          </a:xfrm>
+          <a:prstGeom prst="ellipse">
+            <a:avLst/>
+          </a:prstGeom>
+          <a:solidFill>
+            <a:srgbClr val="92D050"/>
+          </a:solidFill>
+          <a:ln>
+            <a:noFill/>
+          </a:ln>
+        </p:spPr>
+        <p:style>
+          <a:lnRef idx="2">
+            <a:schemeClr val="accent1">
+              <a:shade val="50000"/>
+            </a:schemeClr>
+          </a:lnRef>
+          <a:fillRef idx="1">
+            <a:schemeClr val="accent1"/>
+          </a:fillRef>
+          <a:effectRef idx="0">
+            <a:schemeClr val="accent1"/>
+          </a:effectRef>
+          <a:fontRef idx="minor">
+            <a:schemeClr val="lt1"/>
+          </a:fontRef>
+        </p:style>
+        <p:txBody>
+          <a:bodyPr rtlCol="0" anchor="ctr"/>
+          <a:lstStyle/>
+          <a:p>
+            <a:pPr algn="ctr"/>
+            <a:endParaRPr lang="ca-ES"/>
+          </a:p>
+        </p:txBody>
+      </p:sp>
+      <p:sp>
+        <p:nvSpPr>
+          <p:cNvPr id="11" name="Elipse 10">
+            <a:extLst>
+              <a:ext uri="{FF2B5EF4-FFF2-40B4-BE49-F238E27FC236}">
+                <a16:creationId xmlns:a16="http://schemas.microsoft.com/office/drawing/2014/main" id="{31DF2E9D-9F67-873F-EEDE-1162D28FF00B}"/>
+              </a:ext>
+            </a:extLst>
+          </p:cNvPr>
+          <p:cNvSpPr/>
+          <p:nvPr/>
+        </p:nvSpPr>
+        <p:spPr>
+          <a:xfrm>
+            <a:off x="8044498" y="3123418"/>
+            <a:ext cx="728345" cy="1362857"/>
+          </a:xfrm>
+          <a:prstGeom prst="ellipse">
+            <a:avLst/>
+          </a:prstGeom>
+          <a:solidFill>
+            <a:srgbClr val="92D050"/>
+          </a:solidFill>
+          <a:ln>
+            <a:noFill/>
+          </a:ln>
+        </p:spPr>
+        <p:style>
+          <a:lnRef idx="2">
+            <a:schemeClr val="accent1">
+              <a:shade val="50000"/>
+            </a:schemeClr>
+          </a:lnRef>
+          <a:fillRef idx="1">
+            <a:schemeClr val="accent1"/>
+          </a:fillRef>
+          <a:effectRef idx="0">
+            <a:schemeClr val="accent1"/>
+          </a:effectRef>
+          <a:fontRef idx="minor">
+            <a:schemeClr val="lt1"/>
+          </a:fontRef>
+        </p:style>
+        <p:txBody>
+          <a:bodyPr rtlCol="0" anchor="ctr"/>
+          <a:lstStyle/>
+          <a:p>
+            <a:pPr algn="ctr"/>
+            <a:endParaRPr lang="ca-ES"/>
+          </a:p>
+        </p:txBody>
+      </p:sp>
+      <p:sp>
+        <p:nvSpPr>
+          <p:cNvPr id="7" name="Elipse 6">
+            <a:extLst>
+              <a:ext uri="{FF2B5EF4-FFF2-40B4-BE49-F238E27FC236}">
+                <a16:creationId xmlns:a16="http://schemas.microsoft.com/office/drawing/2014/main" id="{42CA9683-6A80-A728-36C9-917AAA1E7042}"/>
+              </a:ext>
+            </a:extLst>
+          </p:cNvPr>
+          <p:cNvSpPr/>
+          <p:nvPr/>
+        </p:nvSpPr>
+        <p:spPr>
+          <a:xfrm>
+            <a:off x="6729730" y="3123418"/>
+            <a:ext cx="728345" cy="1362857"/>
+          </a:xfrm>
+          <a:prstGeom prst="ellipse">
+            <a:avLst/>
+          </a:prstGeom>
+          <a:solidFill>
+            <a:srgbClr val="92D050"/>
+          </a:solidFill>
+          <a:ln>
+            <a:noFill/>
+          </a:ln>
+        </p:spPr>
+        <p:style>
+          <a:lnRef idx="2">
+            <a:schemeClr val="accent1">
+              <a:shade val="50000"/>
+            </a:schemeClr>
+          </a:lnRef>
+          <a:fillRef idx="1">
+            <a:schemeClr val="accent1"/>
+          </a:fillRef>
+          <a:effectRef idx="0">
+            <a:schemeClr val="accent1"/>
+          </a:effectRef>
+          <a:fontRef idx="minor">
+            <a:schemeClr val="lt1"/>
+          </a:fontRef>
+        </p:style>
+        <p:txBody>
+          <a:bodyPr rtlCol="0" anchor="ctr"/>
+          <a:lstStyle/>
+          <a:p>
+            <a:pPr algn="ctr"/>
+            <a:endParaRPr lang="ca-ES"/>
+          </a:p>
+        </p:txBody>
+      </p:sp>
+      <p:sp>
+        <p:nvSpPr>
+          <p:cNvPr id="4" name="Elipse 3">
+            <a:extLst>
+              <a:ext uri="{FF2B5EF4-FFF2-40B4-BE49-F238E27FC236}">
+                <a16:creationId xmlns:a16="http://schemas.microsoft.com/office/drawing/2014/main" id="{3D50D2BE-6F37-70B1-1E6F-67593D7CDC01}"/>
+              </a:ext>
+            </a:extLst>
+          </p:cNvPr>
+          <p:cNvSpPr/>
+          <p:nvPr/>
+        </p:nvSpPr>
+        <p:spPr>
+          <a:xfrm>
+            <a:off x="913765" y="695960"/>
+            <a:ext cx="3190240" cy="3190240"/>
+          </a:xfrm>
+          <a:prstGeom prst="ellipse">
+            <a:avLst/>
+          </a:prstGeom>
+          <a:gradFill flip="none" rotWithShape="1">
+            <a:gsLst>
+              <a:gs pos="0">
+                <a:srgbClr val="92D050">
+                  <a:shade val="30000"/>
+                  <a:satMod val="115000"/>
+                </a:srgbClr>
+              </a:gs>
+              <a:gs pos="50000">
+                <a:srgbClr val="92D050">
+                  <a:shade val="67500"/>
+                  <a:satMod val="115000"/>
+                </a:srgbClr>
+              </a:gs>
+              <a:gs pos="100000">
+                <a:srgbClr val="92D050">
+                  <a:shade val="100000"/>
+                  <a:satMod val="115000"/>
+                </a:srgbClr>
+              </a:gs>
+            </a:gsLst>
+            <a:lin ang="13500000" scaled="1"/>
+            <a:tileRect/>
+          </a:gradFill>
+          <a:ln>
+            <a:noFill/>
+          </a:ln>
+        </p:spPr>
+        <p:style>
+          <a:lnRef idx="2">
+            <a:schemeClr val="accent1">
+              <a:shade val="50000"/>
+            </a:schemeClr>
+          </a:lnRef>
+          <a:fillRef idx="1">
+            <a:schemeClr val="accent1"/>
+          </a:fillRef>
+          <a:effectRef idx="0">
+            <a:schemeClr val="accent1"/>
+          </a:effectRef>
+          <a:fontRef idx="minor">
+            <a:schemeClr val="lt1"/>
+          </a:fontRef>
+        </p:style>
+        <p:txBody>
+          <a:bodyPr rtlCol="0" anchor="ctr"/>
+          <a:lstStyle/>
+          <a:p>
+            <a:pPr algn="ctr"/>
+            <a:endParaRPr lang="ca-ES"/>
+          </a:p>
+        </p:txBody>
+      </p:sp>
+      <p:sp>
+        <p:nvSpPr>
+          <p:cNvPr id="5" name="Elipse 4">
+            <a:extLst>
+              <a:ext uri="{FF2B5EF4-FFF2-40B4-BE49-F238E27FC236}">
+                <a16:creationId xmlns:a16="http://schemas.microsoft.com/office/drawing/2014/main" id="{091FB76C-EB6B-2663-479F-1B1C3B60B397}"/>
+              </a:ext>
+            </a:extLst>
+          </p:cNvPr>
+          <p:cNvSpPr/>
+          <p:nvPr/>
+        </p:nvSpPr>
+        <p:spPr>
+          <a:xfrm>
+            <a:off x="1638300" y="1323974"/>
+            <a:ext cx="561975" cy="561975"/>
+          </a:xfrm>
+          <a:prstGeom prst="ellipse">
+            <a:avLst/>
+          </a:prstGeom>
+          <a:solidFill>
+            <a:schemeClr val="bg1"/>
+          </a:solidFill>
+          <a:ln>
+            <a:noFill/>
+          </a:ln>
+        </p:spPr>
+        <p:style>
+          <a:lnRef idx="2">
+            <a:schemeClr val="accent1">
+              <a:shade val="50000"/>
+            </a:schemeClr>
+          </a:lnRef>
+          <a:fillRef idx="1">
+            <a:schemeClr val="accent1"/>
+          </a:fillRef>
+          <a:effectRef idx="0">
+            <a:schemeClr val="accent1"/>
+          </a:effectRef>
+          <a:fontRef idx="minor">
+            <a:schemeClr val="lt1"/>
+          </a:fontRef>
+        </p:style>
+        <p:txBody>
+          <a:bodyPr rtlCol="0" anchor="ctr"/>
+          <a:lstStyle/>
+          <a:p>
+            <a:pPr algn="ctr"/>
+            <a:endParaRPr lang="ca-ES"/>
+          </a:p>
+        </p:txBody>
+      </p:sp>
+      <p:sp>
+        <p:nvSpPr>
+          <p:cNvPr id="6" name="Elipse 5">
+            <a:extLst>
+              <a:ext uri="{FF2B5EF4-FFF2-40B4-BE49-F238E27FC236}">
+                <a16:creationId xmlns:a16="http://schemas.microsoft.com/office/drawing/2014/main" id="{C933C998-7306-15B2-A60C-EA8563C7E60F}"/>
+              </a:ext>
+            </a:extLst>
+          </p:cNvPr>
+          <p:cNvSpPr/>
+          <p:nvPr/>
+        </p:nvSpPr>
+        <p:spPr>
+          <a:xfrm>
+            <a:off x="6096000" y="1323974"/>
+            <a:ext cx="3286760" cy="2762251"/>
+          </a:xfrm>
+          <a:prstGeom prst="ellipse">
+            <a:avLst/>
+          </a:prstGeom>
+          <a:solidFill>
+            <a:srgbClr val="92D050"/>
+          </a:solidFill>
+          <a:ln>
+            <a:noFill/>
+          </a:ln>
+        </p:spPr>
+        <p:style>
+          <a:lnRef idx="2">
+            <a:schemeClr val="accent1">
+              <a:shade val="50000"/>
+            </a:schemeClr>
+          </a:lnRef>
+          <a:fillRef idx="1">
+            <a:schemeClr val="accent1"/>
+          </a:fillRef>
+          <a:effectRef idx="0">
+            <a:schemeClr val="accent1"/>
+          </a:effectRef>
+          <a:fontRef idx="minor">
+            <a:schemeClr val="lt1"/>
+          </a:fontRef>
+        </p:style>
+        <p:txBody>
+          <a:bodyPr rtlCol="0" anchor="ctr"/>
+          <a:lstStyle/>
+          <a:p>
+            <a:pPr algn="ctr"/>
+            <a:endParaRPr lang="ca-ES"/>
+          </a:p>
+        </p:txBody>
+      </p:sp>
+      <p:sp>
+        <p:nvSpPr>
+          <p:cNvPr id="8" name="Elipse 7">
+            <a:extLst>
+              <a:ext uri="{FF2B5EF4-FFF2-40B4-BE49-F238E27FC236}">
+                <a16:creationId xmlns:a16="http://schemas.microsoft.com/office/drawing/2014/main" id="{7DE91EAE-BC0D-451C-C821-B659A448CA7A}"/>
+              </a:ext>
+            </a:extLst>
+          </p:cNvPr>
+          <p:cNvSpPr/>
+          <p:nvPr/>
+        </p:nvSpPr>
+        <p:spPr>
+          <a:xfrm>
+            <a:off x="6740049" y="1932793"/>
+            <a:ext cx="823595" cy="1496207"/>
+          </a:xfrm>
+          <a:prstGeom prst="ellipse">
+            <a:avLst/>
+          </a:prstGeom>
+          <a:solidFill>
+            <a:schemeClr val="accent6">
+              <a:lumMod val="75000"/>
+            </a:schemeClr>
+          </a:solidFill>
+          <a:ln>
+            <a:noFill/>
+          </a:ln>
+        </p:spPr>
+        <p:style>
+          <a:lnRef idx="2">
+            <a:schemeClr val="accent1">
+              <a:shade val="50000"/>
+            </a:schemeClr>
+          </a:lnRef>
+          <a:fillRef idx="1">
+            <a:schemeClr val="accent1"/>
+          </a:fillRef>
+          <a:effectRef idx="0">
+            <a:schemeClr val="accent1"/>
+          </a:effectRef>
+          <a:fontRef idx="minor">
+            <a:schemeClr val="lt1"/>
+          </a:fontRef>
+        </p:style>
+        <p:txBody>
+          <a:bodyPr rtlCol="0" anchor="ctr"/>
+          <a:lstStyle/>
+          <a:p>
+            <a:pPr algn="ctr"/>
+            <a:endParaRPr lang="ca-ES"/>
+          </a:p>
+        </p:txBody>
+      </p:sp>
+      <p:sp>
+        <p:nvSpPr>
+          <p:cNvPr id="9" name="Elipse 8">
+            <a:extLst>
+              <a:ext uri="{FF2B5EF4-FFF2-40B4-BE49-F238E27FC236}">
+                <a16:creationId xmlns:a16="http://schemas.microsoft.com/office/drawing/2014/main" id="{339E9F57-11FC-9EA7-42A1-89233B5AB403}"/>
+              </a:ext>
+            </a:extLst>
+          </p:cNvPr>
+          <p:cNvSpPr/>
+          <p:nvPr/>
+        </p:nvSpPr>
+        <p:spPr>
+          <a:xfrm>
+            <a:off x="7935754" y="1932793"/>
+            <a:ext cx="823595" cy="1496207"/>
+          </a:xfrm>
+          <a:prstGeom prst="ellipse">
+            <a:avLst/>
+          </a:prstGeom>
+          <a:solidFill>
+            <a:schemeClr val="accent6">
+              <a:lumMod val="75000"/>
+            </a:schemeClr>
+          </a:solidFill>
+          <a:ln>
+            <a:noFill/>
+          </a:ln>
+        </p:spPr>
+        <p:style>
+          <a:lnRef idx="2">
+            <a:schemeClr val="accent1">
+              <a:shade val="50000"/>
+            </a:schemeClr>
+          </a:lnRef>
+          <a:fillRef idx="1">
+            <a:schemeClr val="accent1"/>
+          </a:fillRef>
+          <a:effectRef idx="0">
+            <a:schemeClr val="accent1"/>
+          </a:effectRef>
+          <a:fontRef idx="minor">
+            <a:schemeClr val="lt1"/>
+          </a:fontRef>
+        </p:style>
+        <p:txBody>
+          <a:bodyPr rtlCol="0" anchor="ctr"/>
+          <a:lstStyle/>
+          <a:p>
+            <a:pPr algn="ctr"/>
+            <a:endParaRPr lang="ca-ES"/>
+          </a:p>
+        </p:txBody>
+      </p:sp>
+    </p:spTree>
+    <p:extLst>
+      <p:ext uri="{BB962C8B-B14F-4D97-AF65-F5344CB8AC3E}">
+        <p14:creationId xmlns:p14="http://schemas.microsoft.com/office/powerpoint/2010/main" val="2439578600"/>
       </p:ext>
     </p:extLst>
   </p:cSld>

--- a/TDR/Assets/Grafics.pptx
+++ b/TDR/Assets/Grafics.pptx
@@ -265,7 +265,7 @@
           <a:p>
             <a:fld id="{F64DB6B8-F5AD-4865-AF8B-2FAB6E13D093}" type="datetimeFigureOut">
               <a:rPr lang="ca-ES" smtClean="0"/>
-              <a:t>30/8/2022</a:t>
+              <a:t>26/2/2023</a:t>
             </a:fld>
             <a:endParaRPr lang="ca-ES"/>
           </a:p>
@@ -465,7 +465,7 @@
           <a:p>
             <a:fld id="{F64DB6B8-F5AD-4865-AF8B-2FAB6E13D093}" type="datetimeFigureOut">
               <a:rPr lang="ca-ES" smtClean="0"/>
-              <a:t>30/8/2022</a:t>
+              <a:t>26/2/2023</a:t>
             </a:fld>
             <a:endParaRPr lang="ca-ES"/>
           </a:p>
@@ -675,7 +675,7 @@
           <a:p>
             <a:fld id="{F64DB6B8-F5AD-4865-AF8B-2FAB6E13D093}" type="datetimeFigureOut">
               <a:rPr lang="ca-ES" smtClean="0"/>
-              <a:t>30/8/2022</a:t>
+              <a:t>26/2/2023</a:t>
             </a:fld>
             <a:endParaRPr lang="ca-ES"/>
           </a:p>
@@ -875,7 +875,7 @@
           <a:p>
             <a:fld id="{F64DB6B8-F5AD-4865-AF8B-2FAB6E13D093}" type="datetimeFigureOut">
               <a:rPr lang="ca-ES" smtClean="0"/>
-              <a:t>30/8/2022</a:t>
+              <a:t>26/2/2023</a:t>
             </a:fld>
             <a:endParaRPr lang="ca-ES"/>
           </a:p>
@@ -1151,7 +1151,7 @@
           <a:p>
             <a:fld id="{F64DB6B8-F5AD-4865-AF8B-2FAB6E13D093}" type="datetimeFigureOut">
               <a:rPr lang="ca-ES" smtClean="0"/>
-              <a:t>30/8/2022</a:t>
+              <a:t>26/2/2023</a:t>
             </a:fld>
             <a:endParaRPr lang="ca-ES"/>
           </a:p>
@@ -1419,7 +1419,7 @@
           <a:p>
             <a:fld id="{F64DB6B8-F5AD-4865-AF8B-2FAB6E13D093}" type="datetimeFigureOut">
               <a:rPr lang="ca-ES" smtClean="0"/>
-              <a:t>30/8/2022</a:t>
+              <a:t>26/2/2023</a:t>
             </a:fld>
             <a:endParaRPr lang="ca-ES"/>
           </a:p>
@@ -1834,7 +1834,7 @@
           <a:p>
             <a:fld id="{F64DB6B8-F5AD-4865-AF8B-2FAB6E13D093}" type="datetimeFigureOut">
               <a:rPr lang="ca-ES" smtClean="0"/>
-              <a:t>30/8/2022</a:t>
+              <a:t>26/2/2023</a:t>
             </a:fld>
             <a:endParaRPr lang="ca-ES"/>
           </a:p>
@@ -1976,7 +1976,7 @@
           <a:p>
             <a:fld id="{F64DB6B8-F5AD-4865-AF8B-2FAB6E13D093}" type="datetimeFigureOut">
               <a:rPr lang="ca-ES" smtClean="0"/>
-              <a:t>30/8/2022</a:t>
+              <a:t>26/2/2023</a:t>
             </a:fld>
             <a:endParaRPr lang="ca-ES"/>
           </a:p>
@@ -2089,7 +2089,7 @@
           <a:p>
             <a:fld id="{F64DB6B8-F5AD-4865-AF8B-2FAB6E13D093}" type="datetimeFigureOut">
               <a:rPr lang="ca-ES" smtClean="0"/>
-              <a:t>30/8/2022</a:t>
+              <a:t>26/2/2023</a:t>
             </a:fld>
             <a:endParaRPr lang="ca-ES"/>
           </a:p>
@@ -2402,7 +2402,7 @@
           <a:p>
             <a:fld id="{F64DB6B8-F5AD-4865-AF8B-2FAB6E13D093}" type="datetimeFigureOut">
               <a:rPr lang="ca-ES" smtClean="0"/>
-              <a:t>30/8/2022</a:t>
+              <a:t>26/2/2023</a:t>
             </a:fld>
             <a:endParaRPr lang="ca-ES"/>
           </a:p>
@@ -2691,7 +2691,7 @@
           <a:p>
             <a:fld id="{F64DB6B8-F5AD-4865-AF8B-2FAB6E13D093}" type="datetimeFigureOut">
               <a:rPr lang="ca-ES" smtClean="0"/>
-              <a:t>30/8/2022</a:t>
+              <a:t>26/2/2023</a:t>
             </a:fld>
             <a:endParaRPr lang="ca-ES"/>
           </a:p>
@@ -2934,7 +2934,7 @@
           <a:p>
             <a:fld id="{F64DB6B8-F5AD-4865-AF8B-2FAB6E13D093}" type="datetimeFigureOut">
               <a:rPr lang="ca-ES" smtClean="0"/>
-              <a:t>30/8/2022</a:t>
+              <a:t>26/2/2023</a:t>
             </a:fld>
             <a:endParaRPr lang="ca-ES"/>
           </a:p>
@@ -13201,6 +13201,75 @@
       </p:grpSpPr>
       <p:sp>
         <p:nvSpPr>
+          <p:cNvPr id="12" name="Elipse 11">
+            <a:extLst>
+              <a:ext uri="{FF2B5EF4-FFF2-40B4-BE49-F238E27FC236}">
+                <a16:creationId xmlns:a16="http://schemas.microsoft.com/office/drawing/2014/main" id="{4B9E88E7-7D79-2701-30BE-BFC71D9936C8}"/>
+              </a:ext>
+            </a:extLst>
+          </p:cNvPr>
+          <p:cNvSpPr/>
+          <p:nvPr/>
+        </p:nvSpPr>
+        <p:spPr>
+          <a:xfrm>
+            <a:off x="8422756" y="494146"/>
+            <a:ext cx="3007684" cy="3007684"/>
+          </a:xfrm>
+          <a:prstGeom prst="ellipse">
+            <a:avLst/>
+          </a:prstGeom>
+          <a:gradFill flip="none" rotWithShape="1">
+            <a:gsLst>
+              <a:gs pos="70000">
+                <a:schemeClr val="bg1">
+                  <a:alpha val="0"/>
+                </a:schemeClr>
+              </a:gs>
+              <a:gs pos="48000">
+                <a:schemeClr val="bg1">
+                  <a:lumMod val="95000"/>
+                  <a:shade val="100000"/>
+                  <a:satMod val="115000"/>
+                </a:schemeClr>
+              </a:gs>
+            </a:gsLst>
+            <a:path path="circle">
+              <a:fillToRect l="50000" t="50000" r="50000" b="50000"/>
+            </a:path>
+            <a:tileRect/>
+          </a:gradFill>
+          <a:ln>
+            <a:noFill/>
+          </a:ln>
+        </p:spPr>
+        <p:style>
+          <a:lnRef idx="2">
+            <a:schemeClr val="accent1">
+              <a:shade val="50000"/>
+            </a:schemeClr>
+          </a:lnRef>
+          <a:fillRef idx="1">
+            <a:schemeClr val="accent1"/>
+          </a:fillRef>
+          <a:effectRef idx="0">
+            <a:schemeClr val="accent1"/>
+          </a:effectRef>
+          <a:fontRef idx="minor">
+            <a:schemeClr val="lt1"/>
+          </a:fontRef>
+        </p:style>
+        <p:txBody>
+          <a:bodyPr rtlCol="0" anchor="ctr"/>
+          <a:lstStyle/>
+          <a:p>
+            <a:pPr algn="ctr"/>
+            <a:endParaRPr lang="ca-ES"/>
+          </a:p>
+        </p:txBody>
+      </p:sp>
+      <p:sp>
+        <p:nvSpPr>
           <p:cNvPr id="10" name="Elipse 9">
             <a:extLst>
               <a:ext uri="{FF2B5EF4-FFF2-40B4-BE49-F238E27FC236}">
@@ -13213,7 +13282,7 @@
         </p:nvSpPr>
         <p:spPr>
           <a:xfrm>
-            <a:off x="7363460" y="3123418"/>
+            <a:off x="5870220" y="2248798"/>
             <a:ext cx="728345" cy="1362857"/>
           </a:xfrm>
           <a:prstGeom prst="ellipse">
@@ -13265,7 +13334,7 @@
         </p:nvSpPr>
         <p:spPr>
           <a:xfrm>
-            <a:off x="8044498" y="3123418"/>
+            <a:off x="6551258" y="2248798"/>
             <a:ext cx="728345" cy="1362857"/>
           </a:xfrm>
           <a:prstGeom prst="ellipse">
@@ -13317,7 +13386,7 @@
         </p:nvSpPr>
         <p:spPr>
           <a:xfrm>
-            <a:off x="6729730" y="3123418"/>
+            <a:off x="5236490" y="2248798"/>
             <a:ext cx="728345" cy="1362857"/>
           </a:xfrm>
           <a:prstGeom prst="ellipse">
@@ -13494,7 +13563,7 @@
         </p:nvSpPr>
         <p:spPr>
           <a:xfrm>
-            <a:off x="6096000" y="1323974"/>
+            <a:off x="4602760" y="449354"/>
             <a:ext cx="3286760" cy="2762251"/>
           </a:xfrm>
           <a:prstGeom prst="ellipse">
@@ -13546,7 +13615,7 @@
         </p:nvSpPr>
         <p:spPr>
           <a:xfrm>
-            <a:off x="6740049" y="1932793"/>
+            <a:off x="5246809" y="1058173"/>
             <a:ext cx="823595" cy="1496207"/>
           </a:xfrm>
           <a:prstGeom prst="ellipse">
@@ -13600,7 +13669,7 @@
         </p:nvSpPr>
         <p:spPr>
           <a:xfrm>
-            <a:off x="7935754" y="1932793"/>
+            <a:off x="6442514" y="1058173"/>
             <a:ext cx="823595" cy="1496207"/>
           </a:xfrm>
           <a:prstGeom prst="ellipse">
@@ -13609,6 +13678,199 @@
           <a:solidFill>
             <a:schemeClr val="accent6">
               <a:lumMod val="75000"/>
+            </a:schemeClr>
+          </a:solidFill>
+          <a:ln>
+            <a:noFill/>
+          </a:ln>
+        </p:spPr>
+        <p:style>
+          <a:lnRef idx="2">
+            <a:schemeClr val="accent1">
+              <a:shade val="50000"/>
+            </a:schemeClr>
+          </a:lnRef>
+          <a:fillRef idx="1">
+            <a:schemeClr val="accent1"/>
+          </a:fillRef>
+          <a:effectRef idx="0">
+            <a:schemeClr val="accent1"/>
+          </a:effectRef>
+          <a:fontRef idx="minor">
+            <a:schemeClr val="lt1"/>
+          </a:fontRef>
+        </p:style>
+        <p:txBody>
+          <a:bodyPr rtlCol="0" anchor="ctr"/>
+          <a:lstStyle/>
+          <a:p>
+            <a:pPr algn="ctr"/>
+            <a:endParaRPr lang="ca-ES"/>
+          </a:p>
+        </p:txBody>
+      </p:sp>
+      <p:pic>
+        <p:nvPicPr>
+          <p:cNvPr id="16" name="Imagen 15">
+            <a:extLst>
+              <a:ext uri="{FF2B5EF4-FFF2-40B4-BE49-F238E27FC236}">
+                <a16:creationId xmlns:a16="http://schemas.microsoft.com/office/drawing/2014/main" id="{8876E683-88A0-8BB9-0A05-07C095FD1F0A}"/>
+              </a:ext>
+            </a:extLst>
+          </p:cNvPr>
+          <p:cNvPicPr>
+            <a:picLocks noChangeAspect="1"/>
+          </p:cNvPicPr>
+          <p:nvPr/>
+        </p:nvPicPr>
+        <p:blipFill>
+          <a:blip r:embed="rId2">
+            <a:duotone>
+              <a:schemeClr val="bg2">
+                <a:shade val="45000"/>
+                <a:satMod val="135000"/>
+              </a:schemeClr>
+              <a:prstClr val="white"/>
+            </a:duotone>
+          </a:blip>
+          <a:stretch>
+            <a:fillRect/>
+          </a:stretch>
+        </p:blipFill>
+        <p:spPr>
+          <a:xfrm>
+            <a:off x="3215546" y="3646395"/>
+            <a:ext cx="3286029" cy="3164098"/>
+          </a:xfrm>
+          <a:prstGeom prst="rect">
+            <a:avLst/>
+          </a:prstGeom>
+        </p:spPr>
+      </p:pic>
+      <p:pic>
+        <p:nvPicPr>
+          <p:cNvPr id="18" name="Imagen 17">
+            <a:extLst>
+              <a:ext uri="{FF2B5EF4-FFF2-40B4-BE49-F238E27FC236}">
+                <a16:creationId xmlns:a16="http://schemas.microsoft.com/office/drawing/2014/main" id="{118F277B-DD55-366D-D304-D28FC7880CD9}"/>
+              </a:ext>
+            </a:extLst>
+          </p:cNvPr>
+          <p:cNvPicPr>
+            <a:picLocks noChangeAspect="1"/>
+          </p:cNvPicPr>
+          <p:nvPr/>
+        </p:nvPicPr>
+        <p:blipFill>
+          <a:blip r:embed="rId3">
+            <a:duotone>
+              <a:schemeClr val="bg2">
+                <a:shade val="45000"/>
+                <a:satMod val="135000"/>
+              </a:schemeClr>
+              <a:prstClr val="white"/>
+            </a:duotone>
+          </a:blip>
+          <a:stretch>
+            <a:fillRect/>
+          </a:stretch>
+        </p:blipFill>
+        <p:spPr>
+          <a:xfrm>
+            <a:off x="-27310" y="3615912"/>
+            <a:ext cx="3188484" cy="3194581"/>
+          </a:xfrm>
+          <a:prstGeom prst="rect">
+            <a:avLst/>
+          </a:prstGeom>
+        </p:spPr>
+      </p:pic>
+      <p:sp>
+        <p:nvSpPr>
+          <p:cNvPr id="19" name="Corazón 18">
+            <a:extLst>
+              <a:ext uri="{FF2B5EF4-FFF2-40B4-BE49-F238E27FC236}">
+                <a16:creationId xmlns:a16="http://schemas.microsoft.com/office/drawing/2014/main" id="{7C4A869D-E164-7C2D-1BEB-84B9CB3A4BDE}"/>
+              </a:ext>
+            </a:extLst>
+          </p:cNvPr>
+          <p:cNvSpPr/>
+          <p:nvPr/>
+        </p:nvSpPr>
+        <p:spPr>
+          <a:xfrm>
+            <a:off x="9358359" y="4001548"/>
+            <a:ext cx="2072080" cy="2072080"/>
+          </a:xfrm>
+          <a:prstGeom prst="heart">
+            <a:avLst/>
+          </a:prstGeom>
+          <a:gradFill flip="none" rotWithShape="1">
+            <a:gsLst>
+              <a:gs pos="0">
+                <a:srgbClr val="7030A0"/>
+              </a:gs>
+              <a:gs pos="100000">
+                <a:srgbClr val="F117F1"/>
+              </a:gs>
+            </a:gsLst>
+            <a:lin ang="13500000" scaled="1"/>
+            <a:tileRect/>
+          </a:gradFill>
+          <a:ln w="76200">
+            <a:solidFill>
+              <a:srgbClr val="D50DD5"/>
+            </a:solidFill>
+          </a:ln>
+        </p:spPr>
+        <p:style>
+          <a:lnRef idx="2">
+            <a:schemeClr val="accent1">
+              <a:shade val="50000"/>
+            </a:schemeClr>
+          </a:lnRef>
+          <a:fillRef idx="1">
+            <a:schemeClr val="accent1"/>
+          </a:fillRef>
+          <a:effectRef idx="0">
+            <a:schemeClr val="accent1"/>
+          </a:effectRef>
+          <a:fontRef idx="minor">
+            <a:schemeClr val="lt1"/>
+          </a:fontRef>
+        </p:style>
+        <p:txBody>
+          <a:bodyPr rtlCol="0" anchor="ctr"/>
+          <a:lstStyle/>
+          <a:p>
+            <a:pPr algn="ctr"/>
+            <a:endParaRPr lang="ca-ES"/>
+          </a:p>
+        </p:txBody>
+      </p:sp>
+      <p:sp>
+        <p:nvSpPr>
+          <p:cNvPr id="3" name="Elipse 2">
+            <a:extLst>
+              <a:ext uri="{FF2B5EF4-FFF2-40B4-BE49-F238E27FC236}">
+                <a16:creationId xmlns:a16="http://schemas.microsoft.com/office/drawing/2014/main" id="{B1927D17-1B9F-1638-ACA5-30645DF8CCF6}"/>
+              </a:ext>
+            </a:extLst>
+          </p:cNvPr>
+          <p:cNvSpPr/>
+          <p:nvPr/>
+        </p:nvSpPr>
+        <p:spPr>
+          <a:xfrm>
+            <a:off x="8712982" y="784372"/>
+            <a:ext cx="2427233" cy="2427233"/>
+          </a:xfrm>
+          <a:prstGeom prst="ellipse">
+            <a:avLst/>
+          </a:prstGeom>
+          <a:solidFill>
+            <a:schemeClr val="bg1">
+              <a:lumMod val="95000"/>
             </a:schemeClr>
           </a:solidFill>
           <a:ln>
